--- a/slides/open_source.pptx
+++ b/slides/open_source.pptx
@@ -273,7 +273,7 @@
             <a:fld id="{E8232883-DBF1-4B11-A3EF-8BE56DDF49A3}" type="datetimeFigureOut">
               <a:rPr lang="en-US" smtClean="0"/>
               <a:pPr/>
-              <a:t>6/17/2010</a:t>
+              <a:t>9/19/2010</a:t>
             </a:fld>
             <a:endParaRPr lang="en-US"/>
           </a:p>
@@ -350,6 +350,11 @@
         </p:txBody>
       </p:sp>
     </p:spTree>
+    <p:extLst>
+      <p:ext uri="{BB962C8B-B14F-4D97-AF65-F5344CB8AC3E}">
+        <p14:creationId xmlns:p14="http://schemas.microsoft.com/office/powerpoint/2010/main" val="1420427029"/>
+      </p:ext>
+    </p:extLst>
   </p:cSld>
   <p:clrMap bg1="lt1" tx1="dk1" bg2="lt2" tx2="dk2" accent1="accent1" accent2="accent2" accent3="accent3" accent4="accent4" accent5="accent5" accent6="accent6" hlink="hlink" folHlink="folHlink"/>
 </p:handoutMaster>
@@ -462,7 +467,7 @@
               <a:pPr>
                 <a:defRPr/>
               </a:pPr>
-              <a:t>6/17/2010</a:t>
+              <a:t>9/19/2010</a:t>
             </a:fld>
             <a:endParaRPr lang="en-US"/>
           </a:p>
@@ -655,6 +660,11 @@
         </p:txBody>
       </p:sp>
     </p:spTree>
+    <p:extLst>
+      <p:ext uri="{BB962C8B-B14F-4D97-AF65-F5344CB8AC3E}">
+        <p14:creationId xmlns:p14="http://schemas.microsoft.com/office/powerpoint/2010/main" val="206296066"/>
+      </p:ext>
+    </p:extLst>
   </p:cSld>
   <p:clrMap bg1="lt1" tx1="dk1" bg2="lt2" tx2="dk2" accent1="accent1" accent2="accent2" accent3="accent3" accent4="accent4" accent5="accent5" accent6="accent6" hlink="hlink" folHlink="folHlink"/>
   <p:notesStyle>
@@ -7039,7 +7049,7 @@
               <a:pPr>
                 <a:defRPr/>
               </a:pPr>
-              <a:t>6/17/2010</a:t>
+              <a:t>9/19/2010</a:t>
             </a:fld>
             <a:endParaRPr lang="en-US"/>
           </a:p>
@@ -7370,7 +7380,7 @@
               <a:pPr>
                 <a:defRPr/>
               </a:pPr>
-              <a:t>6/17/2010</a:t>
+              <a:t>9/19/2010</a:t>
             </a:fld>
             <a:endParaRPr lang="en-US"/>
           </a:p>
@@ -7560,7 +7570,7 @@
               <a:pPr>
                 <a:defRPr/>
               </a:pPr>
-              <a:t>6/17/2010</a:t>
+              <a:t>9/19/2010</a:t>
             </a:fld>
             <a:endParaRPr lang="en-US"/>
           </a:p>
@@ -7887,7 +7897,7 @@
               <a:pPr>
                 <a:defRPr/>
               </a:pPr>
-              <a:t>6/17/2010</a:t>
+              <a:t>9/19/2010</a:t>
             </a:fld>
             <a:endParaRPr lang="en-US"/>
           </a:p>
@@ -8200,7 +8210,7 @@
               <a:pPr>
                 <a:defRPr/>
               </a:pPr>
-              <a:t>6/17/2010</a:t>
+              <a:t>9/19/2010</a:t>
             </a:fld>
             <a:endParaRPr lang="en-US"/>
           </a:p>
@@ -8508,7 +8518,7 @@
               <a:pPr>
                 <a:defRPr/>
               </a:pPr>
-              <a:t>6/17/2010</a:t>
+              <a:t>9/19/2010</a:t>
             </a:fld>
             <a:endParaRPr lang="en-US"/>
           </a:p>
@@ -8951,7 +8961,7 @@
               <a:pPr>
                 <a:defRPr/>
               </a:pPr>
-              <a:t>6/17/2010</a:t>
+              <a:t>9/19/2010</a:t>
             </a:fld>
             <a:endParaRPr lang="en-US"/>
           </a:p>
@@ -9084,7 +9094,7 @@
               <a:pPr>
                 <a:defRPr/>
               </a:pPr>
-              <a:t>6/17/2010</a:t>
+              <a:t>9/19/2010</a:t>
             </a:fld>
             <a:endParaRPr lang="en-US"/>
           </a:p>
@@ -9189,7 +9199,7 @@
               <a:pPr>
                 <a:defRPr/>
               </a:pPr>
-              <a:t>6/17/2010</a:t>
+              <a:t>9/19/2010</a:t>
             </a:fld>
             <a:endParaRPr lang="en-US"/>
           </a:p>
@@ -9454,7 +9464,7 @@
               <a:pPr>
                 <a:defRPr/>
               </a:pPr>
-              <a:t>6/17/2010</a:t>
+              <a:t>9/19/2010</a:t>
             </a:fld>
             <a:endParaRPr lang="en-US"/>
           </a:p>
@@ -9985,7 +9995,7 @@
               <a:pPr>
                 <a:defRPr/>
               </a:pPr>
-              <a:t>6/17/2010</a:t>
+              <a:t>9/19/2010</a:t>
             </a:fld>
             <a:endParaRPr lang="en-US"/>
           </a:p>
@@ -10230,7 +10240,7 @@
               <a:pPr>
                 <a:defRPr/>
               </a:pPr>
-              <a:t>6/17/2010</a:t>
+              <a:t>9/19/2010</a:t>
             </a:fld>
             <a:endParaRPr lang="en-US"/>
           </a:p>
@@ -10857,19 +10867,11 @@
             <a:pPr algn="r" eaLnBrk="1" hangingPunct="1"/>
             <a:r>
               <a:rPr lang="en-US" sz="1600" b="1" dirty="0" err="1" smtClean="0"/>
-              <a:t>l</a:t>
-            </a:r>
-            <a:r>
-              <a:rPr lang="en-US" sz="1600" b="1" dirty="0" err="1" smtClean="0"/>
-              <a:t>ozanotek</a:t>
+              <a:t>lozanotek</a:t>
             </a:r>
             <a:r>
               <a:rPr lang="en-US" sz="1600" b="1" dirty="0" smtClean="0"/>
-              <a:t>, </a:t>
-            </a:r>
-            <a:r>
-              <a:rPr lang="en-US" sz="1600" b="1" dirty="0" smtClean="0"/>
-              <a:t>principal</a:t>
+              <a:t>, principal</a:t>
             </a:r>
             <a:endParaRPr lang="en-US" sz="1600" b="1" dirty="0"/>
           </a:p>
@@ -12391,13 +12393,8 @@
             </a:r>
             <a:r>
               <a:rPr lang="en-US" sz="3200" dirty="0" smtClean="0"/>
-              <a:t> </a:t>
-            </a:r>
-            <a:r>
-              <a:rPr lang="en-US" sz="3200" dirty="0" smtClean="0"/>
-              <a:t>Overview</a:t>
-            </a:r>
-            <a:endParaRPr lang="en-US" sz="3200" dirty="0" smtClean="0"/>
+              <a:t> Overview</a:t>
+            </a:r>
           </a:p>
         </p:txBody>
       </p:sp>
@@ -12994,7 +12991,11 @@
             </a:pPr>
             <a:r>
               <a:rPr lang="en-US" sz="2400" dirty="0" smtClean="0"/>
-              <a:t>Yet Another Blog Engine (YABE)</a:t>
+              <a:t>Data </a:t>
+            </a:r>
+            <a:r>
+              <a:rPr lang="en-US" sz="2400" dirty="0" smtClean="0"/>
+              <a:t>Tooling</a:t>
             </a:r>
           </a:p>
           <a:p>
@@ -13005,7 +13006,7 @@
             </a:pPr>
             <a:r>
               <a:rPr lang="en-US" sz="2400" dirty="0" smtClean="0"/>
-              <a:t>Data Tooling</a:t>
+              <a:t>Architectural Tooling</a:t>
             </a:r>
           </a:p>
           <a:p>
@@ -13016,7 +13017,7 @@
             </a:pPr>
             <a:r>
               <a:rPr lang="en-US" sz="2400" dirty="0" smtClean="0"/>
-              <a:t>Architectural Tooling</a:t>
+              <a:t>Instrumentation Tooling</a:t>
             </a:r>
           </a:p>
           <a:p>
@@ -13027,7 +13028,7 @@
             </a:pPr>
             <a:r>
               <a:rPr lang="en-US" sz="2400" dirty="0" smtClean="0"/>
-              <a:t>Instrumentation Tooling</a:t>
+              <a:t>Testing Tooling</a:t>
             </a:r>
           </a:p>
           <a:p>
@@ -13037,40 +13038,7 @@
               </a:lnSpc>
             </a:pPr>
             <a:r>
-              <a:rPr lang="en-US" sz="2400" dirty="0" smtClean="0"/>
-              <a:t>Testing Tooling</a:t>
-            </a:r>
-          </a:p>
-          <a:p>
-            <a:pPr>
-              <a:lnSpc>
-                <a:spcPct val="90000"/>
-              </a:lnSpc>
-            </a:pPr>
-            <a:r>
-              <a:rPr lang="en-US" sz="2400" dirty="0" smtClean="0"/>
-              <a:t>Build Tooling</a:t>
-            </a:r>
-          </a:p>
-          <a:p>
-            <a:pPr>
-              <a:lnSpc>
-                <a:spcPct val="90000"/>
-              </a:lnSpc>
-            </a:pPr>
-            <a:r>
-              <a:rPr lang="en-US" sz="2400" dirty="0" smtClean="0"/>
-              <a:t>Recap</a:t>
-            </a:r>
-          </a:p>
-          <a:p>
-            <a:pPr>
-              <a:lnSpc>
-                <a:spcPct val="90000"/>
-              </a:lnSpc>
-            </a:pPr>
-            <a:r>
-              <a:rPr lang="en-US" sz="2400" dirty="0" smtClean="0"/>
+              <a:rPr lang="en-US" sz="2400" smtClean="0"/>
               <a:t>Questions</a:t>
             </a:r>
             <a:endParaRPr lang="en-US" sz="2400" dirty="0" smtClean="0">
@@ -13755,11 +13723,7 @@
             </a:r>
             <a:r>
               <a:rPr lang="en-GB" sz="2400" dirty="0" smtClean="0"/>
-              <a:t> </a:t>
-            </a:r>
-            <a:r>
-              <a:rPr lang="en-GB" sz="2400" dirty="0" smtClean="0"/>
-              <a:t>test</a:t>
+              <a:t> test</a:t>
             </a:r>
           </a:p>
           <a:p>
@@ -13962,13 +13926,8 @@
             </a:r>
             <a:r>
               <a:rPr lang="en-GB" sz="2400" dirty="0" smtClean="0"/>
-              <a:t> is the base implementation of the </a:t>
-            </a:r>
-            <a:r>
-              <a:rPr lang="en-GB" sz="2400" dirty="0" smtClean="0"/>
-              <a:t>container</a:t>
-            </a:r>
-            <a:endParaRPr lang="en-GB" sz="2400" dirty="0" smtClean="0"/>
+              <a:t> is the base implementation of the container</a:t>
+            </a:r>
           </a:p>
         </p:txBody>
       </p:sp>
@@ -14097,11 +14056,7 @@
             </a:pPr>
             <a:r>
               <a:rPr lang="en-GB" sz="2400" dirty="0" smtClean="0"/>
-              <a:t>Windsor </a:t>
-            </a:r>
-            <a:r>
-              <a:rPr lang="en-GB" sz="2400" dirty="0" smtClean="0"/>
-              <a:t>is the facade of the core with a simpler interface</a:t>
+              <a:t>Windsor is the facade of the core with a simpler interface</a:t>
             </a:r>
           </a:p>
           <a:p>
@@ -14246,7 +14201,6 @@
               <a:rPr lang="en-US" sz="3200" dirty="0" smtClean="0"/>
               <a:t>Castle Windsor Overview</a:t>
             </a:r>
-            <a:endParaRPr lang="en-US" sz="3200" dirty="0" smtClean="0"/>
           </a:p>
         </p:txBody>
       </p:sp>
@@ -14650,11 +14604,7 @@
             <a:pPr lvl="1"/>
             <a:r>
               <a:rPr lang="en-US" sz="2400" dirty="0" smtClean="0"/>
-              <a:t>Declarative </a:t>
-            </a:r>
-            <a:r>
-              <a:rPr lang="en-US" sz="2400" dirty="0" smtClean="0"/>
-              <a:t>formatting of trace output / Filtering</a:t>
+              <a:t>Declarative formatting of trace output / Filtering</a:t>
             </a:r>
           </a:p>
           <a:p>
@@ -14786,11 +14736,7 @@
             <a:pPr lvl="1"/>
             <a:r>
               <a:rPr lang="en-US" sz="2400" dirty="0" smtClean="0"/>
-              <a:t>Declarative </a:t>
-            </a:r>
-            <a:r>
-              <a:rPr lang="en-US" sz="2400" dirty="0" smtClean="0"/>
-              <a:t>formatting of trace output / Filtering</a:t>
+              <a:t>Declarative formatting of trace output / Filtering</a:t>
             </a:r>
           </a:p>
           <a:p>
@@ -15072,13 +15018,8 @@
             </a:pPr>
             <a:r>
               <a:rPr lang="en-US" sz="3200" dirty="0" smtClean="0"/>
-              <a:t>log4net </a:t>
-            </a:r>
-            <a:r>
-              <a:rPr lang="en-US" sz="3200" dirty="0" smtClean="0"/>
-              <a:t>Overview</a:t>
-            </a:r>
-            <a:endParaRPr lang="en-US" sz="3200" dirty="0" smtClean="0"/>
+              <a:t>log4net Overview</a:t>
+            </a:r>
           </a:p>
         </p:txBody>
       </p:sp>
@@ -15222,13 +15163,8 @@
             </a:pPr>
             <a:r>
               <a:rPr lang="en-US" sz="2400" dirty="0" smtClean="0"/>
-              <a:t>Is NOT Test Driven Development (TDD</a:t>
-            </a:r>
-            <a:r>
-              <a:rPr lang="en-US" sz="2400" dirty="0" smtClean="0"/>
-              <a:t>)</a:t>
-            </a:r>
-            <a:endParaRPr lang="en-US" sz="2400" dirty="0" smtClean="0"/>
+              <a:t>Is NOT Test Driven Development (TDD)</a:t>
+            </a:r>
           </a:p>
           <a:p>
             <a:pPr lvl="2">
@@ -15393,15 +15329,7 @@
             <a:pPr lvl="1"/>
             <a:r>
               <a:rPr lang="nb-NO" sz="2400" dirty="0" smtClean="0"/>
-              <a:t>F</a:t>
-            </a:r>
-            <a:r>
-              <a:rPr lang="nb-NO" sz="2400" dirty="0" smtClean="0"/>
-              <a:t>ind </a:t>
-            </a:r>
-            <a:r>
-              <a:rPr lang="nb-NO" sz="2400" dirty="0" smtClean="0"/>
-              <a:t>bugs</a:t>
+              <a:t>Find bugs</a:t>
             </a:r>
           </a:p>
           <a:p>
@@ -15422,13 +15350,8 @@
             <a:pPr lvl="1"/>
             <a:r>
               <a:rPr lang="en-US" sz="2400" dirty="0" smtClean="0"/>
-              <a:t>Develop new pieces for the </a:t>
-            </a:r>
-            <a:r>
-              <a:rPr lang="en-US" sz="2400" dirty="0" smtClean="0"/>
-              <a:t>application</a:t>
-            </a:r>
-            <a:endParaRPr lang="en-US" sz="2400" dirty="0" smtClean="0"/>
+              <a:t>Develop new pieces for the application</a:t>
+            </a:r>
           </a:p>
           <a:p>
             <a:pPr lvl="2">
@@ -15574,11 +15497,7 @@
             <a:pPr lvl="1"/>
             <a:r>
               <a:rPr lang="nb-NO" sz="2400" dirty="0" smtClean="0"/>
-              <a:t>Built entirely in C# to take full advantage of CLR </a:t>
-            </a:r>
-            <a:r>
-              <a:rPr lang="nb-NO" sz="2400" dirty="0" smtClean="0"/>
-              <a:t>features</a:t>
+              <a:t>Built entirely in C# to take full advantage of CLR features</a:t>
             </a:r>
             <a:endParaRPr lang="en-US" sz="2400" dirty="0" smtClean="0"/>
           </a:p>
@@ -15730,11 +15649,7 @@
             <a:pPr lvl="1"/>
             <a:r>
               <a:rPr lang="nb-NO" sz="2400" dirty="0" smtClean="0"/>
-              <a:t>Understand </a:t>
-            </a:r>
-            <a:r>
-              <a:rPr lang="nb-NO" sz="2400" dirty="0" smtClean="0"/>
-              <a:t>and document the application</a:t>
+              <a:t>Understand and document the application</a:t>
             </a:r>
           </a:p>
           <a:p>
@@ -15909,7 +15824,6 @@
               <a:rPr lang="en-US" sz="3200" dirty="0" smtClean="0"/>
               <a:t>) Overview</a:t>
             </a:r>
-            <a:endParaRPr lang="en-US" sz="3200" dirty="0" smtClean="0"/>
           </a:p>
         </p:txBody>
       </p:sp>
@@ -16403,13 +16317,8 @@
             </a:pPr>
             <a:r>
               <a:rPr lang="en-US" sz="2400" dirty="0" smtClean="0"/>
-              <a:t>Build </a:t>
-            </a:r>
-            <a:r>
-              <a:rPr lang="en-US" sz="2400" dirty="0" smtClean="0"/>
-              <a:t>Management</a:t>
-            </a:r>
-            <a:endParaRPr lang="en-US" sz="2400" dirty="0" smtClean="0"/>
+              <a:t>Build Management</a:t>
+            </a:r>
           </a:p>
         </p:txBody>
       </p:sp>
@@ -16542,11 +16451,7 @@
             </a:pPr>
             <a:r>
               <a:rPr lang="en-US" sz="2400" dirty="0" smtClean="0"/>
-              <a:t>Monitoring </a:t>
-            </a:r>
-            <a:r>
-              <a:rPr lang="en-US" sz="2400" dirty="0" smtClean="0"/>
-              <a:t>and Statistics Reports</a:t>
+              <a:t>Monitoring and Statistics Reports</a:t>
             </a:r>
           </a:p>
           <a:p>
@@ -16814,13 +16719,8 @@
             </a:r>
             <a:r>
               <a:rPr lang="en-US" sz="3200" dirty="0" smtClean="0"/>
-              <a:t> </a:t>
-            </a:r>
-            <a:r>
-              <a:rPr lang="en-US" sz="3200" dirty="0" smtClean="0"/>
-              <a:t>Overview</a:t>
-            </a:r>
-            <a:endParaRPr lang="en-US" sz="3200" dirty="0" smtClean="0"/>
+              <a:t> Overview</a:t>
+            </a:r>
           </a:p>
         </p:txBody>
       </p:sp>
@@ -17379,7 +17279,6 @@
               <a:rPr lang="en-US" dirty="0" smtClean="0"/>
               <a:t>THANK YOU!</a:t>
             </a:r>
-            <a:endParaRPr lang="en-US" dirty="0" smtClean="0"/>
           </a:p>
         </p:txBody>
       </p:sp>
@@ -17418,36 +17317,23 @@
               <a:rPr lang="en-US" sz="2400" dirty="0" smtClean="0"/>
               <a:t>Email:    javier@lozanotek.com</a:t>
             </a:r>
-            <a:endParaRPr lang="en-US" sz="2400" dirty="0" smtClean="0"/>
           </a:p>
           <a:p>
             <a:r>
               <a:rPr lang="en-US" sz="2400" dirty="0" smtClean="0"/>
-              <a:t>Blog:     http</a:t>
-            </a:r>
+              <a:t>Blog:     http://lozanotek.com/blog</a:t>
+            </a:r>
+          </a:p>
+          <a:p>
             <a:r>
               <a:rPr lang="en-US" sz="2400" dirty="0" smtClean="0"/>
-              <a:t>://lozanotek.com/blog</a:t>
+              <a:t>Twitter:  http://twitter.com/jglozano</a:t>
             </a:r>
           </a:p>
           <a:p>
             <a:r>
               <a:rPr lang="en-US" sz="2400" dirty="0" smtClean="0"/>
-              <a:t>Twitter:  http</a:t>
-            </a:r>
-            <a:r>
-              <a:rPr lang="en-US" sz="2400" dirty="0" smtClean="0"/>
-              <a:t>://twitter.com/jglozano</a:t>
-            </a:r>
-          </a:p>
-          <a:p>
-            <a:r>
-              <a:rPr lang="en-US" sz="2400" dirty="0" smtClean="0"/>
-              <a:t>Code:    http</a:t>
-            </a:r>
-            <a:r>
-              <a:rPr lang="en-US" sz="2400" dirty="0" smtClean="0"/>
-              <a:t>://github.com/jglozano/opensourcetools</a:t>
+              <a:t>Code:    http://github.com/jglozano/opensourcetools</a:t>
             </a:r>
           </a:p>
         </p:txBody>
@@ -17797,36 +17683,23 @@
               <a:rPr lang="en-US" sz="2400" dirty="0" smtClean="0"/>
               <a:t>Email:    javier@lozanotek.com</a:t>
             </a:r>
-            <a:endParaRPr lang="en-US" sz="2400" dirty="0" smtClean="0"/>
           </a:p>
           <a:p>
             <a:r>
               <a:rPr lang="en-US" sz="2400" dirty="0" smtClean="0"/>
-              <a:t>Blog:     http</a:t>
-            </a:r>
+              <a:t>Blog:     http://lozanotek.com/blog</a:t>
+            </a:r>
+          </a:p>
+          <a:p>
             <a:r>
               <a:rPr lang="en-US" sz="2400" dirty="0" smtClean="0"/>
-              <a:t>://lozanotek.com/blog</a:t>
+              <a:t>Twitter:  http://twitter.com/jglozano</a:t>
             </a:r>
           </a:p>
           <a:p>
             <a:r>
               <a:rPr lang="en-US" sz="2400" dirty="0" smtClean="0"/>
-              <a:t>Twitter:  http</a:t>
-            </a:r>
-            <a:r>
-              <a:rPr lang="en-US" sz="2400" dirty="0" smtClean="0"/>
-              <a:t>://twitter.com/jglozano</a:t>
-            </a:r>
-          </a:p>
-          <a:p>
-            <a:r>
-              <a:rPr lang="en-US" sz="2400" dirty="0" smtClean="0"/>
-              <a:t>Code:    http</a:t>
-            </a:r>
-            <a:r>
-              <a:rPr lang="en-US" sz="2400" dirty="0" smtClean="0"/>
-              <a:t>://github.com/jglozano/opensourcetools</a:t>
+              <a:t>Code:    http://github.com/jglozano/opensourcetools</a:t>
             </a:r>
           </a:p>
         </p:txBody>
@@ -17897,7 +17770,6 @@
               <a:rPr lang="en-US" dirty="0" smtClean="0"/>
               <a:t>JOKE TIME</a:t>
             </a:r>
-            <a:endParaRPr lang="en-US" dirty="0" smtClean="0"/>
           </a:p>
         </p:txBody>
       </p:sp>
@@ -17939,7 +17811,6 @@
               <a:rPr lang="en-US" sz="2400" b="1" dirty="0" smtClean="0"/>
               <a:t>How many developers does it take to change a light bulb?</a:t>
             </a:r>
-            <a:endParaRPr lang="en-US" sz="2400" b="1" dirty="0" smtClean="0"/>
           </a:p>
         </p:txBody>
       </p:sp>
@@ -18118,7 +17989,6 @@
               <a:rPr lang="en-US" sz="2400" dirty="0" smtClean="0"/>
               <a:t>We looked at the light fixture and decided there's no point trying to maintain it. </a:t>
             </a:r>
-            <a:endParaRPr lang="en-US" sz="2400" dirty="0" smtClean="0"/>
           </a:p>
           <a:p>
             <a:pPr marL="342900" lvl="0" indent="-342900" fontAlgn="auto">
@@ -18134,13 +18004,8 @@
             </a:pPr>
             <a:r>
               <a:rPr lang="en-US" sz="2400" dirty="0" smtClean="0"/>
-              <a:t>We're </a:t>
-            </a:r>
-            <a:r>
-              <a:rPr lang="en-US" sz="2400" dirty="0" smtClean="0"/>
-              <a:t>going to rewrite it from scratch. </a:t>
-            </a:r>
-            <a:endParaRPr lang="en-US" sz="2400" dirty="0" smtClean="0"/>
+              <a:t>We're going to rewrite it from scratch. </a:t>
+            </a:r>
           </a:p>
           <a:p>
             <a:pPr marL="342900" lvl="0" indent="-342900" fontAlgn="auto">
@@ -18156,11 +18021,7 @@
             </a:pPr>
             <a:r>
               <a:rPr lang="en-US" sz="2400" dirty="0" smtClean="0"/>
-              <a:t>Could </a:t>
-            </a:r>
-            <a:r>
-              <a:rPr lang="en-US" sz="2400" dirty="0" smtClean="0"/>
-              <a:t>you wait two months?</a:t>
+              <a:t>Could you wait two months?</a:t>
             </a:r>
             <a:endParaRPr kumimoji="0" lang="en-US" sz="2400" b="0" i="0" u="none" strike="noStrike" kern="1200" cap="none" spc="30" normalizeH="0" baseline="0" noProof="0" dirty="0" smtClean="0">
               <a:ln>

--- a/slides/open_source.pptx
+++ b/slides/open_source.pptx
@@ -5,10 +5,10 @@
     <p:sldMasterId id="2147483660" r:id="rId1"/>
   </p:sldMasterIdLst>
   <p:notesMasterIdLst>
-    <p:notesMasterId r:id="rId46"/>
+    <p:notesMasterId r:id="rId44"/>
   </p:notesMasterIdLst>
   <p:handoutMasterIdLst>
-    <p:handoutMasterId r:id="rId47"/>
+    <p:handoutMasterId r:id="rId45"/>
   </p:handoutMasterIdLst>
   <p:sldIdLst>
     <p:sldId id="257" r:id="rId2"/>
@@ -20,41 +20,39 @@
     <p:sldId id="301" r:id="rId8"/>
     <p:sldId id="263" r:id="rId9"/>
     <p:sldId id="264" r:id="rId10"/>
-    <p:sldId id="265" r:id="rId11"/>
-    <p:sldId id="266" r:id="rId12"/>
-    <p:sldId id="267" r:id="rId13"/>
-    <p:sldId id="268" r:id="rId14"/>
-    <p:sldId id="269" r:id="rId15"/>
-    <p:sldId id="295" r:id="rId16"/>
-    <p:sldId id="270" r:id="rId17"/>
-    <p:sldId id="271" r:id="rId18"/>
-    <p:sldId id="272" r:id="rId19"/>
-    <p:sldId id="273" r:id="rId20"/>
-    <p:sldId id="274" r:id="rId21"/>
-    <p:sldId id="275" r:id="rId22"/>
-    <p:sldId id="276" r:id="rId23"/>
-    <p:sldId id="277" r:id="rId24"/>
-    <p:sldId id="297" r:id="rId25"/>
-    <p:sldId id="278" r:id="rId26"/>
-    <p:sldId id="279" r:id="rId27"/>
-    <p:sldId id="280" r:id="rId28"/>
-    <p:sldId id="281" r:id="rId29"/>
-    <p:sldId id="298" r:id="rId30"/>
-    <p:sldId id="282" r:id="rId31"/>
-    <p:sldId id="283" r:id="rId32"/>
-    <p:sldId id="284" r:id="rId33"/>
-    <p:sldId id="285" r:id="rId34"/>
-    <p:sldId id="299" r:id="rId35"/>
-    <p:sldId id="286" r:id="rId36"/>
-    <p:sldId id="287" r:id="rId37"/>
-    <p:sldId id="288" r:id="rId38"/>
-    <p:sldId id="289" r:id="rId39"/>
-    <p:sldId id="300" r:id="rId40"/>
-    <p:sldId id="290" r:id="rId41"/>
-    <p:sldId id="291" r:id="rId42"/>
-    <p:sldId id="292" r:id="rId43"/>
-    <p:sldId id="293" r:id="rId44"/>
-    <p:sldId id="302" r:id="rId45"/>
+    <p:sldId id="267" r:id="rId11"/>
+    <p:sldId id="268" r:id="rId12"/>
+    <p:sldId id="269" r:id="rId13"/>
+    <p:sldId id="295" r:id="rId14"/>
+    <p:sldId id="270" r:id="rId15"/>
+    <p:sldId id="271" r:id="rId16"/>
+    <p:sldId id="272" r:id="rId17"/>
+    <p:sldId id="273" r:id="rId18"/>
+    <p:sldId id="274" r:id="rId19"/>
+    <p:sldId id="275" r:id="rId20"/>
+    <p:sldId id="276" r:id="rId21"/>
+    <p:sldId id="277" r:id="rId22"/>
+    <p:sldId id="297" r:id="rId23"/>
+    <p:sldId id="278" r:id="rId24"/>
+    <p:sldId id="279" r:id="rId25"/>
+    <p:sldId id="280" r:id="rId26"/>
+    <p:sldId id="281" r:id="rId27"/>
+    <p:sldId id="298" r:id="rId28"/>
+    <p:sldId id="282" r:id="rId29"/>
+    <p:sldId id="283" r:id="rId30"/>
+    <p:sldId id="284" r:id="rId31"/>
+    <p:sldId id="285" r:id="rId32"/>
+    <p:sldId id="299" r:id="rId33"/>
+    <p:sldId id="286" r:id="rId34"/>
+    <p:sldId id="287" r:id="rId35"/>
+    <p:sldId id="288" r:id="rId36"/>
+    <p:sldId id="289" r:id="rId37"/>
+    <p:sldId id="300" r:id="rId38"/>
+    <p:sldId id="290" r:id="rId39"/>
+    <p:sldId id="291" r:id="rId40"/>
+    <p:sldId id="292" r:id="rId41"/>
+    <p:sldId id="293" r:id="rId42"/>
+    <p:sldId id="302" r:id="rId43"/>
   </p:sldIdLst>
   <p:sldSz cx="9144000" cy="6858000" type="screen4x3"/>
   <p:notesSz cx="6858000" cy="9144000"/>
@@ -273,7 +271,7 @@
             <a:fld id="{E8232883-DBF1-4B11-A3EF-8BE56DDF49A3}" type="datetimeFigureOut">
               <a:rPr lang="en-US" smtClean="0"/>
               <a:pPr/>
-              <a:t>9/19/2010</a:t>
+              <a:t>9/29/2010</a:t>
             </a:fld>
             <a:endParaRPr lang="en-US"/>
           </a:p>
@@ -352,7 +350,7 @@
     </p:spTree>
     <p:extLst>
       <p:ext uri="{BB962C8B-B14F-4D97-AF65-F5344CB8AC3E}">
-        <p14:creationId xmlns:p14="http://schemas.microsoft.com/office/powerpoint/2010/main" val="1420427029"/>
+        <p14:creationId xmlns:p14="http://schemas.microsoft.com/office/powerpoint/2010/main" xmlns="" val="1420427029"/>
       </p:ext>
     </p:extLst>
   </p:cSld>
@@ -467,7 +465,7 @@
               <a:pPr>
                 <a:defRPr/>
               </a:pPr>
-              <a:t>9/19/2010</a:t>
+              <a:t>9/29/2010</a:t>
             </a:fld>
             <a:endParaRPr lang="en-US"/>
           </a:p>
@@ -662,7 +660,7 @@
     </p:spTree>
     <p:extLst>
       <p:ext uri="{BB962C8B-B14F-4D97-AF65-F5344CB8AC3E}">
-        <p14:creationId xmlns:p14="http://schemas.microsoft.com/office/powerpoint/2010/main" val="206296066"/>
+        <p14:creationId xmlns:p14="http://schemas.microsoft.com/office/powerpoint/2010/main" xmlns="" val="206296066"/>
       </p:ext>
     </p:extLst>
   </p:cSld>
@@ -1531,7 +1529,7 @@
       </p:grpSpPr>
       <p:sp>
         <p:nvSpPr>
-          <p:cNvPr id="36866" name="Rectangle 2"/>
+          <p:cNvPr id="38914" name="Rectangle 2"/>
           <p:cNvSpPr>
             <a:spLocks noGrp="1" noChangeArrowheads="1"/>
           </p:cNvSpPr>
@@ -1555,7 +1553,7 @@
       </p:sp>
       <p:sp>
         <p:nvSpPr>
-          <p:cNvPr id="36867" name="Rectangle 6"/>
+          <p:cNvPr id="38915" name="Rectangle 6"/>
           <p:cNvSpPr>
             <a:spLocks noGrp="1" noChangeArrowheads="1"/>
           </p:cNvSpPr>
@@ -1587,7 +1585,7 @@
       </p:sp>
       <p:sp>
         <p:nvSpPr>
-          <p:cNvPr id="36868" name="Rectangle 7"/>
+          <p:cNvPr id="38916" name="Rectangle 7"/>
           <p:cNvSpPr>
             <a:spLocks noGrp="1" noChangeArrowheads="1"/>
           </p:cNvSpPr>
@@ -1602,7 +1600,7 @@
           <a:bodyPr/>
           <a:lstStyle/>
           <a:p>
-            <a:fld id="{DD0C5882-A366-4D5B-990A-2EAFF670F3C9}" type="slidenum">
+            <a:fld id="{BF2EE539-9247-4B30-B7B5-58E450984246}" type="slidenum">
               <a:rPr lang="en-US" smtClean="0"/>
               <a:pPr/>
               <a:t>15</a:t>
@@ -1613,7 +1611,7 @@
       </p:sp>
       <p:sp>
         <p:nvSpPr>
-          <p:cNvPr id="36869" name="Rectangle 2"/>
+          <p:cNvPr id="38917" name="Rectangle 2"/>
           <p:cNvSpPr>
             <a:spLocks noGrp="1" noRot="1" noChangeAspect="1" noChangeArrowheads="1" noTextEdit="1"/>
           </p:cNvSpPr>
@@ -1627,7 +1625,7 @@
       </p:sp>
       <p:sp>
         <p:nvSpPr>
-          <p:cNvPr id="36870" name="Rectangle 3"/>
+          <p:cNvPr id="38918" name="Rectangle 3"/>
           <p:cNvSpPr>
             <a:spLocks noGrp="1" noChangeArrowheads="1"/>
           </p:cNvSpPr>
@@ -1819,7 +1817,7 @@
       </p:grpSpPr>
       <p:sp>
         <p:nvSpPr>
-          <p:cNvPr id="38914" name="Rectangle 2"/>
+          <p:cNvPr id="36866" name="Rectangle 2"/>
           <p:cNvSpPr>
             <a:spLocks noGrp="1" noChangeArrowheads="1"/>
           </p:cNvSpPr>
@@ -1843,7 +1841,7 @@
       </p:sp>
       <p:sp>
         <p:nvSpPr>
-          <p:cNvPr id="38915" name="Rectangle 6"/>
+          <p:cNvPr id="36867" name="Rectangle 6"/>
           <p:cNvSpPr>
             <a:spLocks noGrp="1" noChangeArrowheads="1"/>
           </p:cNvSpPr>
@@ -1875,7 +1873,7 @@
       </p:sp>
       <p:sp>
         <p:nvSpPr>
-          <p:cNvPr id="38916" name="Rectangle 7"/>
+          <p:cNvPr id="36868" name="Rectangle 7"/>
           <p:cNvSpPr>
             <a:spLocks noGrp="1" noChangeArrowheads="1"/>
           </p:cNvSpPr>
@@ -1890,7 +1888,7 @@
           <a:bodyPr/>
           <a:lstStyle/>
           <a:p>
-            <a:fld id="{BF2EE539-9247-4B30-B7B5-58E450984246}" type="slidenum">
+            <a:fld id="{DD0C5882-A366-4D5B-990A-2EAFF670F3C9}" type="slidenum">
               <a:rPr lang="en-US" smtClean="0"/>
               <a:pPr/>
               <a:t>17</a:t>
@@ -1901,7 +1899,7 @@
       </p:sp>
       <p:sp>
         <p:nvSpPr>
-          <p:cNvPr id="38917" name="Rectangle 2"/>
+          <p:cNvPr id="36869" name="Rectangle 2"/>
           <p:cNvSpPr>
             <a:spLocks noGrp="1" noRot="1" noChangeAspect="1" noChangeArrowheads="1" noTextEdit="1"/>
           </p:cNvSpPr>
@@ -1915,7 +1913,7 @@
       </p:sp>
       <p:sp>
         <p:nvSpPr>
-          <p:cNvPr id="38918" name="Rectangle 3"/>
+          <p:cNvPr id="36870" name="Rectangle 3"/>
           <p:cNvSpPr>
             <a:spLocks noGrp="1" noChangeArrowheads="1"/>
           </p:cNvSpPr>
@@ -2827,7 +2825,7 @@
       </p:grpSpPr>
       <p:sp>
         <p:nvSpPr>
-          <p:cNvPr id="36866" name="Rectangle 2"/>
+          <p:cNvPr id="38914" name="Rectangle 2"/>
           <p:cNvSpPr>
             <a:spLocks noGrp="1" noChangeArrowheads="1"/>
           </p:cNvSpPr>
@@ -2851,7 +2849,7 @@
       </p:sp>
       <p:sp>
         <p:nvSpPr>
-          <p:cNvPr id="36867" name="Rectangle 6"/>
+          <p:cNvPr id="38915" name="Rectangle 6"/>
           <p:cNvSpPr>
             <a:spLocks noGrp="1" noChangeArrowheads="1"/>
           </p:cNvSpPr>
@@ -2883,7 +2881,7 @@
       </p:sp>
       <p:sp>
         <p:nvSpPr>
-          <p:cNvPr id="36868" name="Rectangle 7"/>
+          <p:cNvPr id="38916" name="Rectangle 7"/>
           <p:cNvSpPr>
             <a:spLocks noGrp="1" noChangeArrowheads="1"/>
           </p:cNvSpPr>
@@ -2898,7 +2896,7 @@
           <a:bodyPr/>
           <a:lstStyle/>
           <a:p>
-            <a:fld id="{DD0C5882-A366-4D5B-990A-2EAFF670F3C9}" type="slidenum">
+            <a:fld id="{BF2EE539-9247-4B30-B7B5-58E450984246}" type="slidenum">
               <a:rPr lang="en-US" smtClean="0"/>
               <a:pPr/>
               <a:t>23</a:t>
@@ -2909,7 +2907,7 @@
       </p:sp>
       <p:sp>
         <p:nvSpPr>
-          <p:cNvPr id="36869" name="Rectangle 2"/>
+          <p:cNvPr id="38917" name="Rectangle 2"/>
           <p:cNvSpPr>
             <a:spLocks noGrp="1" noRot="1" noChangeAspect="1" noChangeArrowheads="1" noTextEdit="1"/>
           </p:cNvSpPr>
@@ -2923,7 +2921,7 @@
       </p:sp>
       <p:sp>
         <p:nvSpPr>
-          <p:cNvPr id="36870" name="Rectangle 3"/>
+          <p:cNvPr id="38918" name="Rectangle 3"/>
           <p:cNvSpPr>
             <a:spLocks noGrp="1" noChangeArrowheads="1"/>
           </p:cNvSpPr>
@@ -3115,7 +3113,7 @@
       </p:grpSpPr>
       <p:sp>
         <p:nvSpPr>
-          <p:cNvPr id="38914" name="Rectangle 2"/>
+          <p:cNvPr id="36866" name="Rectangle 2"/>
           <p:cNvSpPr>
             <a:spLocks noGrp="1" noChangeArrowheads="1"/>
           </p:cNvSpPr>
@@ -3139,7 +3137,7 @@
       </p:sp>
       <p:sp>
         <p:nvSpPr>
-          <p:cNvPr id="38915" name="Rectangle 6"/>
+          <p:cNvPr id="36867" name="Rectangle 6"/>
           <p:cNvSpPr>
             <a:spLocks noGrp="1" noChangeArrowheads="1"/>
           </p:cNvSpPr>
@@ -3171,7 +3169,7 @@
       </p:sp>
       <p:sp>
         <p:nvSpPr>
-          <p:cNvPr id="38916" name="Rectangle 7"/>
+          <p:cNvPr id="36868" name="Rectangle 7"/>
           <p:cNvSpPr>
             <a:spLocks noGrp="1" noChangeArrowheads="1"/>
           </p:cNvSpPr>
@@ -3186,7 +3184,7 @@
           <a:bodyPr/>
           <a:lstStyle/>
           <a:p>
-            <a:fld id="{BF2EE539-9247-4B30-B7B5-58E450984246}" type="slidenum">
+            <a:fld id="{DD0C5882-A366-4D5B-990A-2EAFF670F3C9}" type="slidenum">
               <a:rPr lang="en-US" smtClean="0"/>
               <a:pPr/>
               <a:t>25</a:t>
@@ -3197,7 +3195,7 @@
       </p:sp>
       <p:sp>
         <p:nvSpPr>
-          <p:cNvPr id="38917" name="Rectangle 2"/>
+          <p:cNvPr id="36869" name="Rectangle 2"/>
           <p:cNvSpPr>
             <a:spLocks noGrp="1" noRot="1" noChangeAspect="1" noChangeArrowheads="1" noTextEdit="1"/>
           </p:cNvSpPr>
@@ -3211,7 +3209,7 @@
       </p:sp>
       <p:sp>
         <p:nvSpPr>
-          <p:cNvPr id="38918" name="Rectangle 3"/>
+          <p:cNvPr id="36870" name="Rectangle 3"/>
           <p:cNvSpPr>
             <a:spLocks noGrp="1" noChangeArrowheads="1"/>
           </p:cNvSpPr>
@@ -3547,7 +3545,7 @@
       </p:grpSpPr>
       <p:sp>
         <p:nvSpPr>
-          <p:cNvPr id="36866" name="Rectangle 2"/>
+          <p:cNvPr id="38914" name="Rectangle 2"/>
           <p:cNvSpPr>
             <a:spLocks noGrp="1" noChangeArrowheads="1"/>
           </p:cNvSpPr>
@@ -3571,7 +3569,7 @@
       </p:sp>
       <p:sp>
         <p:nvSpPr>
-          <p:cNvPr id="36867" name="Rectangle 6"/>
+          <p:cNvPr id="38915" name="Rectangle 6"/>
           <p:cNvSpPr>
             <a:spLocks noGrp="1" noChangeArrowheads="1"/>
           </p:cNvSpPr>
@@ -3603,7 +3601,7 @@
       </p:sp>
       <p:sp>
         <p:nvSpPr>
-          <p:cNvPr id="36868" name="Rectangle 7"/>
+          <p:cNvPr id="38916" name="Rectangle 7"/>
           <p:cNvSpPr>
             <a:spLocks noGrp="1" noChangeArrowheads="1"/>
           </p:cNvSpPr>
@@ -3618,7 +3616,7 @@
           <a:bodyPr/>
           <a:lstStyle/>
           <a:p>
-            <a:fld id="{DD0C5882-A366-4D5B-990A-2EAFF670F3C9}" type="slidenum">
+            <a:fld id="{BF2EE539-9247-4B30-B7B5-58E450984246}" type="slidenum">
               <a:rPr lang="en-US" smtClean="0"/>
               <a:pPr/>
               <a:t>28</a:t>
@@ -3629,7 +3627,7 @@
       </p:sp>
       <p:sp>
         <p:nvSpPr>
-          <p:cNvPr id="36869" name="Rectangle 2"/>
+          <p:cNvPr id="38917" name="Rectangle 2"/>
           <p:cNvSpPr>
             <a:spLocks noGrp="1" noRot="1" noChangeAspect="1" noChangeArrowheads="1" noTextEdit="1"/>
           </p:cNvSpPr>
@@ -3643,7 +3641,7 @@
       </p:sp>
       <p:sp>
         <p:nvSpPr>
-          <p:cNvPr id="36870" name="Rectangle 3"/>
+          <p:cNvPr id="38918" name="Rectangle 3"/>
           <p:cNvSpPr>
             <a:spLocks noGrp="1" noChangeArrowheads="1"/>
           </p:cNvSpPr>
@@ -3835,7 +3833,7 @@
       </p:grpSpPr>
       <p:sp>
         <p:nvSpPr>
-          <p:cNvPr id="38914" name="Rectangle 2"/>
+          <p:cNvPr id="36866" name="Rectangle 2"/>
           <p:cNvSpPr>
             <a:spLocks noGrp="1" noChangeArrowheads="1"/>
           </p:cNvSpPr>
@@ -3859,7 +3857,7 @@
       </p:sp>
       <p:sp>
         <p:nvSpPr>
-          <p:cNvPr id="38915" name="Rectangle 6"/>
+          <p:cNvPr id="36867" name="Rectangle 6"/>
           <p:cNvSpPr>
             <a:spLocks noGrp="1" noChangeArrowheads="1"/>
           </p:cNvSpPr>
@@ -3891,7 +3889,7 @@
       </p:sp>
       <p:sp>
         <p:nvSpPr>
-          <p:cNvPr id="38916" name="Rectangle 7"/>
+          <p:cNvPr id="36868" name="Rectangle 7"/>
           <p:cNvSpPr>
             <a:spLocks noGrp="1" noChangeArrowheads="1"/>
           </p:cNvSpPr>
@@ -3906,7 +3904,7 @@
           <a:bodyPr/>
           <a:lstStyle/>
           <a:p>
-            <a:fld id="{BF2EE539-9247-4B30-B7B5-58E450984246}" type="slidenum">
+            <a:fld id="{DD0C5882-A366-4D5B-990A-2EAFF670F3C9}" type="slidenum">
               <a:rPr lang="en-US" smtClean="0"/>
               <a:pPr/>
               <a:t>30</a:t>
@@ -3917,7 +3915,7 @@
       </p:sp>
       <p:sp>
         <p:nvSpPr>
-          <p:cNvPr id="38917" name="Rectangle 2"/>
+          <p:cNvPr id="36869" name="Rectangle 2"/>
           <p:cNvSpPr>
             <a:spLocks noGrp="1" noRot="1" noChangeAspect="1" noChangeArrowheads="1" noTextEdit="1"/>
           </p:cNvSpPr>
@@ -3931,7 +3929,7 @@
       </p:sp>
       <p:sp>
         <p:nvSpPr>
-          <p:cNvPr id="38918" name="Rectangle 3"/>
+          <p:cNvPr id="36870" name="Rectangle 3"/>
           <p:cNvSpPr>
             <a:spLocks noGrp="1" noChangeArrowheads="1"/>
           </p:cNvSpPr>
@@ -4411,7 +4409,7 @@
       </p:grpSpPr>
       <p:sp>
         <p:nvSpPr>
-          <p:cNvPr id="36866" name="Rectangle 2"/>
+          <p:cNvPr id="38914" name="Rectangle 2"/>
           <p:cNvSpPr>
             <a:spLocks noGrp="1" noChangeArrowheads="1"/>
           </p:cNvSpPr>
@@ -4435,7 +4433,7 @@
       </p:sp>
       <p:sp>
         <p:nvSpPr>
-          <p:cNvPr id="36867" name="Rectangle 6"/>
+          <p:cNvPr id="38915" name="Rectangle 6"/>
           <p:cNvSpPr>
             <a:spLocks noGrp="1" noChangeArrowheads="1"/>
           </p:cNvSpPr>
@@ -4467,7 +4465,7 @@
       </p:sp>
       <p:sp>
         <p:nvSpPr>
-          <p:cNvPr id="36868" name="Rectangle 7"/>
+          <p:cNvPr id="38916" name="Rectangle 7"/>
           <p:cNvSpPr>
             <a:spLocks noGrp="1" noChangeArrowheads="1"/>
           </p:cNvSpPr>
@@ -4482,7 +4480,7 @@
           <a:bodyPr/>
           <a:lstStyle/>
           <a:p>
-            <a:fld id="{DD0C5882-A366-4D5B-990A-2EAFF670F3C9}" type="slidenum">
+            <a:fld id="{BF2EE539-9247-4B30-B7B5-58E450984246}" type="slidenum">
               <a:rPr lang="en-US" smtClean="0"/>
               <a:pPr/>
               <a:t>33</a:t>
@@ -4493,7 +4491,7 @@
       </p:sp>
       <p:sp>
         <p:nvSpPr>
-          <p:cNvPr id="36869" name="Rectangle 2"/>
+          <p:cNvPr id="38917" name="Rectangle 2"/>
           <p:cNvSpPr>
             <a:spLocks noGrp="1" noRot="1" noChangeAspect="1" noChangeArrowheads="1" noTextEdit="1"/>
           </p:cNvSpPr>
@@ -4507,7 +4505,7 @@
       </p:sp>
       <p:sp>
         <p:nvSpPr>
-          <p:cNvPr id="36870" name="Rectangle 3"/>
+          <p:cNvPr id="38918" name="Rectangle 3"/>
           <p:cNvSpPr>
             <a:spLocks noGrp="1" noChangeArrowheads="1"/>
           </p:cNvSpPr>
@@ -4699,7 +4697,7 @@
       </p:grpSpPr>
       <p:sp>
         <p:nvSpPr>
-          <p:cNvPr id="38914" name="Rectangle 2"/>
+          <p:cNvPr id="36866" name="Rectangle 2"/>
           <p:cNvSpPr>
             <a:spLocks noGrp="1" noChangeArrowheads="1"/>
           </p:cNvSpPr>
@@ -4723,7 +4721,7 @@
       </p:sp>
       <p:sp>
         <p:nvSpPr>
-          <p:cNvPr id="38915" name="Rectangle 6"/>
+          <p:cNvPr id="36867" name="Rectangle 6"/>
           <p:cNvSpPr>
             <a:spLocks noGrp="1" noChangeArrowheads="1"/>
           </p:cNvSpPr>
@@ -4755,7 +4753,7 @@
       </p:sp>
       <p:sp>
         <p:nvSpPr>
-          <p:cNvPr id="38916" name="Rectangle 7"/>
+          <p:cNvPr id="36868" name="Rectangle 7"/>
           <p:cNvSpPr>
             <a:spLocks noGrp="1" noChangeArrowheads="1"/>
           </p:cNvSpPr>
@@ -4770,7 +4768,7 @@
           <a:bodyPr/>
           <a:lstStyle/>
           <a:p>
-            <a:fld id="{BF2EE539-9247-4B30-B7B5-58E450984246}" type="slidenum">
+            <a:fld id="{DD0C5882-A366-4D5B-990A-2EAFF670F3C9}" type="slidenum">
               <a:rPr lang="en-US" smtClean="0"/>
               <a:pPr/>
               <a:t>35</a:t>
@@ -4781,7 +4779,7 @@
       </p:sp>
       <p:sp>
         <p:nvSpPr>
-          <p:cNvPr id="38917" name="Rectangle 2"/>
+          <p:cNvPr id="36869" name="Rectangle 2"/>
           <p:cNvSpPr>
             <a:spLocks noGrp="1" noRot="1" noChangeAspect="1" noChangeArrowheads="1" noTextEdit="1"/>
           </p:cNvSpPr>
@@ -4795,7 +4793,7 @@
       </p:sp>
       <p:sp>
         <p:nvSpPr>
-          <p:cNvPr id="38918" name="Rectangle 3"/>
+          <p:cNvPr id="36870" name="Rectangle 3"/>
           <p:cNvSpPr>
             <a:spLocks noGrp="1" noChangeArrowheads="1"/>
           </p:cNvSpPr>
@@ -5131,7 +5129,7 @@
       </p:grpSpPr>
       <p:sp>
         <p:nvSpPr>
-          <p:cNvPr id="36866" name="Rectangle 2"/>
+          <p:cNvPr id="38914" name="Rectangle 2"/>
           <p:cNvSpPr>
             <a:spLocks noGrp="1" noChangeArrowheads="1"/>
           </p:cNvSpPr>
@@ -5155,7 +5153,7 @@
       </p:sp>
       <p:sp>
         <p:nvSpPr>
-          <p:cNvPr id="36867" name="Rectangle 6"/>
+          <p:cNvPr id="38915" name="Rectangle 6"/>
           <p:cNvSpPr>
             <a:spLocks noGrp="1" noChangeArrowheads="1"/>
           </p:cNvSpPr>
@@ -5187,7 +5185,7 @@
       </p:sp>
       <p:sp>
         <p:nvSpPr>
-          <p:cNvPr id="36868" name="Rectangle 7"/>
+          <p:cNvPr id="38916" name="Rectangle 7"/>
           <p:cNvSpPr>
             <a:spLocks noGrp="1" noChangeArrowheads="1"/>
           </p:cNvSpPr>
@@ -5202,7 +5200,7 @@
           <a:bodyPr/>
           <a:lstStyle/>
           <a:p>
-            <a:fld id="{DD0C5882-A366-4D5B-990A-2EAFF670F3C9}" type="slidenum">
+            <a:fld id="{BF2EE539-9247-4B30-B7B5-58E450984246}" type="slidenum">
               <a:rPr lang="en-US" smtClean="0"/>
               <a:pPr/>
               <a:t>38</a:t>
@@ -5213,7 +5211,7 @@
       </p:sp>
       <p:sp>
         <p:nvSpPr>
-          <p:cNvPr id="36869" name="Rectangle 2"/>
+          <p:cNvPr id="38917" name="Rectangle 2"/>
           <p:cNvSpPr>
             <a:spLocks noGrp="1" noRot="1" noChangeAspect="1" noChangeArrowheads="1" noTextEdit="1"/>
           </p:cNvSpPr>
@@ -5227,7 +5225,7 @@
       </p:sp>
       <p:sp>
         <p:nvSpPr>
-          <p:cNvPr id="36870" name="Rectangle 3"/>
+          <p:cNvPr id="38918" name="Rectangle 3"/>
           <p:cNvSpPr>
             <a:spLocks noGrp="1" noChangeArrowheads="1"/>
           </p:cNvSpPr>
@@ -5419,7 +5417,7 @@
       </p:grpSpPr>
       <p:sp>
         <p:nvSpPr>
-          <p:cNvPr id="38914" name="Rectangle 2"/>
+          <p:cNvPr id="33794" name="Rectangle 2"/>
           <p:cNvSpPr>
             <a:spLocks noGrp="1" noChangeArrowheads="1"/>
           </p:cNvSpPr>
@@ -5443,7 +5441,7 @@
       </p:sp>
       <p:sp>
         <p:nvSpPr>
-          <p:cNvPr id="38915" name="Rectangle 6"/>
+          <p:cNvPr id="33795" name="Rectangle 6"/>
           <p:cNvSpPr>
             <a:spLocks noGrp="1" noChangeArrowheads="1"/>
           </p:cNvSpPr>
@@ -5475,7 +5473,7 @@
       </p:sp>
       <p:sp>
         <p:nvSpPr>
-          <p:cNvPr id="38916" name="Rectangle 7"/>
+          <p:cNvPr id="33796" name="Rectangle 7"/>
           <p:cNvSpPr>
             <a:spLocks noGrp="1" noChangeArrowheads="1"/>
           </p:cNvSpPr>
@@ -5490,7 +5488,7 @@
           <a:bodyPr/>
           <a:lstStyle/>
           <a:p>
-            <a:fld id="{BF2EE539-9247-4B30-B7B5-58E450984246}" type="slidenum">
+            <a:fld id="{FA1EEEB2-F314-4741-AC6C-7F9415FB2EAA}" type="slidenum">
               <a:rPr lang="en-US" smtClean="0"/>
               <a:pPr/>
               <a:t>40</a:t>
@@ -5501,7 +5499,7 @@
       </p:sp>
       <p:sp>
         <p:nvSpPr>
-          <p:cNvPr id="38917" name="Rectangle 2"/>
+          <p:cNvPr id="33797" name="Rectangle 2"/>
           <p:cNvSpPr>
             <a:spLocks noGrp="1" noRot="1" noChangeAspect="1" noChangeArrowheads="1" noTextEdit="1"/>
           </p:cNvSpPr>
@@ -5515,7 +5513,7 @@
       </p:sp>
       <p:sp>
         <p:nvSpPr>
-          <p:cNvPr id="38918" name="Rectangle 3"/>
+          <p:cNvPr id="33798" name="Rectangle 3"/>
           <p:cNvSpPr>
             <a:spLocks noGrp="1" noChangeArrowheads="1"/>
           </p:cNvSpPr>
@@ -5707,7 +5705,7 @@
       </p:grpSpPr>
       <p:sp>
         <p:nvSpPr>
-          <p:cNvPr id="36866" name="Rectangle 2"/>
+          <p:cNvPr id="59394" name="Rectangle 2"/>
           <p:cNvSpPr>
             <a:spLocks noGrp="1" noChangeArrowheads="1"/>
           </p:cNvSpPr>
@@ -5731,7 +5729,7 @@
       </p:sp>
       <p:sp>
         <p:nvSpPr>
-          <p:cNvPr id="36867" name="Rectangle 6"/>
+          <p:cNvPr id="59395" name="Rectangle 6"/>
           <p:cNvSpPr>
             <a:spLocks noGrp="1" noChangeArrowheads="1"/>
           </p:cNvSpPr>
@@ -5763,7 +5761,7 @@
       </p:sp>
       <p:sp>
         <p:nvSpPr>
-          <p:cNvPr id="36868" name="Rectangle 7"/>
+          <p:cNvPr id="59396" name="Rectangle 7"/>
           <p:cNvSpPr>
             <a:spLocks noGrp="1" noChangeArrowheads="1"/>
           </p:cNvSpPr>
@@ -5778,7 +5776,7 @@
           <a:bodyPr/>
           <a:lstStyle/>
           <a:p>
-            <a:fld id="{DD0C5882-A366-4D5B-990A-2EAFF670F3C9}" type="slidenum">
+            <a:fld id="{4539380D-09D6-460B-83D9-CCA835F136FB}" type="slidenum">
               <a:rPr lang="en-US" smtClean="0"/>
               <a:pPr/>
               <a:t>41</a:t>
@@ -5789,7 +5787,7 @@
       </p:sp>
       <p:sp>
         <p:nvSpPr>
-          <p:cNvPr id="36869" name="Rectangle 2"/>
+          <p:cNvPr id="59397" name="Rectangle 2"/>
           <p:cNvSpPr>
             <a:spLocks noGrp="1" noRot="1" noChangeAspect="1" noChangeArrowheads="1" noTextEdit="1"/>
           </p:cNvSpPr>
@@ -5803,7 +5801,7 @@
       </p:sp>
       <p:sp>
         <p:nvSpPr>
-          <p:cNvPr id="36870" name="Rectangle 3"/>
+          <p:cNvPr id="59398" name="Rectangle 3"/>
           <p:cNvSpPr>
             <a:spLocks noGrp="1" noChangeArrowheads="1"/>
           </p:cNvSpPr>
@@ -5851,7 +5849,7 @@
       </p:grpSpPr>
       <p:sp>
         <p:nvSpPr>
-          <p:cNvPr id="33794" name="Rectangle 2"/>
+          <p:cNvPr id="60418" name="Rectangle 2"/>
           <p:cNvSpPr>
             <a:spLocks noGrp="1" noChangeArrowheads="1"/>
           </p:cNvSpPr>
@@ -5875,7 +5873,7 @@
       </p:sp>
       <p:sp>
         <p:nvSpPr>
-          <p:cNvPr id="33795" name="Rectangle 6"/>
+          <p:cNvPr id="60419" name="Rectangle 6"/>
           <p:cNvSpPr>
             <a:spLocks noGrp="1" noChangeArrowheads="1"/>
           </p:cNvSpPr>
@@ -5907,7 +5905,7 @@
       </p:sp>
       <p:sp>
         <p:nvSpPr>
-          <p:cNvPr id="33796" name="Rectangle 7"/>
+          <p:cNvPr id="60420" name="Rectangle 7"/>
           <p:cNvSpPr>
             <a:spLocks noGrp="1" noChangeArrowheads="1"/>
           </p:cNvSpPr>
@@ -5922,298 +5920,10 @@
           <a:bodyPr/>
           <a:lstStyle/>
           <a:p>
-            <a:fld id="{FA1EEEB2-F314-4741-AC6C-7F9415FB2EAA}" type="slidenum">
+            <a:fld id="{F261F505-AED0-4688-8DF0-CD479DFAEA66}" type="slidenum">
               <a:rPr lang="en-US" smtClean="0"/>
               <a:pPr/>
               <a:t>42</a:t>
-            </a:fld>
-            <a:endParaRPr lang="en-US" smtClean="0"/>
-          </a:p>
-        </p:txBody>
-      </p:sp>
-      <p:sp>
-        <p:nvSpPr>
-          <p:cNvPr id="33797" name="Rectangle 2"/>
-          <p:cNvSpPr>
-            <a:spLocks noGrp="1" noRot="1" noChangeAspect="1" noChangeArrowheads="1" noTextEdit="1"/>
-          </p:cNvSpPr>
-          <p:nvPr>
-            <p:ph type="sldImg"/>
-          </p:nvPr>
-        </p:nvSpPr>
-        <p:spPr>
-          <a:ln/>
-        </p:spPr>
-      </p:sp>
-      <p:sp>
-        <p:nvSpPr>
-          <p:cNvPr id="33798" name="Rectangle 3"/>
-          <p:cNvSpPr>
-            <a:spLocks noGrp="1" noChangeArrowheads="1"/>
-          </p:cNvSpPr>
-          <p:nvPr>
-            <p:ph type="body" idx="1"/>
-          </p:nvPr>
-        </p:nvSpPr>
-        <p:spPr>
-          <a:noFill/>
-          <a:ln/>
-        </p:spPr>
-        <p:txBody>
-          <a:bodyPr/>
-          <a:lstStyle/>
-          <a:p>
-            <a:pPr eaLnBrk="1" hangingPunct="1"/>
-            <a:endParaRPr lang="en-US" smtClean="0"/>
-          </a:p>
-        </p:txBody>
-      </p:sp>
-    </p:spTree>
-  </p:cSld>
-  <p:clrMapOvr>
-    <a:masterClrMapping/>
-  </p:clrMapOvr>
-</p:notes>
-</file>
-
-<file path=ppt/notesSlides/notesSlide42.xml><?xml version="1.0" encoding="utf-8"?>
-<p:notes xmlns:a="http://schemas.openxmlformats.org/drawingml/2006/main" xmlns:r="http://schemas.openxmlformats.org/officeDocument/2006/relationships" xmlns:p="http://schemas.openxmlformats.org/presentationml/2006/main">
-  <p:cSld>
-    <p:spTree>
-      <p:nvGrpSpPr>
-        <p:cNvPr id="1" name=""/>
-        <p:cNvGrpSpPr/>
-        <p:nvPr/>
-      </p:nvGrpSpPr>
-      <p:grpSpPr>
-        <a:xfrm>
-          <a:off x="0" y="0"/>
-          <a:ext cx="0" cy="0"/>
-          <a:chOff x="0" y="0"/>
-          <a:chExt cx="0" cy="0"/>
-        </a:xfrm>
-      </p:grpSpPr>
-      <p:sp>
-        <p:nvSpPr>
-          <p:cNvPr id="59394" name="Rectangle 2"/>
-          <p:cNvSpPr>
-            <a:spLocks noGrp="1" noChangeArrowheads="1"/>
-          </p:cNvSpPr>
-          <p:nvPr>
-            <p:ph type="hdr" sz="quarter"/>
-          </p:nvPr>
-        </p:nvSpPr>
-        <p:spPr>
-          <a:noFill/>
-        </p:spPr>
-        <p:txBody>
-          <a:bodyPr/>
-          <a:lstStyle/>
-          <a:p>
-            <a:r>
-              <a:rPr lang="en-US" smtClean="0"/>
-              <a:t>MGB 2003</a:t>
-            </a:r>
-          </a:p>
-        </p:txBody>
-      </p:sp>
-      <p:sp>
-        <p:nvSpPr>
-          <p:cNvPr id="59395" name="Rectangle 6"/>
-          <p:cNvSpPr>
-            <a:spLocks noGrp="1" noChangeArrowheads="1"/>
-          </p:cNvSpPr>
-          <p:nvPr>
-            <p:ph type="ftr" sz="quarter" idx="4"/>
-          </p:nvPr>
-        </p:nvSpPr>
-        <p:spPr>
-          <a:noFill/>
-        </p:spPr>
-        <p:txBody>
-          <a:bodyPr/>
-          <a:lstStyle/>
-          <a:p>
-            <a:r>
-              <a:rPr lang="en-US" smtClean="0"/>
-              <a:t>© 2003 Microsoft Corporation. All rights reserved.</a:t>
-            </a:r>
-          </a:p>
-          <a:p>
-            <a:pPr eaLnBrk="0" hangingPunct="0"/>
-            <a:r>
-              <a:rPr lang="en-US" smtClean="0"/>
-              <a:t>This presentation is for informational purposes only. Microsoft makes no warranties, express or implied, in this summary.</a:t>
-            </a:r>
-            <a:endParaRPr lang="en-US" sz="1200" smtClean="0"/>
-          </a:p>
-        </p:txBody>
-      </p:sp>
-      <p:sp>
-        <p:nvSpPr>
-          <p:cNvPr id="59396" name="Rectangle 7"/>
-          <p:cNvSpPr>
-            <a:spLocks noGrp="1" noChangeArrowheads="1"/>
-          </p:cNvSpPr>
-          <p:nvPr>
-            <p:ph type="sldNum" sz="quarter" idx="5"/>
-          </p:nvPr>
-        </p:nvSpPr>
-        <p:spPr>
-          <a:noFill/>
-        </p:spPr>
-        <p:txBody>
-          <a:bodyPr/>
-          <a:lstStyle/>
-          <a:p>
-            <a:fld id="{4539380D-09D6-460B-83D9-CCA835F136FB}" type="slidenum">
-              <a:rPr lang="en-US" smtClean="0"/>
-              <a:pPr/>
-              <a:t>43</a:t>
-            </a:fld>
-            <a:endParaRPr lang="en-US" smtClean="0"/>
-          </a:p>
-        </p:txBody>
-      </p:sp>
-      <p:sp>
-        <p:nvSpPr>
-          <p:cNvPr id="59397" name="Rectangle 2"/>
-          <p:cNvSpPr>
-            <a:spLocks noGrp="1" noRot="1" noChangeAspect="1" noChangeArrowheads="1" noTextEdit="1"/>
-          </p:cNvSpPr>
-          <p:nvPr>
-            <p:ph type="sldImg"/>
-          </p:nvPr>
-        </p:nvSpPr>
-        <p:spPr>
-          <a:ln/>
-        </p:spPr>
-      </p:sp>
-      <p:sp>
-        <p:nvSpPr>
-          <p:cNvPr id="59398" name="Rectangle 3"/>
-          <p:cNvSpPr>
-            <a:spLocks noGrp="1" noChangeArrowheads="1"/>
-          </p:cNvSpPr>
-          <p:nvPr>
-            <p:ph type="body" idx="1"/>
-          </p:nvPr>
-        </p:nvSpPr>
-        <p:spPr>
-          <a:noFill/>
-          <a:ln/>
-        </p:spPr>
-        <p:txBody>
-          <a:bodyPr/>
-          <a:lstStyle/>
-          <a:p>
-            <a:pPr eaLnBrk="1" hangingPunct="1"/>
-            <a:endParaRPr lang="en-US" smtClean="0"/>
-          </a:p>
-        </p:txBody>
-      </p:sp>
-    </p:spTree>
-  </p:cSld>
-  <p:clrMapOvr>
-    <a:masterClrMapping/>
-  </p:clrMapOvr>
-</p:notes>
-</file>
-
-<file path=ppt/notesSlides/notesSlide43.xml><?xml version="1.0" encoding="utf-8"?>
-<p:notes xmlns:a="http://schemas.openxmlformats.org/drawingml/2006/main" xmlns:r="http://schemas.openxmlformats.org/officeDocument/2006/relationships" xmlns:p="http://schemas.openxmlformats.org/presentationml/2006/main">
-  <p:cSld>
-    <p:spTree>
-      <p:nvGrpSpPr>
-        <p:cNvPr id="1" name=""/>
-        <p:cNvGrpSpPr/>
-        <p:nvPr/>
-      </p:nvGrpSpPr>
-      <p:grpSpPr>
-        <a:xfrm>
-          <a:off x="0" y="0"/>
-          <a:ext cx="0" cy="0"/>
-          <a:chOff x="0" y="0"/>
-          <a:chExt cx="0" cy="0"/>
-        </a:xfrm>
-      </p:grpSpPr>
-      <p:sp>
-        <p:nvSpPr>
-          <p:cNvPr id="60418" name="Rectangle 2"/>
-          <p:cNvSpPr>
-            <a:spLocks noGrp="1" noChangeArrowheads="1"/>
-          </p:cNvSpPr>
-          <p:nvPr>
-            <p:ph type="hdr" sz="quarter"/>
-          </p:nvPr>
-        </p:nvSpPr>
-        <p:spPr>
-          <a:noFill/>
-        </p:spPr>
-        <p:txBody>
-          <a:bodyPr/>
-          <a:lstStyle/>
-          <a:p>
-            <a:r>
-              <a:rPr lang="en-US" smtClean="0"/>
-              <a:t>MGB 2003</a:t>
-            </a:r>
-          </a:p>
-        </p:txBody>
-      </p:sp>
-      <p:sp>
-        <p:nvSpPr>
-          <p:cNvPr id="60419" name="Rectangle 6"/>
-          <p:cNvSpPr>
-            <a:spLocks noGrp="1" noChangeArrowheads="1"/>
-          </p:cNvSpPr>
-          <p:nvPr>
-            <p:ph type="ftr" sz="quarter" idx="4"/>
-          </p:nvPr>
-        </p:nvSpPr>
-        <p:spPr>
-          <a:noFill/>
-        </p:spPr>
-        <p:txBody>
-          <a:bodyPr/>
-          <a:lstStyle/>
-          <a:p>
-            <a:r>
-              <a:rPr lang="en-US" smtClean="0"/>
-              <a:t>© 2003 Microsoft Corporation. All rights reserved.</a:t>
-            </a:r>
-          </a:p>
-          <a:p>
-            <a:pPr eaLnBrk="0" hangingPunct="0"/>
-            <a:r>
-              <a:rPr lang="en-US" smtClean="0"/>
-              <a:t>This presentation is for informational purposes only. Microsoft makes no warranties, express or implied, in this summary.</a:t>
-            </a:r>
-            <a:endParaRPr lang="en-US" sz="1200" smtClean="0"/>
-          </a:p>
-        </p:txBody>
-      </p:sp>
-      <p:sp>
-        <p:nvSpPr>
-          <p:cNvPr id="60420" name="Rectangle 7"/>
-          <p:cNvSpPr>
-            <a:spLocks noGrp="1" noChangeArrowheads="1"/>
-          </p:cNvSpPr>
-          <p:nvPr>
-            <p:ph type="sldNum" sz="quarter" idx="5"/>
-          </p:nvPr>
-        </p:nvSpPr>
-        <p:spPr>
-          <a:noFill/>
-        </p:spPr>
-        <p:txBody>
-          <a:bodyPr/>
-          <a:lstStyle/>
-          <a:p>
-            <a:fld id="{F261F505-AED0-4688-8DF0-CD479DFAEA66}" type="slidenum">
-              <a:rPr lang="en-US" smtClean="0"/>
-              <a:pPr/>
-              <a:t>44</a:t>
             </a:fld>
             <a:endParaRPr lang="en-US" smtClean="0"/>
           </a:p>
@@ -7049,7 +6759,7 @@
               <a:pPr>
                 <a:defRPr/>
               </a:pPr>
-              <a:t>9/19/2010</a:t>
+              <a:t>9/29/2010</a:t>
             </a:fld>
             <a:endParaRPr lang="en-US"/>
           </a:p>
@@ -7380,7 +7090,7 @@
               <a:pPr>
                 <a:defRPr/>
               </a:pPr>
-              <a:t>9/19/2010</a:t>
+              <a:t>9/29/2010</a:t>
             </a:fld>
             <a:endParaRPr lang="en-US"/>
           </a:p>
@@ -7570,7 +7280,7 @@
               <a:pPr>
                 <a:defRPr/>
               </a:pPr>
-              <a:t>9/19/2010</a:t>
+              <a:t>9/29/2010</a:t>
             </a:fld>
             <a:endParaRPr lang="en-US"/>
           </a:p>
@@ -7897,7 +7607,7 @@
               <a:pPr>
                 <a:defRPr/>
               </a:pPr>
-              <a:t>9/19/2010</a:t>
+              <a:t>9/29/2010</a:t>
             </a:fld>
             <a:endParaRPr lang="en-US"/>
           </a:p>
@@ -8210,7 +7920,7 @@
               <a:pPr>
                 <a:defRPr/>
               </a:pPr>
-              <a:t>9/19/2010</a:t>
+              <a:t>9/29/2010</a:t>
             </a:fld>
             <a:endParaRPr lang="en-US"/>
           </a:p>
@@ -8518,7 +8228,7 @@
               <a:pPr>
                 <a:defRPr/>
               </a:pPr>
-              <a:t>9/19/2010</a:t>
+              <a:t>9/29/2010</a:t>
             </a:fld>
             <a:endParaRPr lang="en-US"/>
           </a:p>
@@ -8961,7 +8671,7 @@
               <a:pPr>
                 <a:defRPr/>
               </a:pPr>
-              <a:t>9/19/2010</a:t>
+              <a:t>9/29/2010</a:t>
             </a:fld>
             <a:endParaRPr lang="en-US"/>
           </a:p>
@@ -9094,7 +8804,7 @@
               <a:pPr>
                 <a:defRPr/>
               </a:pPr>
-              <a:t>9/19/2010</a:t>
+              <a:t>9/29/2010</a:t>
             </a:fld>
             <a:endParaRPr lang="en-US"/>
           </a:p>
@@ -9199,7 +8909,7 @@
               <a:pPr>
                 <a:defRPr/>
               </a:pPr>
-              <a:t>9/19/2010</a:t>
+              <a:t>9/29/2010</a:t>
             </a:fld>
             <a:endParaRPr lang="en-US"/>
           </a:p>
@@ -9464,7 +9174,7 @@
               <a:pPr>
                 <a:defRPr/>
               </a:pPr>
-              <a:t>9/19/2010</a:t>
+              <a:t>9/29/2010</a:t>
             </a:fld>
             <a:endParaRPr lang="en-US"/>
           </a:p>
@@ -9995,7 +9705,7 @@
               <a:pPr>
                 <a:defRPr/>
               </a:pPr>
-              <a:t>9/19/2010</a:t>
+              <a:t>9/29/2010</a:t>
             </a:fld>
             <a:endParaRPr lang="en-US"/>
           </a:p>
@@ -10240,7 +9950,7 @@
               <a:pPr>
                 <a:defRPr/>
               </a:pPr>
-              <a:t>9/19/2010</a:t>
+              <a:t>9/29/2010</a:t>
             </a:fld>
             <a:endParaRPr lang="en-US"/>
           </a:p>
@@ -11009,7 +10719,7 @@
             </a:pPr>
             <a:r>
               <a:rPr lang="en-US" dirty="0" smtClean="0"/>
-              <a:t>Yet Another Blog Engine</a:t>
+              <a:t>Data Tooling</a:t>
             </a:r>
           </a:p>
         </p:txBody>
@@ -11052,30 +10762,69 @@
             </a:pPr>
             <a:r>
               <a:rPr lang="en-US" sz="2400" dirty="0" smtClean="0"/>
-              <a:t>Simple</a:t>
-            </a:r>
-          </a:p>
-          <a:p>
-            <a:pPr>
+              <a:t>Object/Relation Mapping (ORM)</a:t>
+            </a:r>
+          </a:p>
+          <a:p>
+            <a:pPr lvl="1">
               <a:lnSpc>
                 <a:spcPct val="90000"/>
               </a:lnSpc>
             </a:pPr>
             <a:r>
               <a:rPr lang="en-US" sz="2400" dirty="0" smtClean="0"/>
-              <a:t>Everyone can relate</a:t>
-            </a:r>
-          </a:p>
-          <a:p>
-            <a:pPr>
+              <a:t>is a programming technique for converting data between incompatible type systems in databases and object-oriented programming languages.</a:t>
+            </a:r>
+          </a:p>
+          <a:p>
+            <a:pPr lvl="2">
               <a:lnSpc>
                 <a:spcPct val="90000"/>
               </a:lnSpc>
-            </a:pPr>
-            <a:r>
-              <a:rPr lang="en-US" sz="2400" dirty="0" smtClean="0"/>
-              <a:t>Not for “production” use</a:t>
-            </a:r>
+              <a:buFont typeface="Arial" pitchFamily="34" charset="0"/>
+              <a:buChar char="•"/>
+            </a:pPr>
+            <a:endParaRPr lang="en-US" sz="2400" dirty="0" smtClean="0"/>
+          </a:p>
+          <a:p>
+            <a:pPr lvl="2">
+              <a:lnSpc>
+                <a:spcPct val="90000"/>
+              </a:lnSpc>
+              <a:buFont typeface="Arial" pitchFamily="34" charset="0"/>
+              <a:buChar char="•"/>
+            </a:pPr>
+            <a:endParaRPr lang="en-US" sz="2400" dirty="0" smtClean="0"/>
+          </a:p>
+        </p:txBody>
+      </p:sp>
+      <p:sp>
+        <p:nvSpPr>
+          <p:cNvPr id="5" name="TextBox 4"/>
+          <p:cNvSpPr txBox="1"/>
+          <p:nvPr/>
+        </p:nvSpPr>
+        <p:spPr>
+          <a:xfrm>
+            <a:off x="1981200" y="3657600"/>
+            <a:ext cx="6109365" cy="369332"/>
+          </a:xfrm>
+          <a:prstGeom prst="rect">
+            <a:avLst/>
+          </a:prstGeom>
+          <a:noFill/>
+        </p:spPr>
+        <p:txBody>
+          <a:bodyPr wrap="none" rtlCol="0">
+            <a:spAutoFit/>
+          </a:bodyPr>
+          <a:lstStyle/>
+          <a:p>
+            <a:r>
+              <a:rPr lang="en-US" sz="1800" b="1" dirty="0" smtClean="0"/>
+              <a:t>http://en.wikipedia.org/wiki/Object-relational_mapping</a:t>
+            </a:r>
+            <a:endParaRPr lang="en-US" sz="1800" b="1" dirty="0"/>
           </a:p>
         </p:txBody>
       </p:sp>
@@ -11143,355 +10892,98 @@
             </a:pPr>
             <a:r>
               <a:rPr lang="en-US" dirty="0" smtClean="0"/>
-              <a:t>Yet Another Blog Engine</a:t>
-            </a:r>
-          </a:p>
-        </p:txBody>
-      </p:sp>
-      <p:grpSp>
-        <p:nvGrpSpPr>
-          <p:cNvPr id="2" name="Group 9"/>
-          <p:cNvGrpSpPr/>
-          <p:nvPr/>
-        </p:nvGrpSpPr>
-        <p:grpSpPr>
+              <a:t>Data Tooling</a:t>
+            </a:r>
+          </a:p>
+        </p:txBody>
+      </p:sp>
+      <p:sp>
+        <p:nvSpPr>
+          <p:cNvPr id="6148" name="Text Placeholder 2"/>
+          <p:cNvSpPr>
+            <a:spLocks noGrp="1"/>
+          </p:cNvSpPr>
+          <p:nvPr>
+            <p:ph type="body" sz="half" idx="1"/>
+          </p:nvPr>
+        </p:nvSpPr>
+        <p:spPr bwMode="auto">
           <a:xfrm>
-            <a:off x="685800" y="1485900"/>
-            <a:ext cx="7772400" cy="3886200"/>
-            <a:chOff x="685800" y="1447800"/>
-            <a:chExt cx="7772400" cy="3886200"/>
+            <a:off x="457200" y="1600200"/>
+            <a:ext cx="7423150" cy="4525963"/>
           </a:xfrm>
-        </p:grpSpPr>
-        <p:sp>
-          <p:nvSpPr>
-            <p:cNvPr id="5" name="AutoShape 7"/>
-            <p:cNvSpPr>
-              <a:spLocks noChangeArrowheads="1"/>
-            </p:cNvSpPr>
-            <p:nvPr/>
-          </p:nvSpPr>
-          <p:spPr bwMode="invGray">
-            <a:xfrm>
-              <a:off x="685800" y="1447800"/>
-              <a:ext cx="7772400" cy="3886200"/>
-            </a:xfrm>
-            <a:prstGeom prst="roundRect">
-              <a:avLst>
-                <a:gd name="adj" fmla="val 5597"/>
-              </a:avLst>
-            </a:prstGeom>
-            <a:solidFill>
-              <a:srgbClr val="FFFFFF">
-                <a:alpha val="30000"/>
-              </a:srgbClr>
-            </a:solidFill>
-            <a:ln w="12700" algn="ctr">
-              <a:noFill/>
-              <a:round/>
-              <a:headEnd/>
-              <a:tailEnd/>
-            </a:ln>
-            <a:effectLst/>
-          </p:spPr>
-          <p:txBody>
-            <a:bodyPr wrap="square" anchor="ctr">
-              <a:spAutoFit/>
-            </a:bodyPr>
-            <a:lstStyle/>
-            <a:p>
-              <a:pPr marL="0" marR="0" lvl="0" indent="0" algn="ctr" defTabSz="914400" rtl="0" eaLnBrk="1" fontAlgn="base" latinLnBrk="0" hangingPunct="1">
-                <a:lnSpc>
-                  <a:spcPct val="85000"/>
-                </a:lnSpc>
-                <a:spcBef>
-                  <a:spcPct val="20000"/>
-                </a:spcBef>
-                <a:spcAft>
-                  <a:spcPct val="0"/>
-                </a:spcAft>
-                <a:buClrTx/>
-                <a:buSzTx/>
-                <a:buFontTx/>
-                <a:buNone/>
-                <a:tabLst/>
-                <a:defRPr/>
-              </a:pPr>
-              <a:endParaRPr kumimoji="0" lang="en-US" sz="2800" b="0" i="0" u="none" strike="noStrike" kern="1200" cap="none" spc="0" normalizeH="0" baseline="0" noProof="0" smtClean="0">
-                <a:ln>
-                  <a:noFill/>
-                </a:ln>
-                <a:solidFill>
-                  <a:srgbClr val="FFFFFF"/>
-                </a:solidFill>
-                <a:effectLst>
-                  <a:outerShdw blurRad="38100" dist="38100" dir="2700000" algn="tl">
-                    <a:srgbClr val="000000">
-                      <a:alpha val="43137"/>
-                    </a:srgbClr>
-                  </a:outerShdw>
-                </a:effectLst>
-                <a:uLnTx/>
-                <a:uFillTx/>
-                <a:latin typeface="Segoe" pitchFamily="34" charset="0"/>
-                <a:ea typeface="+mn-ea"/>
-                <a:cs typeface="+mn-cs"/>
-              </a:endParaRPr>
-            </a:p>
-          </p:txBody>
-        </p:sp>
-        <p:sp>
-          <p:nvSpPr>
-            <p:cNvPr id="8" name="AutoShape 17"/>
-            <p:cNvSpPr>
-              <a:spLocks noChangeArrowheads="1"/>
-            </p:cNvSpPr>
-            <p:nvPr/>
-          </p:nvSpPr>
-          <p:spPr bwMode="invGray">
-            <a:xfrm>
-              <a:off x="1828800" y="2895600"/>
-              <a:ext cx="6477000" cy="783193"/>
-            </a:xfrm>
-            <a:prstGeom prst="roundRect">
-              <a:avLst>
-                <a:gd name="adj" fmla="val 16667"/>
-              </a:avLst>
-            </a:prstGeom>
-            <a:solidFill>
-              <a:srgbClr val="1D154B">
-                <a:alpha val="30000"/>
-              </a:srgbClr>
-            </a:solidFill>
-            <a:ln w="9525" algn="ctr">
-              <a:noFill/>
-              <a:round/>
-              <a:headEnd/>
-              <a:tailEnd/>
-            </a:ln>
-            <a:effectLst/>
-          </p:spPr>
-          <p:txBody>
-            <a:bodyPr wrap="square" anchor="ctr">
-              <a:spAutoFit/>
-            </a:bodyPr>
-            <a:lstStyle/>
-            <a:p>
-              <a:pPr algn="ctr"/>
-              <a:r>
-                <a:rPr lang="en-US" sz="2000" b="1" dirty="0" smtClean="0">
-                  <a:effectLst/>
-                </a:rPr>
-                <a:t>Service Layer</a:t>
-              </a:r>
-            </a:p>
-            <a:p>
-              <a:pPr algn="ctr"/>
-              <a:r>
-                <a:rPr lang="en-US" sz="2000" b="1" dirty="0" smtClean="0"/>
-                <a:t>(Windsor + log4net + POCOs)</a:t>
-              </a:r>
-              <a:endParaRPr lang="en-US" sz="2000" b="1" dirty="0">
-                <a:effectLst/>
-              </a:endParaRPr>
-            </a:p>
-          </p:txBody>
-        </p:sp>
-        <p:sp>
-          <p:nvSpPr>
-            <p:cNvPr id="6" name="AutoShape 17"/>
-            <p:cNvSpPr>
-              <a:spLocks noChangeArrowheads="1"/>
-            </p:cNvSpPr>
-            <p:nvPr/>
-          </p:nvSpPr>
-          <p:spPr bwMode="invGray">
-            <a:xfrm>
-              <a:off x="1828800" y="1676400"/>
-              <a:ext cx="6477000" cy="783193"/>
-            </a:xfrm>
-            <a:prstGeom prst="roundRect">
-              <a:avLst>
-                <a:gd name="adj" fmla="val 16667"/>
-              </a:avLst>
-            </a:prstGeom>
-            <a:solidFill>
-              <a:srgbClr val="1D154B">
-                <a:alpha val="30000"/>
-              </a:srgbClr>
-            </a:solidFill>
-            <a:ln w="9525" algn="ctr">
-              <a:noFill/>
-              <a:round/>
-              <a:headEnd/>
-              <a:tailEnd/>
-            </a:ln>
-            <a:effectLst/>
-          </p:spPr>
-          <p:txBody>
-            <a:bodyPr wrap="square" anchor="ctr">
-              <a:spAutoFit/>
-            </a:bodyPr>
-            <a:lstStyle/>
-            <a:p>
-              <a:pPr algn="ctr"/>
-              <a:r>
-                <a:rPr lang="en-US" sz="2000" b="1" dirty="0" smtClean="0">
-                  <a:effectLst/>
-                </a:rPr>
-                <a:t>Presentation Layer</a:t>
-              </a:r>
-            </a:p>
-            <a:p>
-              <a:pPr algn="ctr"/>
-              <a:r>
-                <a:rPr lang="en-US" sz="2000" b="1" dirty="0" smtClean="0"/>
-                <a:t>(ASP.NET MVC + Windsor)</a:t>
-              </a:r>
-              <a:endParaRPr lang="en-US" sz="2000" b="1" dirty="0">
-                <a:effectLst/>
-              </a:endParaRPr>
-            </a:p>
-          </p:txBody>
-        </p:sp>
-        <p:sp>
-          <p:nvSpPr>
-            <p:cNvPr id="7" name="AutoShape 17"/>
-            <p:cNvSpPr>
-              <a:spLocks noChangeArrowheads="1"/>
-            </p:cNvSpPr>
-            <p:nvPr/>
-          </p:nvSpPr>
-          <p:spPr bwMode="invGray">
-            <a:xfrm>
-              <a:off x="1828800" y="4191000"/>
-              <a:ext cx="6477000" cy="783193"/>
-            </a:xfrm>
-            <a:prstGeom prst="roundRect">
-              <a:avLst>
-                <a:gd name="adj" fmla="val 16667"/>
-              </a:avLst>
-            </a:prstGeom>
-            <a:solidFill>
-              <a:srgbClr val="1D154B">
-                <a:alpha val="30000"/>
-              </a:srgbClr>
-            </a:solidFill>
-            <a:ln w="9525" algn="ctr">
-              <a:noFill/>
-              <a:round/>
-              <a:headEnd/>
-              <a:tailEnd/>
-            </a:ln>
-            <a:effectLst/>
-          </p:spPr>
-          <p:txBody>
-            <a:bodyPr wrap="square" anchor="ctr">
-              <a:spAutoFit/>
-            </a:bodyPr>
-            <a:lstStyle/>
-            <a:p>
-              <a:pPr algn="ctr"/>
-              <a:r>
-                <a:rPr lang="en-US" sz="2000" b="1" dirty="0" smtClean="0">
-                  <a:effectLst/>
-                </a:rPr>
-                <a:t>Data Access Layer</a:t>
-              </a:r>
-            </a:p>
-            <a:p>
-              <a:pPr algn="ctr"/>
-              <a:r>
-                <a:rPr lang="en-US" sz="2000" b="1" dirty="0" smtClean="0"/>
-                <a:t>(Windsor + </a:t>
-              </a:r>
-              <a:r>
-                <a:rPr lang="en-US" sz="2000" b="1" dirty="0" err="1" smtClean="0"/>
-                <a:t>NHibernate</a:t>
-              </a:r>
-              <a:r>
-                <a:rPr lang="en-US" sz="2000" b="1" dirty="0" smtClean="0"/>
-                <a:t> + log4net + POCOs)</a:t>
-              </a:r>
-              <a:endParaRPr lang="en-US" sz="2000" b="1" dirty="0">
-                <a:effectLst/>
-              </a:endParaRPr>
-            </a:p>
-          </p:txBody>
-        </p:sp>
-        <p:sp>
-          <p:nvSpPr>
-            <p:cNvPr id="9" name="AutoShape 17"/>
-            <p:cNvSpPr>
-              <a:spLocks noChangeArrowheads="1"/>
-            </p:cNvSpPr>
-            <p:nvPr/>
-          </p:nvSpPr>
-          <p:spPr bwMode="invGray">
-            <a:xfrm rot="16200000">
-              <a:off x="-370401" y="2961203"/>
-              <a:ext cx="3352800" cy="783193"/>
-            </a:xfrm>
-            <a:prstGeom prst="roundRect">
-              <a:avLst>
-                <a:gd name="adj" fmla="val 16667"/>
-              </a:avLst>
-            </a:prstGeom>
-            <a:solidFill>
-              <a:srgbClr val="1D154B">
-                <a:alpha val="30000"/>
-              </a:srgbClr>
-            </a:solidFill>
-            <a:ln w="9525" algn="ctr">
-              <a:noFill/>
-              <a:round/>
-              <a:headEnd/>
-              <a:tailEnd/>
-            </a:ln>
-            <a:effectLst/>
-          </p:spPr>
-          <p:txBody>
-            <a:bodyPr wrap="square" anchor="ctr">
-              <a:spAutoFit/>
-            </a:bodyPr>
-            <a:lstStyle/>
-            <a:p>
-              <a:pPr algn="ctr"/>
-              <a:r>
-                <a:rPr lang="en-US" sz="2000" b="1" dirty="0" smtClean="0">
-                  <a:effectLst/>
-                </a:rPr>
-                <a:t>Unit Tests</a:t>
-              </a:r>
-            </a:p>
-            <a:p>
-              <a:pPr algn="ctr"/>
-              <a:r>
-                <a:rPr lang="en-US" sz="2000" b="1" dirty="0" smtClean="0"/>
-                <a:t>(</a:t>
-              </a:r>
-              <a:r>
-                <a:rPr lang="en-US" sz="2000" b="1" dirty="0" err="1" smtClean="0"/>
-                <a:t>Nunit</a:t>
-              </a:r>
-              <a:r>
-                <a:rPr lang="en-US" sz="2000" b="1" dirty="0" smtClean="0"/>
-                <a:t> + </a:t>
-              </a:r>
-              <a:r>
-                <a:rPr lang="en-US" sz="2000" b="1" dirty="0" err="1" smtClean="0"/>
-                <a:t>RhinoMocks</a:t>
-              </a:r>
-              <a:r>
-                <a:rPr lang="en-US" sz="2000" b="1" dirty="0" smtClean="0"/>
-                <a:t>)</a:t>
-              </a:r>
-              <a:endParaRPr lang="en-US" sz="2000" b="1" dirty="0">
-                <a:effectLst/>
-              </a:endParaRPr>
-            </a:p>
-          </p:txBody>
-        </p:sp>
-      </p:grpSp>
+          <a:noFill/>
+          <a:ln>
+            <a:miter lim="800000"/>
+            <a:headEnd/>
+            <a:tailEnd/>
+          </a:ln>
+        </p:spPr>
+        <p:txBody>
+          <a:bodyPr vert="horz" wrap="square" lIns="91440" tIns="45720" rIns="91440" bIns="45720" numCol="1" anchor="t" anchorCtr="0" compatLnSpc="1">
+            <a:prstTxWarp prst="textNoShape">
+              <a:avLst/>
+            </a:prstTxWarp>
+            <a:normAutofit/>
+          </a:bodyPr>
+          <a:lstStyle/>
+          <a:p>
+            <a:pPr>
+              <a:lnSpc>
+                <a:spcPct val="90000"/>
+              </a:lnSpc>
+            </a:pPr>
+            <a:r>
+              <a:rPr lang="en-US" sz="2400" dirty="0" smtClean="0"/>
+              <a:t>Impedance Mismatch between Objects and RDBMS</a:t>
+            </a:r>
+          </a:p>
+          <a:p>
+            <a:pPr lvl="1">
+              <a:lnSpc>
+                <a:spcPct val="90000"/>
+              </a:lnSpc>
+            </a:pPr>
+            <a:r>
+              <a:rPr lang="en-US" sz="2400" dirty="0" smtClean="0"/>
+              <a:t>Encapsulation</a:t>
+            </a:r>
+          </a:p>
+          <a:p>
+            <a:pPr lvl="1">
+              <a:lnSpc>
+                <a:spcPct val="90000"/>
+              </a:lnSpc>
+            </a:pPr>
+            <a:r>
+              <a:rPr lang="en-US" sz="2400" dirty="0" smtClean="0"/>
+              <a:t>Data type differences</a:t>
+            </a:r>
+          </a:p>
+          <a:p>
+            <a:pPr lvl="1">
+              <a:lnSpc>
+                <a:spcPct val="90000"/>
+              </a:lnSpc>
+            </a:pPr>
+            <a:r>
+              <a:rPr lang="en-US" sz="2400" dirty="0" smtClean="0"/>
+              <a:t>Structural differences</a:t>
+            </a:r>
+          </a:p>
+          <a:p>
+            <a:pPr lvl="1">
+              <a:lnSpc>
+                <a:spcPct val="90000"/>
+              </a:lnSpc>
+            </a:pPr>
+            <a:r>
+              <a:rPr lang="en-US" sz="2400" dirty="0" smtClean="0"/>
+              <a:t>Manipulative differences</a:t>
+            </a:r>
+          </a:p>
+        </p:txBody>
+      </p:sp>
     </p:spTree>
   </p:cSld>
   <p:clrMapOvr>
@@ -11598,8 +11090,12 @@
               </a:lnSpc>
             </a:pPr>
             <a:r>
+              <a:rPr lang="en-US" sz="2400" dirty="0" err="1" smtClean="0"/>
+              <a:t>NHibernate</a:t>
+            </a:r>
+            <a:r>
               <a:rPr lang="en-US" sz="2400" dirty="0" smtClean="0"/>
-              <a:t>Object/Relation Mapping (ORM)</a:t>
+              <a:t> – www.nhibernate.org</a:t>
             </a:r>
           </a:p>
           <a:p>
@@ -11610,58 +11106,39 @@
             </a:pPr>
             <a:r>
               <a:rPr lang="en-US" sz="2400" dirty="0" smtClean="0"/>
-              <a:t>is a programming technique for converting data between incompatible type systems in databases and object-oriented programming languages.</a:t>
-            </a:r>
-          </a:p>
-          <a:p>
-            <a:pPr lvl="2">
+              <a:t>Port of Java’s Hibernate ORM framework</a:t>
+            </a:r>
+          </a:p>
+          <a:p>
+            <a:pPr lvl="1">
               <a:lnSpc>
                 <a:spcPct val="90000"/>
               </a:lnSpc>
-              <a:buFont typeface="Arial" pitchFamily="34" charset="0"/>
-              <a:buChar char="•"/>
-            </a:pPr>
-            <a:endParaRPr lang="en-US" sz="2400" dirty="0" smtClean="0"/>
-          </a:p>
-          <a:p>
-            <a:pPr lvl="2">
+            </a:pPr>
+            <a:r>
+              <a:rPr lang="en-US" sz="2400" dirty="0" smtClean="0"/>
+              <a:t>Supports natural OO idiom; inheritance, polymorphism, composition and the .NET collections framework, including generic collections.</a:t>
+            </a:r>
+          </a:p>
+          <a:p>
+            <a:pPr lvl="1">
               <a:lnSpc>
                 <a:spcPct val="90000"/>
               </a:lnSpc>
-              <a:buFont typeface="Arial" pitchFamily="34" charset="0"/>
-              <a:buChar char="•"/>
+            </a:pPr>
+            <a:r>
+              <a:rPr lang="en-US" sz="2400" dirty="0" smtClean="0"/>
+              <a:t>Rich variety of mappings for collections and dependent objects</a:t>
+            </a:r>
+          </a:p>
+          <a:p>
+            <a:pPr lvl="1">
+              <a:lnSpc>
+                <a:spcPct val="90000"/>
+              </a:lnSpc>
+              <a:buNone/>
             </a:pPr>
             <a:endParaRPr lang="en-US" sz="2400" dirty="0" smtClean="0"/>
-          </a:p>
-        </p:txBody>
-      </p:sp>
-      <p:sp>
-        <p:nvSpPr>
-          <p:cNvPr id="5" name="TextBox 4"/>
-          <p:cNvSpPr txBox="1"/>
-          <p:nvPr/>
-        </p:nvSpPr>
-        <p:spPr>
-          <a:xfrm>
-            <a:off x="1981200" y="3657600"/>
-            <a:ext cx="6109365" cy="369332"/>
-          </a:xfrm>
-          <a:prstGeom prst="rect">
-            <a:avLst/>
-          </a:prstGeom>
-          <a:noFill/>
-        </p:spPr>
-        <p:txBody>
-          <a:bodyPr wrap="none" rtlCol="0">
-            <a:spAutoFit/>
-          </a:bodyPr>
-          <a:lstStyle/>
-          <a:p>
-            <a:r>
-              <a:rPr lang="en-US" sz="1800" b="1" dirty="0" smtClean="0"/>
-              <a:t>http://en.wikipedia.org/wiki/Object-relational_mapping</a:t>
-            </a:r>
-            <a:endParaRPr lang="en-US" sz="1800" b="1" dirty="0"/>
           </a:p>
         </p:txBody>
       </p:sp>
@@ -11746,7 +11223,7 @@
         </p:nvSpPr>
         <p:spPr bwMode="auto">
           <a:xfrm>
-            <a:off x="457200" y="1600200"/>
+            <a:off x="381000" y="1600200"/>
             <a:ext cx="7423150" cy="4525963"/>
           </a:xfrm>
           <a:noFill/>
@@ -11771,8 +11248,41 @@
               </a:lnSpc>
             </a:pPr>
             <a:r>
+              <a:rPr lang="en-US" sz="2400" dirty="0" err="1" smtClean="0"/>
+              <a:t>NHibernate</a:t>
+            </a:r>
+            <a:r>
               <a:rPr lang="en-US" sz="2400" dirty="0" smtClean="0"/>
-              <a:t>Impedance Mismatch between Objects and RDBMS</a:t>
+              <a:t> – www.nhibernate.org</a:t>
+            </a:r>
+          </a:p>
+          <a:p>
+            <a:pPr lvl="1"/>
+            <a:r>
+              <a:rPr lang="en-US" sz="2400" dirty="0" smtClean="0"/>
+              <a:t>Addresses both sides of the mismatch; objects in/out of the database.</a:t>
+            </a:r>
+          </a:p>
+          <a:p>
+            <a:pPr lvl="1"/>
+            <a:r>
+              <a:rPr lang="en-US" sz="2400" dirty="0" smtClean="0"/>
+              <a:t>Specify the exact SQL dialect that </a:t>
+            </a:r>
+            <a:r>
+              <a:rPr lang="en-US" sz="2400" dirty="0" err="1" smtClean="0"/>
+              <a:t>NHibernate</a:t>
+            </a:r>
+            <a:r>
+              <a:rPr lang="en-US" sz="2400" dirty="0" smtClean="0"/>
+              <a:t> should use to persist your objects.</a:t>
+            </a:r>
+          </a:p>
+          <a:p>
+            <a:pPr lvl="1"/>
+            <a:r>
+              <a:rPr lang="en-US" sz="2400" dirty="0" smtClean="0"/>
+              <a:t>Under LGPL (Lesser GNU Public License)</a:t>
             </a:r>
           </a:p>
           <a:p>
@@ -11781,43 +11291,27 @@
                 <a:spcPct val="90000"/>
               </a:lnSpc>
             </a:pPr>
-            <a:r>
-              <a:rPr lang="en-US" sz="2400" dirty="0" smtClean="0"/>
-              <a:t>Encapsulation</a:t>
-            </a:r>
-          </a:p>
-          <a:p>
-            <a:pPr lvl="1">
+            <a:endParaRPr lang="en-US" sz="2400" dirty="0" smtClean="0"/>
+          </a:p>
+          <a:p>
+            <a:pPr lvl="2">
               <a:lnSpc>
                 <a:spcPct val="90000"/>
               </a:lnSpc>
-            </a:pPr>
-            <a:r>
-              <a:rPr lang="en-US" sz="2400" dirty="0" smtClean="0"/>
-              <a:t>Data type differences</a:t>
-            </a:r>
-          </a:p>
-          <a:p>
-            <a:pPr lvl="1">
+              <a:buFont typeface="Arial" pitchFamily="34" charset="0"/>
+              <a:buChar char="•"/>
+            </a:pPr>
+            <a:endParaRPr lang="en-US" sz="2400" dirty="0" smtClean="0"/>
+          </a:p>
+          <a:p>
+            <a:pPr lvl="2">
               <a:lnSpc>
                 <a:spcPct val="90000"/>
               </a:lnSpc>
-            </a:pPr>
-            <a:r>
-              <a:rPr lang="en-US" sz="2400" dirty="0" smtClean="0"/>
-              <a:t>Structural differences</a:t>
-            </a:r>
-          </a:p>
-          <a:p>
-            <a:pPr lvl="1">
-              <a:lnSpc>
-                <a:spcPct val="90000"/>
-              </a:lnSpc>
-            </a:pPr>
-            <a:r>
-              <a:rPr lang="en-US" sz="2400" dirty="0" smtClean="0"/>
-              <a:t>Manipulative differences</a:t>
-            </a:r>
+              <a:buFont typeface="Arial" pitchFamily="34" charset="0"/>
+              <a:buChar char="•"/>
+            </a:pPr>
+            <a:endParaRPr lang="en-US" sz="2400" dirty="0" smtClean="0"/>
           </a:p>
         </p:txBody>
       </p:sp>
@@ -11890,92 +11384,65 @@
           </a:p>
         </p:txBody>
       </p:sp>
-      <p:sp>
-        <p:nvSpPr>
-          <p:cNvPr id="6148" name="Text Placeholder 2"/>
-          <p:cNvSpPr>
-            <a:spLocks noGrp="1"/>
-          </p:cNvSpPr>
-          <p:nvPr>
-            <p:ph type="body" sz="half" idx="1"/>
-          </p:nvPr>
-        </p:nvSpPr>
+      <p:pic>
+        <p:nvPicPr>
+          <p:cNvPr id="6" name="Picture 4" descr="full_cream"/>
+          <p:cNvPicPr>
+            <a:picLocks noChangeAspect="1" noChangeArrowheads="1"/>
+          </p:cNvPicPr>
+          <p:nvPr/>
+        </p:nvPicPr>
+        <p:blipFill>
+          <a:blip r:embed="rId3" cstate="print"/>
+          <a:srcRect/>
+          <a:stretch>
+            <a:fillRect/>
+          </a:stretch>
+        </p:blipFill>
         <p:spPr bwMode="auto">
           <a:xfrm>
-            <a:off x="457200" y="1600200"/>
-            <a:ext cx="7423150" cy="4525963"/>
+            <a:off x="1981200" y="1295399"/>
+            <a:ext cx="5562600" cy="4546693"/>
           </a:xfrm>
-          <a:noFill/>
-          <a:ln>
+          <a:prstGeom prst="rect">
+            <a:avLst/>
+          </a:prstGeom>
+          <a:noFill/>
+          <a:ln w="9525">
+            <a:noFill/>
             <a:miter lim="800000"/>
             <a:headEnd/>
             <a:tailEnd/>
           </a:ln>
         </p:spPr>
-        <p:txBody>
-          <a:bodyPr vert="horz" wrap="square" lIns="91440" tIns="45720" rIns="91440" bIns="45720" numCol="1" anchor="t" anchorCtr="0" compatLnSpc="1">
-            <a:prstTxWarp prst="textNoShape">
-              <a:avLst/>
-            </a:prstTxWarp>
-            <a:normAutofit/>
+      </p:pic>
+      <p:sp>
+        <p:nvSpPr>
+          <p:cNvPr id="7" name="TextBox 6"/>
+          <p:cNvSpPr txBox="1"/>
+          <p:nvPr/>
+        </p:nvSpPr>
+        <p:spPr>
+          <a:xfrm>
+            <a:off x="1752600" y="5943600"/>
+            <a:ext cx="6061018" cy="307777"/>
+          </a:xfrm>
+          <a:prstGeom prst="rect">
+            <a:avLst/>
+          </a:prstGeom>
+          <a:noFill/>
+        </p:spPr>
+        <p:txBody>
+          <a:bodyPr wrap="none" rtlCol="0">
+            <a:spAutoFit/>
           </a:bodyPr>
           <a:lstStyle/>
           <a:p>
-            <a:pPr>
-              <a:lnSpc>
-                <a:spcPct val="90000"/>
-              </a:lnSpc>
-            </a:pPr>
-            <a:r>
-              <a:rPr lang="en-US" sz="2400" dirty="0" err="1" smtClean="0"/>
-              <a:t>NHibernate</a:t>
-            </a:r>
-            <a:r>
-              <a:rPr lang="en-US" sz="2400" dirty="0" smtClean="0"/>
-              <a:t> – www.nhibernate.org</a:t>
-            </a:r>
-          </a:p>
-          <a:p>
-            <a:pPr lvl="1">
-              <a:lnSpc>
-                <a:spcPct val="90000"/>
-              </a:lnSpc>
-            </a:pPr>
-            <a:r>
-              <a:rPr lang="en-US" sz="2400" dirty="0" smtClean="0"/>
-              <a:t>Port of Java’s Hibernate ORM framework</a:t>
-            </a:r>
-          </a:p>
-          <a:p>
-            <a:pPr lvl="1">
-              <a:lnSpc>
-                <a:spcPct val="90000"/>
-              </a:lnSpc>
-            </a:pPr>
-            <a:r>
-              <a:rPr lang="en-US" sz="2400" dirty="0" smtClean="0"/>
-              <a:t>Supports natural OO idiom; inheritance, polymorphism, composition and the .NET collections framework, including generic collections.</a:t>
-            </a:r>
-          </a:p>
-          <a:p>
-            <a:pPr lvl="1">
-              <a:lnSpc>
-                <a:spcPct val="90000"/>
-              </a:lnSpc>
-            </a:pPr>
-            <a:r>
-              <a:rPr lang="en-US" sz="2400" dirty="0" smtClean="0"/>
-              <a:t>Rich variety of mappings for collections and dependent objects</a:t>
-            </a:r>
-          </a:p>
-          <a:p>
-            <a:pPr lvl="1">
-              <a:lnSpc>
-                <a:spcPct val="90000"/>
-              </a:lnSpc>
-              <a:buNone/>
-            </a:pPr>
-            <a:endParaRPr lang="en-US" sz="2400" dirty="0" smtClean="0"/>
+            <a:r>
+              <a:rPr lang="en-US" sz="1400" b="1" dirty="0" smtClean="0"/>
+              <a:t>http://www.hibernate.org/hib_docs/nhibernate/html/architecture.html </a:t>
+            </a:r>
+            <a:endParaRPr lang="en-US" sz="1400" b="1" dirty="0"/>
           </a:p>
         </p:txBody>
       </p:sp>
@@ -12043,14 +11510,14 @@
             </a:pPr>
             <a:r>
               <a:rPr lang="en-US" dirty="0" smtClean="0"/>
-              <a:t>Data Tooling</a:t>
-            </a:r>
-          </a:p>
-        </p:txBody>
-      </p:sp>
-      <p:sp>
-        <p:nvSpPr>
-          <p:cNvPr id="6148" name="Text Placeholder 2"/>
+              <a:t>Demo</a:t>
+            </a:r>
+          </a:p>
+        </p:txBody>
+      </p:sp>
+      <p:sp>
+        <p:nvSpPr>
+          <p:cNvPr id="8196" name="Text Placeholder 2"/>
           <p:cNvSpPr>
             <a:spLocks noGrp="1"/>
           </p:cNvSpPr>
@@ -12060,8 +11527,8 @@
         </p:nvSpPr>
         <p:spPr bwMode="auto">
           <a:xfrm>
-            <a:off x="381000" y="1600200"/>
-            <a:ext cx="7423150" cy="4525963"/>
+            <a:off x="533400" y="3140075"/>
+            <a:ext cx="7924800" cy="577850"/>
           </a:xfrm>
           <a:noFill/>
           <a:ln>
@@ -12071,84 +11538,26 @@
           </a:ln>
         </p:spPr>
         <p:txBody>
-          <a:bodyPr vert="horz" wrap="square" lIns="91440" tIns="45720" rIns="91440" bIns="45720" numCol="1" anchor="t" anchorCtr="0" compatLnSpc="1">
+          <a:bodyPr vert="horz" wrap="square" lIns="91440" tIns="45720" rIns="91440" bIns="45720" numCol="1" anchor="ctr" anchorCtr="0" compatLnSpc="1">
             <a:prstTxWarp prst="textNoShape">
               <a:avLst/>
             </a:prstTxWarp>
-            <a:normAutofit/>
+            <a:normAutofit lnSpcReduction="10000"/>
           </a:bodyPr>
           <a:lstStyle/>
           <a:p>
-            <a:pPr>
-              <a:lnSpc>
-                <a:spcPct val="90000"/>
-              </a:lnSpc>
-            </a:pPr>
-            <a:r>
-              <a:rPr lang="en-US" sz="2400" dirty="0" err="1" smtClean="0"/>
+            <a:pPr algn="ctr">
+              <a:buFont typeface="Wingdings" pitchFamily="-64" charset="2"/>
+              <a:buNone/>
+            </a:pPr>
+            <a:r>
+              <a:rPr lang="en-US" sz="3200" dirty="0" err="1" smtClean="0"/>
               <a:t>NHibernate</a:t>
             </a:r>
             <a:r>
-              <a:rPr lang="en-US" sz="2400" dirty="0" smtClean="0"/>
-              <a:t> – www.nhibernate.org</a:t>
-            </a:r>
-          </a:p>
-          <a:p>
-            <a:pPr lvl="1"/>
-            <a:r>
-              <a:rPr lang="en-US" sz="2400" dirty="0" smtClean="0"/>
-              <a:t>Addresses both sides of the mismatch; objects in/out of the database.</a:t>
-            </a:r>
-          </a:p>
-          <a:p>
-            <a:pPr lvl="1"/>
-            <a:r>
-              <a:rPr lang="en-US" sz="2400" dirty="0" smtClean="0"/>
-              <a:t>Specify the exact SQL dialect that </a:t>
-            </a:r>
-            <a:r>
-              <a:rPr lang="en-US" sz="2400" dirty="0" err="1" smtClean="0"/>
-              <a:t>NHibernate</a:t>
-            </a:r>
-            <a:r>
-              <a:rPr lang="en-US" sz="2400" dirty="0" smtClean="0"/>
-              <a:t> should use to persist your objects.</a:t>
-            </a:r>
-          </a:p>
-          <a:p>
-            <a:pPr lvl="1"/>
-            <a:r>
-              <a:rPr lang="en-US" sz="2400" dirty="0" smtClean="0"/>
-              <a:t>Under LGPL (Lesser GNU Public License)</a:t>
-            </a:r>
-          </a:p>
-          <a:p>
-            <a:pPr lvl="1">
-              <a:lnSpc>
-                <a:spcPct val="90000"/>
-              </a:lnSpc>
-            </a:pPr>
-            <a:endParaRPr lang="en-US" sz="2400" dirty="0" smtClean="0"/>
-          </a:p>
-          <a:p>
-            <a:pPr lvl="2">
-              <a:lnSpc>
-                <a:spcPct val="90000"/>
-              </a:lnSpc>
-              <a:buFont typeface="Arial" pitchFamily="34" charset="0"/>
-              <a:buChar char="•"/>
-            </a:pPr>
-            <a:endParaRPr lang="en-US" sz="2400" dirty="0" smtClean="0"/>
-          </a:p>
-          <a:p>
-            <a:pPr lvl="2">
-              <a:lnSpc>
-                <a:spcPct val="90000"/>
-              </a:lnSpc>
-              <a:buFont typeface="Arial" pitchFamily="34" charset="0"/>
-              <a:buChar char="•"/>
-            </a:pPr>
-            <a:endParaRPr lang="en-US" sz="2400" dirty="0" smtClean="0"/>
+              <a:rPr lang="en-US" sz="3200" dirty="0" smtClean="0"/>
+              <a:t> Overview</a:t>
+            </a:r>
           </a:p>
         </p:txBody>
       </p:sp>
@@ -12216,58 +11625,80 @@
             </a:pPr>
             <a:r>
               <a:rPr lang="en-US" dirty="0" smtClean="0"/>
-              <a:t>Data Tooling</a:t>
-            </a:r>
-          </a:p>
-        </p:txBody>
-      </p:sp>
-      <p:pic>
-        <p:nvPicPr>
-          <p:cNvPr id="6" name="Picture 4" descr="full_cream"/>
-          <p:cNvPicPr>
-            <a:picLocks noChangeAspect="1" noChangeArrowheads="1"/>
-          </p:cNvPicPr>
-          <p:nvPr/>
-        </p:nvPicPr>
-        <p:blipFill>
-          <a:blip r:embed="rId3" cstate="print"/>
-          <a:srcRect/>
-          <a:stretch>
-            <a:fillRect/>
-          </a:stretch>
-        </p:blipFill>
+              <a:t>Architectural Tooling</a:t>
+            </a:r>
+          </a:p>
+        </p:txBody>
+      </p:sp>
+      <p:sp>
+        <p:nvSpPr>
+          <p:cNvPr id="6148" name="Text Placeholder 2"/>
+          <p:cNvSpPr>
+            <a:spLocks noGrp="1"/>
+          </p:cNvSpPr>
+          <p:nvPr>
+            <p:ph type="body" sz="half" idx="1"/>
+          </p:nvPr>
+        </p:nvSpPr>
         <p:spPr bwMode="auto">
           <a:xfrm>
-            <a:off x="1981200" y="1295399"/>
-            <a:ext cx="5562600" cy="4546693"/>
+            <a:off x="457200" y="1600201"/>
+            <a:ext cx="7423150" cy="2209800"/>
+          </a:xfrm>
+          <a:noFill/>
+          <a:ln>
+            <a:miter lim="800000"/>
+            <a:headEnd/>
+            <a:tailEnd/>
+          </a:ln>
+        </p:spPr>
+        <p:txBody>
+          <a:bodyPr vert="horz" wrap="square" lIns="91440" tIns="45720" rIns="91440" bIns="45720" numCol="1" anchor="t" anchorCtr="0" compatLnSpc="1">
+            <a:prstTxWarp prst="textNoShape">
+              <a:avLst/>
+            </a:prstTxWarp>
+            <a:noAutofit/>
+          </a:bodyPr>
+          <a:lstStyle/>
+          <a:p>
+            <a:pPr>
+              <a:lnSpc>
+                <a:spcPct val="90000"/>
+              </a:lnSpc>
+            </a:pPr>
+            <a:r>
+              <a:rPr lang="en-US" sz="2400" dirty="0" smtClean="0"/>
+              <a:t>Dependency Injection</a:t>
+            </a:r>
+          </a:p>
+          <a:p>
+            <a:pPr lvl="1">
+              <a:lnSpc>
+                <a:spcPct val="90000"/>
+              </a:lnSpc>
+            </a:pPr>
+            <a:r>
+              <a:rPr lang="en-US" sz="2400" dirty="0" smtClean="0"/>
+              <a:t>Refers to the process of supplying an external dependency to a software component. It is a specific form of inversion of control where the concern being inverted is the process of obtaining the needed dependency.</a:t>
+            </a:r>
+          </a:p>
+        </p:txBody>
+      </p:sp>
+      <p:sp>
+        <p:nvSpPr>
+          <p:cNvPr id="7" name="TextBox 6"/>
+          <p:cNvSpPr txBox="1"/>
+          <p:nvPr/>
+        </p:nvSpPr>
+        <p:spPr>
+          <a:xfrm>
+            <a:off x="2362200" y="5562600"/>
+            <a:ext cx="5647700" cy="369332"/>
           </a:xfrm>
           <a:prstGeom prst="rect">
             <a:avLst/>
           </a:prstGeom>
           <a:noFill/>
-          <a:ln w="9525">
-            <a:noFill/>
-            <a:miter lim="800000"/>
-            <a:headEnd/>
-            <a:tailEnd/>
-          </a:ln>
-        </p:spPr>
-      </p:pic>
-      <p:sp>
-        <p:nvSpPr>
-          <p:cNvPr id="7" name="TextBox 6"/>
-          <p:cNvSpPr txBox="1"/>
-          <p:nvPr/>
-        </p:nvSpPr>
-        <p:spPr>
-          <a:xfrm>
-            <a:off x="1752600" y="5943600"/>
-            <a:ext cx="6061018" cy="307777"/>
-          </a:xfrm>
-          <a:prstGeom prst="rect">
-            <a:avLst/>
-          </a:prstGeom>
-          <a:noFill/>
         </p:spPr>
         <p:txBody>
           <a:bodyPr wrap="none" rtlCol="0">
@@ -12276,10 +11707,10 @@
           <a:lstStyle/>
           <a:p>
             <a:r>
-              <a:rPr lang="en-US" sz="1400" b="1" dirty="0" smtClean="0"/>
-              <a:t>http://www.hibernate.org/hib_docs/nhibernate/html/architecture.html </a:t>
-            </a:r>
-            <a:endParaRPr lang="en-US" sz="1400" b="1" dirty="0"/>
+              <a:rPr lang="en-US" sz="1800" b="1" dirty="0" smtClean="0"/>
+              <a:t>http://en.wikipedia.org/wiki/Dependency_injection</a:t>
+            </a:r>
+            <a:endParaRPr lang="en-US" sz="1800" b="1" dirty="0"/>
           </a:p>
         </p:txBody>
       </p:sp>
@@ -12347,54 +11778,261 @@
             </a:pPr>
             <a:r>
               <a:rPr lang="en-US" dirty="0" smtClean="0"/>
-              <a:t>Demo</a:t>
-            </a:r>
-          </a:p>
-        </p:txBody>
-      </p:sp>
-      <p:sp>
-        <p:nvSpPr>
-          <p:cNvPr id="8196" name="Text Placeholder 2"/>
-          <p:cNvSpPr>
-            <a:spLocks noGrp="1"/>
-          </p:cNvSpPr>
-          <p:nvPr>
-            <p:ph type="body" sz="half" idx="1"/>
-          </p:nvPr>
-        </p:nvSpPr>
-        <p:spPr bwMode="auto">
+              <a:t>Architectural Tooling</a:t>
+            </a:r>
+          </a:p>
+        </p:txBody>
+      </p:sp>
+      <p:sp>
+        <p:nvSpPr>
+          <p:cNvPr id="6" name="TextBox 5"/>
+          <p:cNvSpPr txBox="1"/>
+          <p:nvPr/>
+        </p:nvSpPr>
+        <p:spPr>
           <a:xfrm>
-            <a:off x="533400" y="3140075"/>
-            <a:ext cx="7924800" cy="577850"/>
+            <a:off x="533400" y="1219200"/>
+            <a:ext cx="7772400" cy="5016758"/>
           </a:xfrm>
-          <a:noFill/>
-          <a:ln>
-            <a:miter lim="800000"/>
-            <a:headEnd/>
-            <a:tailEnd/>
-          </a:ln>
-        </p:spPr>
-        <p:txBody>
-          <a:bodyPr vert="horz" wrap="square" lIns="91440" tIns="45720" rIns="91440" bIns="45720" numCol="1" anchor="ctr" anchorCtr="0" compatLnSpc="1">
-            <a:prstTxWarp prst="textNoShape">
-              <a:avLst/>
-            </a:prstTxWarp>
-            <a:normAutofit lnSpcReduction="10000"/>
+          <a:prstGeom prst="rect">
+            <a:avLst/>
+          </a:prstGeom>
+          <a:noFill/>
+        </p:spPr>
+        <p:txBody>
+          <a:bodyPr wrap="square" rtlCol="0">
+            <a:spAutoFit/>
           </a:bodyPr>
           <a:lstStyle/>
           <a:p>
-            <a:pPr algn="ctr">
-              <a:buFont typeface="Wingdings" pitchFamily="-64" charset="2"/>
-              <a:buNone/>
-            </a:pPr>
-            <a:r>
-              <a:rPr lang="en-US" sz="3200" dirty="0" err="1" smtClean="0"/>
-              <a:t>NHibernate</a:t>
-            </a:r>
-            <a:r>
-              <a:rPr lang="en-US" sz="3200" dirty="0" smtClean="0"/>
-              <a:t> Overview</a:t>
-            </a:r>
+            <a:endParaRPr lang="en-US" sz="2000" b="1" dirty="0" smtClean="0">
+              <a:latin typeface="Consolas" pitchFamily="49" charset="0"/>
+            </a:endParaRPr>
+          </a:p>
+          <a:p>
+            <a:r>
+              <a:rPr lang="en-US" sz="2000" b="1" dirty="0" smtClean="0">
+                <a:latin typeface="Consolas" pitchFamily="49" charset="0"/>
+              </a:rPr>
+              <a:t>public interface </a:t>
+            </a:r>
+            <a:r>
+              <a:rPr lang="en-US" sz="2000" b="1" dirty="0" err="1" smtClean="0">
+                <a:latin typeface="Consolas" pitchFamily="49" charset="0"/>
+              </a:rPr>
+              <a:t>IFoo</a:t>
+            </a:r>
+            <a:endParaRPr lang="en-US" sz="2000" b="1" dirty="0" smtClean="0">
+              <a:latin typeface="Consolas" pitchFamily="49" charset="0"/>
+            </a:endParaRPr>
+          </a:p>
+          <a:p>
+            <a:r>
+              <a:rPr lang="en-US" sz="2000" b="1" dirty="0" smtClean="0">
+                <a:latin typeface="Consolas" pitchFamily="49" charset="0"/>
+              </a:rPr>
+              <a:t>{</a:t>
+            </a:r>
+          </a:p>
+          <a:p>
+            <a:r>
+              <a:rPr lang="en-US" sz="2000" b="1" dirty="0" smtClean="0">
+                <a:latin typeface="Consolas" pitchFamily="49" charset="0"/>
+              </a:rPr>
+              <a:t>    void </a:t>
+            </a:r>
+            <a:r>
+              <a:rPr lang="en-US" sz="2000" b="1" dirty="0" err="1" smtClean="0">
+                <a:latin typeface="Consolas" pitchFamily="49" charset="0"/>
+              </a:rPr>
+              <a:t>DoBar</a:t>
+            </a:r>
+            <a:r>
+              <a:rPr lang="en-US" sz="2000" b="1" dirty="0" smtClean="0">
+                <a:latin typeface="Consolas" pitchFamily="49" charset="0"/>
+              </a:rPr>
+              <a:t>();</a:t>
+            </a:r>
+          </a:p>
+          <a:p>
+            <a:r>
+              <a:rPr lang="en-US" sz="2000" b="1" dirty="0" smtClean="0">
+                <a:latin typeface="Consolas" pitchFamily="49" charset="0"/>
+              </a:rPr>
+              <a:t>}</a:t>
+            </a:r>
+          </a:p>
+          <a:p>
+            <a:endParaRPr lang="en-US" sz="2000" b="1" dirty="0" smtClean="0">
+              <a:latin typeface="Consolas" pitchFamily="49" charset="0"/>
+            </a:endParaRPr>
+          </a:p>
+          <a:p>
+            <a:r>
+              <a:rPr lang="en-US" sz="2000" b="1" dirty="0" smtClean="0">
+                <a:latin typeface="Consolas" pitchFamily="49" charset="0"/>
+              </a:rPr>
+              <a:t>public class </a:t>
+            </a:r>
+            <a:r>
+              <a:rPr lang="en-US" sz="2000" b="1" dirty="0" err="1" smtClean="0">
+                <a:latin typeface="Consolas" pitchFamily="49" charset="0"/>
+              </a:rPr>
+              <a:t>MyClass</a:t>
+            </a:r>
+            <a:endParaRPr lang="en-US" sz="2000" b="1" dirty="0" smtClean="0">
+              <a:latin typeface="Consolas" pitchFamily="49" charset="0"/>
+            </a:endParaRPr>
+          </a:p>
+          <a:p>
+            <a:r>
+              <a:rPr lang="en-US" sz="2000" b="1" dirty="0" smtClean="0">
+                <a:latin typeface="Consolas" pitchFamily="49" charset="0"/>
+              </a:rPr>
+              <a:t>{</a:t>
+            </a:r>
+          </a:p>
+          <a:p>
+            <a:r>
+              <a:rPr lang="en-US" sz="2000" b="1" dirty="0" smtClean="0">
+                <a:latin typeface="Consolas" pitchFamily="49" charset="0"/>
+              </a:rPr>
+              <a:t>    </a:t>
+            </a:r>
+            <a:r>
+              <a:rPr lang="en-US" sz="2000" b="1" dirty="0" err="1" smtClean="0">
+                <a:latin typeface="Consolas" pitchFamily="49" charset="0"/>
+              </a:rPr>
+              <a:t>IFoo</a:t>
+            </a:r>
+            <a:r>
+              <a:rPr lang="en-US" sz="2000" b="1" dirty="0" smtClean="0">
+                <a:latin typeface="Consolas" pitchFamily="49" charset="0"/>
+              </a:rPr>
+              <a:t> </a:t>
+            </a:r>
+            <a:r>
+              <a:rPr lang="en-US" sz="2000" b="1" dirty="0" err="1" smtClean="0">
+                <a:latin typeface="Consolas" pitchFamily="49" charset="0"/>
+              </a:rPr>
+              <a:t>myFoo</a:t>
+            </a:r>
+            <a:r>
+              <a:rPr lang="en-US" sz="2000" b="1" dirty="0" smtClean="0">
+                <a:latin typeface="Consolas" pitchFamily="49" charset="0"/>
+              </a:rPr>
+              <a:t>;</a:t>
+            </a:r>
+          </a:p>
+          <a:p>
+            <a:endParaRPr lang="en-US" sz="2000" b="1" dirty="0" smtClean="0">
+              <a:latin typeface="Consolas" pitchFamily="49" charset="0"/>
+            </a:endParaRPr>
+          </a:p>
+          <a:p>
+            <a:r>
+              <a:rPr lang="en-US" sz="2000" b="1" dirty="0" smtClean="0">
+                <a:latin typeface="Consolas" pitchFamily="49" charset="0"/>
+              </a:rPr>
+              <a:t>    public </a:t>
+            </a:r>
+            <a:r>
+              <a:rPr lang="en-US" sz="2000" b="1" dirty="0" err="1" smtClean="0">
+                <a:latin typeface="Consolas" pitchFamily="49" charset="0"/>
+              </a:rPr>
+              <a:t>MyClass</a:t>
+            </a:r>
+            <a:r>
+              <a:rPr lang="en-US" sz="2000" b="1" dirty="0" smtClean="0">
+                <a:latin typeface="Consolas" pitchFamily="49" charset="0"/>
+              </a:rPr>
+              <a:t>(</a:t>
+            </a:r>
+            <a:r>
+              <a:rPr lang="en-US" sz="2000" b="1" dirty="0" err="1" smtClean="0">
+                <a:latin typeface="Consolas" pitchFamily="49" charset="0"/>
+              </a:rPr>
+              <a:t>IFoo</a:t>
+            </a:r>
+            <a:r>
+              <a:rPr lang="en-US" sz="2000" b="1" dirty="0" smtClean="0">
+                <a:latin typeface="Consolas" pitchFamily="49" charset="0"/>
+              </a:rPr>
+              <a:t> </a:t>
+            </a:r>
+            <a:r>
+              <a:rPr lang="en-US" sz="2000" b="1" dirty="0" err="1" smtClean="0">
+                <a:latin typeface="Consolas" pitchFamily="49" charset="0"/>
+              </a:rPr>
+              <a:t>foo</a:t>
+            </a:r>
+            <a:r>
+              <a:rPr lang="en-US" sz="2000" b="1" dirty="0" smtClean="0">
+                <a:latin typeface="Consolas" pitchFamily="49" charset="0"/>
+              </a:rPr>
+              <a:t>)</a:t>
+            </a:r>
+          </a:p>
+          <a:p>
+            <a:r>
+              <a:rPr lang="en-US" sz="2000" b="1" dirty="0" smtClean="0">
+                <a:latin typeface="Consolas" pitchFamily="49" charset="0"/>
+              </a:rPr>
+              <a:t>    {</a:t>
+            </a:r>
+          </a:p>
+          <a:p>
+            <a:r>
+              <a:rPr lang="en-US" sz="2000" b="1" dirty="0" smtClean="0">
+                <a:latin typeface="Consolas" pitchFamily="49" charset="0"/>
+              </a:rPr>
+              <a:t>        </a:t>
+            </a:r>
+            <a:r>
+              <a:rPr lang="en-US" sz="2000" b="1" dirty="0" err="1" smtClean="0">
+                <a:latin typeface="Consolas" pitchFamily="49" charset="0"/>
+              </a:rPr>
+              <a:t>myFoo</a:t>
+            </a:r>
+            <a:r>
+              <a:rPr lang="en-US" sz="2000" b="1" dirty="0" smtClean="0">
+                <a:latin typeface="Consolas" pitchFamily="49" charset="0"/>
+              </a:rPr>
+              <a:t> = </a:t>
+            </a:r>
+            <a:r>
+              <a:rPr lang="en-US" sz="2000" b="1" dirty="0" err="1" smtClean="0">
+                <a:latin typeface="Consolas" pitchFamily="49" charset="0"/>
+              </a:rPr>
+              <a:t>foo</a:t>
+            </a:r>
+            <a:r>
+              <a:rPr lang="en-US" sz="2000" b="1" dirty="0" smtClean="0">
+                <a:latin typeface="Consolas" pitchFamily="49" charset="0"/>
+              </a:rPr>
+              <a:t>;</a:t>
+            </a:r>
+          </a:p>
+          <a:p>
+            <a:r>
+              <a:rPr lang="en-US" sz="2000" b="1" dirty="0" smtClean="0">
+                <a:latin typeface="Consolas" pitchFamily="49" charset="0"/>
+              </a:rPr>
+              <a:t>    }</a:t>
+            </a:r>
+          </a:p>
+          <a:p>
+            <a:r>
+              <a:rPr lang="en-US" sz="2000" b="1" dirty="0" smtClean="0">
+                <a:latin typeface="Consolas" pitchFamily="49" charset="0"/>
+              </a:rPr>
+              <a:t>}</a:t>
+            </a:r>
+          </a:p>
+          <a:p>
+            <a:endParaRPr lang="en-US" sz="2000" b="1" dirty="0">
+              <a:latin typeface="Consolas" pitchFamily="49" charset="0"/>
+            </a:endParaRPr>
           </a:p>
         </p:txBody>
       </p:sp>
@@ -12494,7 +12132,6 @@
             <a:prstTxWarp prst="textNoShape">
               <a:avLst/>
             </a:prstTxWarp>
-            <a:noAutofit/>
           </a:bodyPr>
           <a:lstStyle/>
           <a:p>
@@ -12504,8 +12141,23 @@
               </a:lnSpc>
             </a:pPr>
             <a:r>
-              <a:rPr lang="en-US" sz="2400" dirty="0" smtClean="0"/>
-              <a:t>Dependency Injection</a:t>
+              <a:rPr lang="en-US" dirty="0" smtClean="0"/>
+              <a:t>Inversion of Control (</a:t>
+            </a:r>
+            <a:r>
+              <a:rPr lang="en-US" dirty="0" err="1" smtClean="0"/>
+              <a:t>IoC</a:t>
+            </a:r>
+            <a:r>
+              <a:rPr lang="en-US" dirty="0" smtClean="0"/>
+              <a:t>)</a:t>
+            </a:r>
+          </a:p>
+          <a:p>
+            <a:pPr lvl="1"/>
+            <a:r>
+              <a:rPr lang="en-GB" dirty="0" smtClean="0"/>
+              <a:t>Objects rely on their environment to provide dependencies rather than actively obtaining them.</a:t>
             </a:r>
           </a:p>
           <a:p>
@@ -12515,8 +12167,8 @@
               </a:lnSpc>
             </a:pPr>
             <a:r>
-              <a:rPr lang="en-US" sz="2400" dirty="0" smtClean="0"/>
-              <a:t>Refers to the process of supplying an external dependency to a software component. It is a specific form of inversion of control where the concern being inverted is the process of obtaining the needed dependency.</a:t>
+              <a:rPr lang="en-US" dirty="0" smtClean="0"/>
+              <a:t>Hollywood Principle—"don't call us, we will call you".</a:t>
             </a:r>
           </a:p>
         </p:txBody>
@@ -12529,8 +12181,8 @@
         </p:nvSpPr>
         <p:spPr>
           <a:xfrm>
-            <a:off x="2362200" y="5562600"/>
-            <a:ext cx="5647700" cy="369332"/>
+            <a:off x="2133600" y="4114800"/>
+            <a:ext cx="5545108" cy="369332"/>
           </a:xfrm>
           <a:prstGeom prst="rect">
             <a:avLst/>
@@ -12545,7 +12197,7 @@
           <a:p>
             <a:r>
               <a:rPr lang="en-US" sz="1800" b="1" dirty="0" smtClean="0"/>
-              <a:t>http://en.wikipedia.org/wiki/Dependency_injection</a:t>
+              <a:t>http://en.wikipedia.org/wiki/Inversion_of_control </a:t>
             </a:r>
             <a:endParaRPr lang="en-US" sz="1800" b="1" dirty="0"/>
           </a:p>
@@ -12629,7 +12281,7 @@
         <p:spPr>
           <a:xfrm>
             <a:off x="533400" y="1219200"/>
-            <a:ext cx="7772400" cy="5016758"/>
+            <a:ext cx="7772400" cy="5647700"/>
           </a:xfrm>
           <a:prstGeom prst="rect">
             <a:avLst/>
@@ -12642,50 +12294,240 @@
           </a:bodyPr>
           <a:lstStyle/>
           <a:p>
-            <a:endParaRPr lang="en-US" sz="2000" b="1" dirty="0" smtClean="0">
+            <a:endParaRPr lang="en-US" sz="1900" dirty="0" smtClean="0">
               <a:latin typeface="Consolas" pitchFamily="49" charset="0"/>
             </a:endParaRPr>
           </a:p>
           <a:p>
             <a:r>
-              <a:rPr lang="en-US" sz="2000" b="1" dirty="0" smtClean="0">
+              <a:rPr lang="en-US" sz="1900" dirty="0" smtClean="0">
                 <a:latin typeface="Consolas" pitchFamily="49" charset="0"/>
               </a:rPr>
-              <a:t>public interface </a:t>
-            </a:r>
-            <a:r>
-              <a:rPr lang="en-US" sz="2000" b="1" dirty="0" err="1" smtClean="0">
+              <a:t>public class </a:t>
+            </a:r>
+            <a:r>
+              <a:rPr lang="en-US" sz="1900" b="1" dirty="0" err="1" smtClean="0">
+                <a:latin typeface="Consolas" pitchFamily="49" charset="0"/>
+              </a:rPr>
+              <a:t>MyClass</a:t>
+            </a:r>
+            <a:endParaRPr lang="en-US" sz="1900" b="1" dirty="0" smtClean="0">
+              <a:latin typeface="Consolas" pitchFamily="49" charset="0"/>
+            </a:endParaRPr>
+          </a:p>
+          <a:p>
+            <a:r>
+              <a:rPr lang="en-US" sz="1900" dirty="0" smtClean="0">
+                <a:latin typeface="Consolas" pitchFamily="49" charset="0"/>
+              </a:rPr>
+              <a:t>{</a:t>
+            </a:r>
+          </a:p>
+          <a:p>
+            <a:r>
+              <a:rPr lang="en-US" sz="1900" dirty="0" smtClean="0">
+                <a:latin typeface="Consolas" pitchFamily="49" charset="0"/>
+              </a:rPr>
+              <a:t>    </a:t>
+            </a:r>
+            <a:r>
+              <a:rPr lang="en-US" sz="1900" dirty="0" err="1" smtClean="0">
                 <a:latin typeface="Consolas" pitchFamily="49" charset="0"/>
               </a:rPr>
               <a:t>IFoo</a:t>
             </a:r>
-            <a:endParaRPr lang="en-US" sz="2000" b="1" dirty="0" smtClean="0">
+            <a:r>
+              <a:rPr lang="en-US" sz="1900" dirty="0" smtClean="0">
+                <a:latin typeface="Consolas" pitchFamily="49" charset="0"/>
+              </a:rPr>
+              <a:t> </a:t>
+            </a:r>
+            <a:r>
+              <a:rPr lang="en-US" sz="1900" dirty="0" err="1" smtClean="0">
+                <a:latin typeface="Consolas" pitchFamily="49" charset="0"/>
+              </a:rPr>
+              <a:t>myFoo</a:t>
+            </a:r>
+            <a:r>
+              <a:rPr lang="en-US" sz="1900" dirty="0" smtClean="0">
+                <a:latin typeface="Consolas" pitchFamily="49" charset="0"/>
+              </a:rPr>
+              <a:t>;</a:t>
+            </a:r>
+          </a:p>
+          <a:p>
+            <a:endParaRPr lang="en-US" sz="1900" dirty="0" smtClean="0">
               <a:latin typeface="Consolas" pitchFamily="49" charset="0"/>
             </a:endParaRPr>
           </a:p>
           <a:p>
             <a:r>
-              <a:rPr lang="en-US" sz="2000" b="1" dirty="0" smtClean="0">
+              <a:rPr lang="en-US" sz="1900" dirty="0" smtClean="0">
                 <a:latin typeface="Consolas" pitchFamily="49" charset="0"/>
               </a:rPr>
-              <a:t>{</a:t>
-            </a:r>
-          </a:p>
-          <a:p>
-            <a:r>
-              <a:rPr lang="en-US" sz="2000" b="1" dirty="0" smtClean="0">
+              <a:t>    public </a:t>
+            </a:r>
+            <a:r>
+              <a:rPr lang="en-US" sz="1900" dirty="0" err="1" smtClean="0">
                 <a:latin typeface="Consolas" pitchFamily="49" charset="0"/>
               </a:rPr>
-              <a:t>    void </a:t>
-            </a:r>
-            <a:r>
-              <a:rPr lang="en-US" sz="2000" b="1" dirty="0" err="1" smtClean="0">
+              <a:t>MyClass</a:t>
+            </a:r>
+            <a:r>
+              <a:rPr lang="en-US" sz="1900" dirty="0" smtClean="0">
                 <a:latin typeface="Consolas" pitchFamily="49" charset="0"/>
               </a:rPr>
-              <a:t>DoBar</a:t>
-            </a:r>
-            <a:r>
-              <a:rPr lang="en-US" sz="2000" b="1" dirty="0" smtClean="0">
+              <a:t>(</a:t>
+            </a:r>
+            <a:r>
+              <a:rPr lang="en-US" sz="1900" dirty="0" err="1" smtClean="0">
+                <a:latin typeface="Consolas" pitchFamily="49" charset="0"/>
+              </a:rPr>
+              <a:t>IFoo</a:t>
+            </a:r>
+            <a:r>
+              <a:rPr lang="en-US" sz="1900" dirty="0" smtClean="0">
+                <a:latin typeface="Consolas" pitchFamily="49" charset="0"/>
+              </a:rPr>
+              <a:t> </a:t>
+            </a:r>
+            <a:r>
+              <a:rPr lang="en-US" sz="1900" dirty="0" err="1" smtClean="0">
+                <a:latin typeface="Consolas" pitchFamily="49" charset="0"/>
+              </a:rPr>
+              <a:t>foo</a:t>
+            </a:r>
+            <a:r>
+              <a:rPr lang="en-US" sz="1900" dirty="0" smtClean="0">
+                <a:latin typeface="Consolas" pitchFamily="49" charset="0"/>
+              </a:rPr>
+              <a:t>)</a:t>
+            </a:r>
+          </a:p>
+          <a:p>
+            <a:r>
+              <a:rPr lang="en-US" sz="1900" dirty="0" smtClean="0">
+                <a:latin typeface="Consolas" pitchFamily="49" charset="0"/>
+              </a:rPr>
+              <a:t>    {</a:t>
+            </a:r>
+          </a:p>
+          <a:p>
+            <a:r>
+              <a:rPr lang="en-US" sz="1900" dirty="0" smtClean="0">
+                <a:latin typeface="Consolas" pitchFamily="49" charset="0"/>
+              </a:rPr>
+              <a:t>        </a:t>
+            </a:r>
+            <a:r>
+              <a:rPr lang="en-US" sz="1900" dirty="0" err="1" smtClean="0">
+                <a:latin typeface="Consolas" pitchFamily="49" charset="0"/>
+              </a:rPr>
+              <a:t>myFoo</a:t>
+            </a:r>
+            <a:r>
+              <a:rPr lang="en-US" sz="1900" dirty="0" smtClean="0">
+                <a:latin typeface="Consolas" pitchFamily="49" charset="0"/>
+              </a:rPr>
+              <a:t> = </a:t>
+            </a:r>
+            <a:r>
+              <a:rPr lang="en-US" sz="1900" dirty="0" err="1" smtClean="0">
+                <a:latin typeface="Consolas" pitchFamily="49" charset="0"/>
+              </a:rPr>
+              <a:t>foo</a:t>
+            </a:r>
+            <a:r>
+              <a:rPr lang="en-US" sz="1900" dirty="0" smtClean="0">
+                <a:latin typeface="Consolas" pitchFamily="49" charset="0"/>
+              </a:rPr>
+              <a:t>;</a:t>
+            </a:r>
+          </a:p>
+          <a:p>
+            <a:r>
+              <a:rPr lang="en-US" sz="1900" dirty="0" smtClean="0">
+                <a:latin typeface="Consolas" pitchFamily="49" charset="0"/>
+              </a:rPr>
+              <a:t>    }</a:t>
+            </a:r>
+          </a:p>
+          <a:p>
+            <a:endParaRPr lang="en-US" sz="1900" dirty="0" smtClean="0">
+              <a:latin typeface="Consolas" pitchFamily="49" charset="0"/>
+            </a:endParaRPr>
+          </a:p>
+          <a:p>
+            <a:r>
+              <a:rPr lang="en-US" sz="1900" dirty="0" smtClean="0">
+                <a:latin typeface="Consolas" pitchFamily="49" charset="0"/>
+              </a:rPr>
+              <a:t>    public void </a:t>
+            </a:r>
+            <a:r>
+              <a:rPr lang="en-US" sz="1900" dirty="0" err="1" smtClean="0">
+                <a:latin typeface="Consolas" pitchFamily="49" charset="0"/>
+              </a:rPr>
+              <a:t>DoWork</a:t>
+            </a:r>
+            <a:r>
+              <a:rPr lang="en-US" sz="1900" dirty="0" smtClean="0">
+                <a:latin typeface="Consolas" pitchFamily="49" charset="0"/>
+              </a:rPr>
+              <a:t>()</a:t>
+            </a:r>
+          </a:p>
+          <a:p>
+            <a:r>
+              <a:rPr lang="en-US" sz="1900" dirty="0" smtClean="0">
+                <a:latin typeface="Consolas" pitchFamily="49" charset="0"/>
+              </a:rPr>
+              <a:t>    {</a:t>
+            </a:r>
+          </a:p>
+          <a:p>
+            <a:r>
+              <a:rPr lang="en-US" sz="1900" dirty="0" smtClean="0">
+                <a:latin typeface="Consolas" pitchFamily="49" charset="0"/>
+              </a:rPr>
+              <a:t>        if(</a:t>
+            </a:r>
+            <a:r>
+              <a:rPr lang="en-US" sz="1900" dirty="0" err="1" smtClean="0">
+                <a:latin typeface="Consolas" pitchFamily="49" charset="0"/>
+              </a:rPr>
+              <a:t>myFoo</a:t>
+            </a:r>
+            <a:r>
+              <a:rPr lang="en-US" sz="1900" dirty="0" smtClean="0">
+                <a:latin typeface="Consolas" pitchFamily="49" charset="0"/>
+              </a:rPr>
+              <a:t> != null)</a:t>
+            </a:r>
+          </a:p>
+          <a:p>
+            <a:r>
+              <a:rPr lang="en-US" sz="1900" dirty="0" smtClean="0">
+                <a:latin typeface="Consolas" pitchFamily="49" charset="0"/>
+              </a:rPr>
+              <a:t>        {</a:t>
+            </a:r>
+          </a:p>
+          <a:p>
+            <a:r>
+              <a:rPr lang="en-US" sz="1900" dirty="0" smtClean="0">
+                <a:latin typeface="Consolas" pitchFamily="49" charset="0"/>
+              </a:rPr>
+              <a:t>            </a:t>
+            </a:r>
+            <a:r>
+              <a:rPr lang="en-US" sz="1900" dirty="0" err="1" smtClean="0">
+                <a:latin typeface="Consolas" pitchFamily="49" charset="0"/>
+              </a:rPr>
+              <a:t>myFoo.DoBar</a:t>
+            </a:r>
+            <a:r>
+              <a:rPr lang="en-US" sz="1900" dirty="0" smtClean="0">
                 <a:latin typeface="Consolas" pitchFamily="49" charset="0"/>
               </a:rPr>
               <a:t>();</a:t>
@@ -12693,181 +12535,30 @@
           </a:p>
           <a:p>
             <a:r>
-              <a:rPr lang="en-US" sz="2000" b="1" dirty="0" smtClean="0">
+              <a:rPr lang="en-US" sz="1900" dirty="0" smtClean="0">
+                <a:latin typeface="Consolas" pitchFamily="49" charset="0"/>
+              </a:rPr>
+              <a:t>        }</a:t>
+            </a:r>
+          </a:p>
+          <a:p>
+            <a:r>
+              <a:rPr lang="en-US" sz="1900" dirty="0" smtClean="0">
+                <a:latin typeface="Consolas" pitchFamily="49" charset="0"/>
+              </a:rPr>
+              <a:t>    }</a:t>
+            </a:r>
+          </a:p>
+          <a:p>
+            <a:r>
+              <a:rPr lang="en-US" sz="1900" dirty="0" smtClean="0">
                 <a:latin typeface="Consolas" pitchFamily="49" charset="0"/>
               </a:rPr>
               <a:t>}</a:t>
             </a:r>
           </a:p>
           <a:p>
-            <a:endParaRPr lang="en-US" sz="2000" b="1" dirty="0" smtClean="0">
-              <a:latin typeface="Consolas" pitchFamily="49" charset="0"/>
-            </a:endParaRPr>
-          </a:p>
-          <a:p>
-            <a:r>
-              <a:rPr lang="en-US" sz="2000" b="1" dirty="0" smtClean="0">
-                <a:latin typeface="Consolas" pitchFamily="49" charset="0"/>
-              </a:rPr>
-              <a:t>public class </a:t>
-            </a:r>
-            <a:r>
-              <a:rPr lang="en-US" sz="2000" b="1" dirty="0" err="1" smtClean="0">
-                <a:latin typeface="Consolas" pitchFamily="49" charset="0"/>
-              </a:rPr>
-              <a:t>MyClass</a:t>
-            </a:r>
-            <a:endParaRPr lang="en-US" sz="2000" b="1" dirty="0" smtClean="0">
-              <a:latin typeface="Consolas" pitchFamily="49" charset="0"/>
-            </a:endParaRPr>
-          </a:p>
-          <a:p>
-            <a:r>
-              <a:rPr lang="en-US" sz="2000" b="1" dirty="0" smtClean="0">
-                <a:latin typeface="Consolas" pitchFamily="49" charset="0"/>
-              </a:rPr>
-              <a:t>{</a:t>
-            </a:r>
-          </a:p>
-          <a:p>
-            <a:r>
-              <a:rPr lang="en-US" sz="2000" b="1" dirty="0" smtClean="0">
-                <a:latin typeface="Consolas" pitchFamily="49" charset="0"/>
-              </a:rPr>
-              <a:t>    </a:t>
-            </a:r>
-            <a:r>
-              <a:rPr lang="en-US" sz="2000" b="1" dirty="0" err="1" smtClean="0">
-                <a:latin typeface="Consolas" pitchFamily="49" charset="0"/>
-              </a:rPr>
-              <a:t>IFoo</a:t>
-            </a:r>
-            <a:r>
-              <a:rPr lang="en-US" sz="2000" b="1" dirty="0" smtClean="0">
-                <a:latin typeface="Consolas" pitchFamily="49" charset="0"/>
-              </a:rPr>
-              <a:t> </a:t>
-            </a:r>
-            <a:r>
-              <a:rPr lang="en-US" sz="2000" b="1" dirty="0" err="1" smtClean="0">
-                <a:latin typeface="Consolas" pitchFamily="49" charset="0"/>
-              </a:rPr>
-              <a:t>myFoo</a:t>
-            </a:r>
-            <a:r>
-              <a:rPr lang="en-US" sz="2000" b="1" dirty="0" smtClean="0">
-                <a:latin typeface="Consolas" pitchFamily="49" charset="0"/>
-              </a:rPr>
-              <a:t>;</a:t>
-            </a:r>
-          </a:p>
-          <a:p>
-            <a:endParaRPr lang="en-US" sz="2000" b="1" dirty="0" smtClean="0">
-              <a:latin typeface="Consolas" pitchFamily="49" charset="0"/>
-            </a:endParaRPr>
-          </a:p>
-          <a:p>
-            <a:r>
-              <a:rPr lang="en-US" sz="2000" b="1" dirty="0" smtClean="0">
-                <a:latin typeface="Consolas" pitchFamily="49" charset="0"/>
-              </a:rPr>
-              <a:t>    public </a:t>
-            </a:r>
-            <a:r>
-              <a:rPr lang="en-US" sz="2000" b="1" dirty="0" err="1" smtClean="0">
-                <a:latin typeface="Consolas" pitchFamily="49" charset="0"/>
-              </a:rPr>
-              <a:t>MyClass</a:t>
-            </a:r>
-            <a:r>
-              <a:rPr lang="en-US" sz="2000" b="1" dirty="0" smtClean="0">
-                <a:latin typeface="Consolas" pitchFamily="49" charset="0"/>
-              </a:rPr>
-              <a:t>(</a:t>
-            </a:r>
-            <a:r>
-              <a:rPr lang="en-US" sz="2000" b="1" dirty="0" err="1" smtClean="0">
-                <a:latin typeface="Consolas" pitchFamily="49" charset="0"/>
-              </a:rPr>
-              <a:t>IFoo</a:t>
-            </a:r>
-            <a:r>
-              <a:rPr lang="en-US" sz="2000" b="1" dirty="0" smtClean="0">
-                <a:latin typeface="Consolas" pitchFamily="49" charset="0"/>
-              </a:rPr>
-              <a:t> </a:t>
-            </a:r>
-            <a:r>
-              <a:rPr lang="en-US" sz="2000" b="1" dirty="0" err="1" smtClean="0">
-                <a:latin typeface="Consolas" pitchFamily="49" charset="0"/>
-              </a:rPr>
-              <a:t>foo</a:t>
-            </a:r>
-            <a:r>
-              <a:rPr lang="en-US" sz="2000" b="1" dirty="0" smtClean="0">
-                <a:latin typeface="Consolas" pitchFamily="49" charset="0"/>
-              </a:rPr>
-              <a:t>)</a:t>
-            </a:r>
-          </a:p>
-          <a:p>
-            <a:r>
-              <a:rPr lang="en-US" sz="2000" b="1" dirty="0" smtClean="0">
-                <a:latin typeface="Consolas" pitchFamily="49" charset="0"/>
-              </a:rPr>
-              <a:t>    {</a:t>
-            </a:r>
-          </a:p>
-          <a:p>
-            <a:r>
-              <a:rPr lang="en-US" sz="2000" b="1" dirty="0" smtClean="0">
-                <a:latin typeface="Consolas" pitchFamily="49" charset="0"/>
-              </a:rPr>
-              <a:t>        </a:t>
-            </a:r>
-            <a:r>
-              <a:rPr lang="en-US" sz="2000" b="1" dirty="0" err="1" smtClean="0">
-                <a:latin typeface="Consolas" pitchFamily="49" charset="0"/>
-              </a:rPr>
-              <a:t>myFoo</a:t>
-            </a:r>
-            <a:r>
-              <a:rPr lang="en-US" sz="2000" b="1" dirty="0" smtClean="0">
-                <a:latin typeface="Consolas" pitchFamily="49" charset="0"/>
-              </a:rPr>
-              <a:t> = </a:t>
-            </a:r>
-            <a:r>
-              <a:rPr lang="en-US" sz="2000" b="1" dirty="0" err="1" smtClean="0">
-                <a:latin typeface="Consolas" pitchFamily="49" charset="0"/>
-              </a:rPr>
-              <a:t>foo</a:t>
-            </a:r>
-            <a:r>
-              <a:rPr lang="en-US" sz="2000" b="1" dirty="0" smtClean="0">
-                <a:latin typeface="Consolas" pitchFamily="49" charset="0"/>
-              </a:rPr>
-              <a:t>;</a:t>
-            </a:r>
-          </a:p>
-          <a:p>
-            <a:r>
-              <a:rPr lang="en-US" sz="2000" b="1" dirty="0" smtClean="0">
-                <a:latin typeface="Consolas" pitchFamily="49" charset="0"/>
-              </a:rPr>
-              <a:t>    }</a:t>
-            </a:r>
-          </a:p>
-          <a:p>
-            <a:r>
-              <a:rPr lang="en-US" sz="2000" b="1" dirty="0" smtClean="0">
-                <a:latin typeface="Consolas" pitchFamily="49" charset="0"/>
-              </a:rPr>
-              <a:t>}</a:t>
-            </a:r>
-          </a:p>
-          <a:p>
-            <a:endParaRPr lang="en-US" sz="2000" b="1" dirty="0">
+            <a:endParaRPr lang="en-US" sz="1900" dirty="0">
               <a:latin typeface="Consolas" pitchFamily="49" charset="0"/>
             </a:endParaRPr>
           </a:p>
@@ -12991,11 +12682,7 @@
             </a:pPr>
             <a:r>
               <a:rPr lang="en-US" sz="2400" dirty="0" smtClean="0"/>
-              <a:t>Data </a:t>
-            </a:r>
-            <a:r>
-              <a:rPr lang="en-US" sz="2400" dirty="0" smtClean="0"/>
-              <a:t>Tooling</a:t>
+              <a:t>Data Tooling</a:t>
             </a:r>
           </a:p>
           <a:p>
@@ -13148,6 +12835,7 @@
             <a:prstTxWarp prst="textNoShape">
               <a:avLst/>
             </a:prstTxWarp>
+            <a:noAutofit/>
           </a:bodyPr>
           <a:lstStyle/>
           <a:p>
@@ -13157,65 +12845,68 @@
               </a:lnSpc>
             </a:pPr>
             <a:r>
-              <a:rPr lang="en-US" dirty="0" smtClean="0"/>
-              <a:t>Inversion of Control (</a:t>
-            </a:r>
-            <a:r>
-              <a:rPr lang="en-US" dirty="0" err="1" smtClean="0"/>
-              <a:t>IoC</a:t>
-            </a:r>
-            <a:r>
-              <a:rPr lang="en-US" dirty="0" smtClean="0"/>
-              <a:t>)</a:t>
+              <a:rPr lang="en-US" sz="2400" dirty="0" smtClean="0"/>
+              <a:t>Why all the trouble?</a:t>
             </a:r>
           </a:p>
           <a:p>
             <a:pPr lvl="1"/>
             <a:r>
-              <a:rPr lang="en-GB" dirty="0" smtClean="0"/>
-              <a:t>Objects rely on their environment to provide dependencies rather than actively obtaining them.</a:t>
-            </a:r>
-          </a:p>
-          <a:p>
-            <a:pPr lvl="1">
+              <a:rPr lang="en-GB" sz="2400" dirty="0" smtClean="0"/>
+              <a:t>Simpler component architecture</a:t>
+            </a:r>
+          </a:p>
+          <a:p>
+            <a:pPr lvl="1"/>
+            <a:r>
+              <a:rPr lang="en-GB" sz="2400" dirty="0" smtClean="0"/>
+              <a:t>Reduced cost of change</a:t>
+            </a:r>
+          </a:p>
+          <a:p>
+            <a:pPr lvl="1"/>
+            <a:r>
+              <a:rPr lang="en-GB" sz="2400" dirty="0" smtClean="0"/>
+              <a:t>Transparency</a:t>
+            </a:r>
+          </a:p>
+          <a:p>
+            <a:pPr lvl="1"/>
+            <a:r>
+              <a:rPr lang="en-GB" sz="2400" dirty="0" smtClean="0"/>
+              <a:t>Easy to </a:t>
+            </a:r>
+            <a:r>
+              <a:rPr lang="en-GB" sz="2400" dirty="0" err="1" smtClean="0"/>
+              <a:t>aunit</a:t>
+            </a:r>
+            <a:r>
+              <a:rPr lang="en-GB" sz="2400" dirty="0" smtClean="0"/>
+              <a:t> test</a:t>
+            </a:r>
+          </a:p>
+          <a:p>
+            <a:pPr lvl="1"/>
+            <a:r>
+              <a:rPr lang="en-GB" sz="2400" dirty="0" smtClean="0"/>
+              <a:t>Easily move between application configurations</a:t>
+            </a:r>
+          </a:p>
+          <a:p>
+            <a:pPr>
               <a:lnSpc>
                 <a:spcPct val="90000"/>
               </a:lnSpc>
             </a:pPr>
-            <a:r>
-              <a:rPr lang="en-US" dirty="0" smtClean="0"/>
-              <a:t>Hollywood Principle—"don't call us, we will call you".</a:t>
-            </a:r>
-          </a:p>
-        </p:txBody>
-      </p:sp>
-      <p:sp>
-        <p:nvSpPr>
-          <p:cNvPr id="7" name="TextBox 6"/>
-          <p:cNvSpPr txBox="1"/>
-          <p:nvPr/>
-        </p:nvSpPr>
-        <p:spPr>
-          <a:xfrm>
-            <a:off x="2133600" y="4114800"/>
-            <a:ext cx="5545108" cy="369332"/>
-          </a:xfrm>
-          <a:prstGeom prst="rect">
-            <a:avLst/>
-          </a:prstGeom>
-          <a:noFill/>
-        </p:spPr>
-        <p:txBody>
-          <a:bodyPr wrap="none" rtlCol="0">
-            <a:spAutoFit/>
-          </a:bodyPr>
-          <a:lstStyle/>
-          <a:p>
-            <a:r>
-              <a:rPr lang="en-US" sz="1800" b="1" dirty="0" smtClean="0"/>
-              <a:t>http://en.wikipedia.org/wiki/Inversion_of_control </a:t>
-            </a:r>
-            <a:endParaRPr lang="en-US" sz="1800" b="1" dirty="0"/>
+            <a:endParaRPr lang="en-US" sz="2400" dirty="0" smtClean="0"/>
+          </a:p>
+          <a:p>
+            <a:pPr>
+              <a:lnSpc>
+                <a:spcPct val="90000"/>
+              </a:lnSpc>
+            </a:pPr>
+            <a:endParaRPr lang="en-US" sz="2400" dirty="0" smtClean="0"/>
           </a:p>
         </p:txBody>
       </p:sp>
@@ -13290,293 +12981,112 @@
       </p:sp>
       <p:sp>
         <p:nvSpPr>
-          <p:cNvPr id="6" name="TextBox 5"/>
-          <p:cNvSpPr txBox="1"/>
-          <p:nvPr/>
-        </p:nvSpPr>
-        <p:spPr>
+          <p:cNvPr id="6148" name="Text Placeholder 2"/>
+          <p:cNvSpPr>
+            <a:spLocks noGrp="1"/>
+          </p:cNvSpPr>
+          <p:nvPr>
+            <p:ph type="body" sz="half" idx="1"/>
+          </p:nvPr>
+        </p:nvSpPr>
+        <p:spPr bwMode="auto">
           <a:xfrm>
-            <a:off x="533400" y="1219200"/>
-            <a:ext cx="7772400" cy="5647700"/>
+            <a:off x="457200" y="1600200"/>
+            <a:ext cx="7423150" cy="4800599"/>
           </a:xfrm>
-          <a:prstGeom prst="rect">
-            <a:avLst/>
-          </a:prstGeom>
-          <a:noFill/>
-        </p:spPr>
-        <p:txBody>
-          <a:bodyPr wrap="square" rtlCol="0">
-            <a:spAutoFit/>
+          <a:noFill/>
+          <a:ln>
+            <a:miter lim="800000"/>
+            <a:headEnd/>
+            <a:tailEnd/>
+          </a:ln>
+        </p:spPr>
+        <p:txBody>
+          <a:bodyPr vert="horz" wrap="square" lIns="91440" tIns="45720" rIns="91440" bIns="45720" numCol="1" anchor="t" anchorCtr="0" compatLnSpc="1">
+            <a:prstTxWarp prst="textNoShape">
+              <a:avLst/>
+            </a:prstTxWarp>
           </a:bodyPr>
           <a:lstStyle/>
           <a:p>
-            <a:endParaRPr lang="en-US" sz="1900" dirty="0" smtClean="0">
-              <a:latin typeface="Consolas" pitchFamily="49" charset="0"/>
-            </a:endParaRPr>
-          </a:p>
-          <a:p>
-            <a:r>
-              <a:rPr lang="en-US" sz="1900" dirty="0" smtClean="0">
-                <a:latin typeface="Consolas" pitchFamily="49" charset="0"/>
-              </a:rPr>
-              <a:t>public class </a:t>
-            </a:r>
-            <a:r>
-              <a:rPr lang="en-US" sz="1900" b="1" dirty="0" err="1" smtClean="0">
-                <a:latin typeface="Consolas" pitchFamily="49" charset="0"/>
-              </a:rPr>
-              <a:t>MyClass</a:t>
-            </a:r>
-            <a:endParaRPr lang="en-US" sz="1900" b="1" dirty="0" smtClean="0">
-              <a:latin typeface="Consolas" pitchFamily="49" charset="0"/>
-            </a:endParaRPr>
-          </a:p>
-          <a:p>
-            <a:r>
-              <a:rPr lang="en-US" sz="1900" dirty="0" smtClean="0">
-                <a:latin typeface="Consolas" pitchFamily="49" charset="0"/>
-              </a:rPr>
-              <a:t>{</a:t>
-            </a:r>
-          </a:p>
-          <a:p>
-            <a:r>
-              <a:rPr lang="en-US" sz="1900" dirty="0" smtClean="0">
-                <a:latin typeface="Consolas" pitchFamily="49" charset="0"/>
-              </a:rPr>
-              <a:t>    </a:t>
-            </a:r>
-            <a:r>
-              <a:rPr lang="en-US" sz="1900" dirty="0" err="1" smtClean="0">
-                <a:latin typeface="Consolas" pitchFamily="49" charset="0"/>
-              </a:rPr>
-              <a:t>IFoo</a:t>
-            </a:r>
-            <a:r>
-              <a:rPr lang="en-US" sz="1900" dirty="0" smtClean="0">
-                <a:latin typeface="Consolas" pitchFamily="49" charset="0"/>
-              </a:rPr>
-              <a:t> </a:t>
-            </a:r>
-            <a:r>
-              <a:rPr lang="en-US" sz="1900" dirty="0" err="1" smtClean="0">
-                <a:latin typeface="Consolas" pitchFamily="49" charset="0"/>
-              </a:rPr>
-              <a:t>myFoo</a:t>
-            </a:r>
-            <a:r>
-              <a:rPr lang="en-US" sz="1900" dirty="0" smtClean="0">
-                <a:latin typeface="Consolas" pitchFamily="49" charset="0"/>
-              </a:rPr>
-              <a:t>;</a:t>
-            </a:r>
-          </a:p>
-          <a:p>
-            <a:endParaRPr lang="en-US" sz="1900" dirty="0" smtClean="0">
-              <a:latin typeface="Consolas" pitchFamily="49" charset="0"/>
-            </a:endParaRPr>
-          </a:p>
-          <a:p>
-            <a:r>
-              <a:rPr lang="en-US" sz="1900" dirty="0" smtClean="0">
-                <a:latin typeface="Consolas" pitchFamily="49" charset="0"/>
-              </a:rPr>
-              <a:t>    public </a:t>
-            </a:r>
-            <a:r>
-              <a:rPr lang="en-US" sz="1900" dirty="0" err="1" smtClean="0">
-                <a:latin typeface="Consolas" pitchFamily="49" charset="0"/>
-              </a:rPr>
-              <a:t>MyClass</a:t>
-            </a:r>
-            <a:r>
-              <a:rPr lang="en-US" sz="1900" dirty="0" smtClean="0">
-                <a:latin typeface="Consolas" pitchFamily="49" charset="0"/>
-              </a:rPr>
-              <a:t>(</a:t>
-            </a:r>
-            <a:r>
-              <a:rPr lang="en-US" sz="1900" dirty="0" err="1" smtClean="0">
-                <a:latin typeface="Consolas" pitchFamily="49" charset="0"/>
-              </a:rPr>
-              <a:t>IFoo</a:t>
-            </a:r>
-            <a:r>
-              <a:rPr lang="en-US" sz="1900" dirty="0" smtClean="0">
-                <a:latin typeface="Consolas" pitchFamily="49" charset="0"/>
-              </a:rPr>
-              <a:t> </a:t>
-            </a:r>
-            <a:r>
-              <a:rPr lang="en-US" sz="1900" dirty="0" err="1" smtClean="0">
-                <a:latin typeface="Consolas" pitchFamily="49" charset="0"/>
-              </a:rPr>
-              <a:t>foo</a:t>
-            </a:r>
-            <a:r>
-              <a:rPr lang="en-US" sz="1900" dirty="0" smtClean="0">
-                <a:latin typeface="Consolas" pitchFamily="49" charset="0"/>
-              </a:rPr>
+            <a:pPr>
+              <a:lnSpc>
+                <a:spcPct val="90000"/>
+              </a:lnSpc>
+            </a:pPr>
+            <a:r>
+              <a:rPr lang="en-US" sz="2400" dirty="0" smtClean="0"/>
+              <a:t>Windsor / </a:t>
+            </a:r>
+            <a:r>
+              <a:rPr lang="en-US" sz="2400" dirty="0" err="1" smtClean="0"/>
+              <a:t>MicroKernel</a:t>
+            </a:r>
+            <a:r>
+              <a:rPr lang="en-US" sz="2400" dirty="0" smtClean="0"/>
+              <a:t> - www.castleproject.org</a:t>
+            </a:r>
+          </a:p>
+          <a:p>
+            <a:pPr lvl="1">
+              <a:lnSpc>
+                <a:spcPct val="90000"/>
+              </a:lnSpc>
+            </a:pPr>
+            <a:r>
+              <a:rPr lang="en-US" sz="2400" dirty="0" smtClean="0"/>
+              <a:t>Part of the Castle Project (</a:t>
+            </a:r>
+            <a:r>
+              <a:rPr lang="en-US" sz="2400" dirty="0" err="1" smtClean="0"/>
+              <a:t>MonoRail</a:t>
+            </a:r>
+            <a:r>
+              <a:rPr lang="en-US" sz="2400" dirty="0" smtClean="0"/>
+              <a:t>, </a:t>
+            </a:r>
+            <a:r>
+              <a:rPr lang="en-US" sz="2400" dirty="0" err="1" smtClean="0"/>
+              <a:t>ActiveRecord</a:t>
+            </a:r>
+            <a:r>
+              <a:rPr lang="en-US" sz="2400" dirty="0" smtClean="0"/>
               <a:t>)</a:t>
             </a:r>
           </a:p>
           <a:p>
-            <a:r>
-              <a:rPr lang="en-US" sz="1900" dirty="0" smtClean="0">
-                <a:latin typeface="Consolas" pitchFamily="49" charset="0"/>
-              </a:rPr>
-              <a:t>    {</a:t>
-            </a:r>
-          </a:p>
-          <a:p>
-            <a:r>
-              <a:rPr lang="en-US" sz="1900" dirty="0" smtClean="0">
-                <a:latin typeface="Consolas" pitchFamily="49" charset="0"/>
-              </a:rPr>
-              <a:t>        </a:t>
-            </a:r>
-            <a:r>
-              <a:rPr lang="en-US" sz="1900" dirty="0" err="1" smtClean="0">
-                <a:latin typeface="Consolas" pitchFamily="49" charset="0"/>
-              </a:rPr>
-              <a:t>myFoo</a:t>
-            </a:r>
-            <a:r>
-              <a:rPr lang="en-US" sz="1900" dirty="0" smtClean="0">
-                <a:latin typeface="Consolas" pitchFamily="49" charset="0"/>
-              </a:rPr>
-              <a:t> = </a:t>
-            </a:r>
-            <a:r>
-              <a:rPr lang="en-US" sz="1900" dirty="0" err="1" smtClean="0">
-                <a:latin typeface="Consolas" pitchFamily="49" charset="0"/>
-              </a:rPr>
-              <a:t>foo</a:t>
-            </a:r>
-            <a:r>
-              <a:rPr lang="en-US" sz="1900" dirty="0" smtClean="0">
-                <a:latin typeface="Consolas" pitchFamily="49" charset="0"/>
-              </a:rPr>
-              <a:t>;</a:t>
-            </a:r>
-          </a:p>
-          <a:p>
-            <a:r>
-              <a:rPr lang="en-US" sz="1900" dirty="0" smtClean="0">
-                <a:latin typeface="Consolas" pitchFamily="49" charset="0"/>
-              </a:rPr>
-              <a:t>    }</a:t>
-            </a:r>
-          </a:p>
-          <a:p>
-            <a:endParaRPr lang="en-US" sz="1900" dirty="0" smtClean="0">
-              <a:latin typeface="Consolas" pitchFamily="49" charset="0"/>
-            </a:endParaRPr>
-          </a:p>
-          <a:p>
-            <a:r>
-              <a:rPr lang="en-US" sz="1900" dirty="0" smtClean="0">
-                <a:latin typeface="Consolas" pitchFamily="49" charset="0"/>
-              </a:rPr>
-              <a:t>    public void </a:t>
-            </a:r>
-            <a:r>
-              <a:rPr lang="en-US" sz="1900" dirty="0" err="1" smtClean="0">
-                <a:latin typeface="Consolas" pitchFamily="49" charset="0"/>
-              </a:rPr>
-              <a:t>DoWork</a:t>
-            </a:r>
-            <a:r>
-              <a:rPr lang="en-US" sz="1900" dirty="0" smtClean="0">
-                <a:latin typeface="Consolas" pitchFamily="49" charset="0"/>
-              </a:rPr>
-              <a:t>()</a:t>
-            </a:r>
-          </a:p>
-          <a:p>
-            <a:r>
-              <a:rPr lang="en-US" sz="1900" dirty="0" smtClean="0">
-                <a:latin typeface="Consolas" pitchFamily="49" charset="0"/>
-              </a:rPr>
-              <a:t>    {</a:t>
-            </a:r>
-          </a:p>
-          <a:p>
-            <a:r>
-              <a:rPr lang="en-US" sz="1900" dirty="0" smtClean="0">
-                <a:latin typeface="Consolas" pitchFamily="49" charset="0"/>
-              </a:rPr>
-              <a:t>        if(</a:t>
-            </a:r>
-            <a:r>
-              <a:rPr lang="en-US" sz="1900" dirty="0" err="1" smtClean="0">
-                <a:latin typeface="Consolas" pitchFamily="49" charset="0"/>
-              </a:rPr>
-              <a:t>myFoo</a:t>
-            </a:r>
-            <a:r>
-              <a:rPr lang="en-US" sz="1900" dirty="0" smtClean="0">
-                <a:latin typeface="Consolas" pitchFamily="49" charset="0"/>
-              </a:rPr>
-              <a:t> != null)</a:t>
-            </a:r>
-          </a:p>
-          <a:p>
-            <a:r>
-              <a:rPr lang="en-US" sz="1900" dirty="0" smtClean="0">
-                <a:latin typeface="Consolas" pitchFamily="49" charset="0"/>
-              </a:rPr>
-              <a:t>        {</a:t>
-            </a:r>
-          </a:p>
-          <a:p>
-            <a:r>
-              <a:rPr lang="en-US" sz="1900" dirty="0" smtClean="0">
-                <a:latin typeface="Consolas" pitchFamily="49" charset="0"/>
-              </a:rPr>
-              <a:t>            </a:t>
-            </a:r>
-            <a:r>
-              <a:rPr lang="en-US" sz="1900" dirty="0" err="1" smtClean="0">
-                <a:latin typeface="Consolas" pitchFamily="49" charset="0"/>
-              </a:rPr>
-              <a:t>myFoo.DoBar</a:t>
-            </a:r>
-            <a:r>
-              <a:rPr lang="en-US" sz="1900" dirty="0" smtClean="0">
-                <a:latin typeface="Consolas" pitchFamily="49" charset="0"/>
-              </a:rPr>
-              <a:t>();</a:t>
-            </a:r>
-          </a:p>
-          <a:p>
-            <a:r>
-              <a:rPr lang="en-US" sz="1900" dirty="0" smtClean="0">
-                <a:latin typeface="Consolas" pitchFamily="49" charset="0"/>
-              </a:rPr>
-              <a:t>        }</a:t>
-            </a:r>
-          </a:p>
-          <a:p>
-            <a:r>
-              <a:rPr lang="en-US" sz="1900" dirty="0" smtClean="0">
-                <a:latin typeface="Consolas" pitchFamily="49" charset="0"/>
-              </a:rPr>
-              <a:t>    }</a:t>
-            </a:r>
-          </a:p>
-          <a:p>
-            <a:r>
-              <a:rPr lang="en-US" sz="1900" dirty="0" smtClean="0">
-                <a:latin typeface="Consolas" pitchFamily="49" charset="0"/>
-              </a:rPr>
-              <a:t>}</a:t>
-            </a:r>
-          </a:p>
-          <a:p>
-            <a:endParaRPr lang="en-US" sz="1900" dirty="0">
-              <a:latin typeface="Consolas" pitchFamily="49" charset="0"/>
-            </a:endParaRPr>
+            <a:pPr lvl="1">
+              <a:lnSpc>
+                <a:spcPct val="90000"/>
+              </a:lnSpc>
+            </a:pPr>
+            <a:r>
+              <a:rPr lang="en-GB" sz="2400" dirty="0" smtClean="0"/>
+              <a:t>Created by Hamilton </a:t>
+            </a:r>
+            <a:r>
+              <a:rPr lang="en-GB" sz="2400" dirty="0" err="1" smtClean="0"/>
+              <a:t>Verissimo</a:t>
+            </a:r>
+            <a:r>
+              <a:rPr lang="en-GB" sz="2400" dirty="0" smtClean="0"/>
+              <a:t>  (now a Softie working MEF)</a:t>
+            </a:r>
+          </a:p>
+          <a:p>
+            <a:pPr lvl="1">
+              <a:lnSpc>
+                <a:spcPct val="90000"/>
+              </a:lnSpc>
+            </a:pPr>
+            <a:r>
+              <a:rPr lang="en-GB" sz="2400" dirty="0" err="1" smtClean="0"/>
+              <a:t>MicroKernel</a:t>
+            </a:r>
+            <a:r>
+              <a:rPr lang="en-GB" sz="2400" dirty="0" smtClean="0"/>
+              <a:t> is the base implementation of the container</a:t>
+            </a:r>
           </a:p>
         </p:txBody>
       </p:sp>
@@ -13661,8 +13171,8 @@
         </p:nvSpPr>
         <p:spPr bwMode="auto">
           <a:xfrm>
-            <a:off x="457200" y="1600201"/>
-            <a:ext cx="7423150" cy="2209800"/>
+            <a:off x="457200" y="1600200"/>
+            <a:ext cx="7423150" cy="4800599"/>
           </a:xfrm>
           <a:noFill/>
           <a:ln>
@@ -13676,7 +13186,6 @@
             <a:prstTxWarp prst="textNoShape">
               <a:avLst/>
             </a:prstTxWarp>
-            <a:noAutofit/>
           </a:bodyPr>
           <a:lstStyle/>
           <a:p>
@@ -13687,65 +13196,57 @@
             </a:pPr>
             <a:r>
               <a:rPr lang="en-US" sz="2400" dirty="0" smtClean="0"/>
-              <a:t>Why all the trouble?</a:t>
-            </a:r>
-          </a:p>
-          <a:p>
-            <a:pPr lvl="1"/>
+              <a:t>Windsor / </a:t>
+            </a:r>
+            <a:r>
+              <a:rPr lang="en-US" sz="2400" dirty="0" err="1" smtClean="0"/>
+              <a:t>MicroKernel</a:t>
+            </a:r>
+            <a:r>
+              <a:rPr lang="en-US" sz="2400" dirty="0" smtClean="0"/>
+              <a:t> - www.castleproject.org</a:t>
+            </a:r>
+          </a:p>
+          <a:p>
+            <a:pPr lvl="1">
+              <a:lnSpc>
+                <a:spcPct val="90000"/>
+              </a:lnSpc>
+            </a:pPr>
             <a:r>
               <a:rPr lang="en-GB" sz="2400" dirty="0" smtClean="0"/>
-              <a:t>Simpler component architecture</a:t>
-            </a:r>
-          </a:p>
-          <a:p>
-            <a:pPr lvl="1"/>
-            <a:r>
-              <a:rPr lang="en-GB" sz="2400" dirty="0" smtClean="0"/>
-              <a:t>Reduced cost of change</a:t>
-            </a:r>
-          </a:p>
-          <a:p>
-            <a:pPr lvl="1"/>
-            <a:r>
-              <a:rPr lang="en-GB" sz="2400" dirty="0" smtClean="0"/>
-              <a:t>Transparency</a:t>
-            </a:r>
-          </a:p>
-          <a:p>
-            <a:pPr lvl="1"/>
-            <a:r>
-              <a:rPr lang="en-GB" sz="2400" dirty="0" smtClean="0"/>
-              <a:t>Easy to </a:t>
-            </a:r>
-            <a:r>
-              <a:rPr lang="en-GB" sz="2400" dirty="0" err="1" smtClean="0"/>
-              <a:t>aunit</a:t>
-            </a:r>
-            <a:r>
-              <a:rPr lang="en-GB" sz="2400" dirty="0" smtClean="0"/>
-              <a:t> test</a:t>
-            </a:r>
-          </a:p>
-          <a:p>
-            <a:pPr lvl="1"/>
-            <a:r>
-              <a:rPr lang="en-GB" sz="2400" dirty="0" smtClean="0"/>
-              <a:t>Easily move between application configurations</a:t>
-            </a:r>
+              <a:t>Windsor is the facade of the core with a simpler interface</a:t>
+            </a:r>
+          </a:p>
+          <a:p>
+            <a:pPr lvl="1">
+              <a:lnSpc>
+                <a:spcPct val="90000"/>
+              </a:lnSpc>
+            </a:pPr>
+            <a:r>
+              <a:rPr lang="en-US" sz="2400" dirty="0" smtClean="0"/>
+              <a:t>Windsor handles the configuration, proxies, automatic configuration and facilities.</a:t>
+            </a:r>
+          </a:p>
+          <a:p>
+            <a:pPr lvl="1">
+              <a:lnSpc>
+                <a:spcPct val="90000"/>
+              </a:lnSpc>
+            </a:pPr>
+            <a:r>
+              <a:rPr lang="en-US" sz="2400" dirty="0" smtClean="0"/>
+              <a:t>Under the Apache License</a:t>
+            </a:r>
+            <a:endParaRPr lang="en-GB" sz="2400" dirty="0" smtClean="0"/>
           </a:p>
           <a:p>
             <a:pPr>
               <a:lnSpc>
                 <a:spcPct val="90000"/>
               </a:lnSpc>
-            </a:pPr>
-            <a:endParaRPr lang="en-US" sz="2400" dirty="0" smtClean="0"/>
-          </a:p>
-          <a:p>
-            <a:pPr>
-              <a:lnSpc>
-                <a:spcPct val="90000"/>
-              </a:lnSpc>
+              <a:buNone/>
             </a:pPr>
             <a:endParaRPr lang="en-US" sz="2400" dirty="0" smtClean="0"/>
           </a:p>
@@ -13815,14 +13316,14 @@
             </a:pPr>
             <a:r>
               <a:rPr lang="en-US" dirty="0" smtClean="0"/>
-              <a:t>Architectural Tooling</a:t>
-            </a:r>
-          </a:p>
-        </p:txBody>
-      </p:sp>
-      <p:sp>
-        <p:nvSpPr>
-          <p:cNvPr id="6148" name="Text Placeholder 2"/>
+              <a:t>Demo</a:t>
+            </a:r>
+          </a:p>
+        </p:txBody>
+      </p:sp>
+      <p:sp>
+        <p:nvSpPr>
+          <p:cNvPr id="8196" name="Text Placeholder 2"/>
           <p:cNvSpPr>
             <a:spLocks noGrp="1"/>
           </p:cNvSpPr>
@@ -13832,8 +13333,8 @@
         </p:nvSpPr>
         <p:spPr bwMode="auto">
           <a:xfrm>
-            <a:off x="457200" y="1600200"/>
-            <a:ext cx="7423150" cy="4800599"/>
+            <a:off x="533400" y="3140075"/>
+            <a:ext cx="7924800" cy="577850"/>
           </a:xfrm>
           <a:noFill/>
           <a:ln>
@@ -13843,90 +13344,21 @@
           </a:ln>
         </p:spPr>
         <p:txBody>
-          <a:bodyPr vert="horz" wrap="square" lIns="91440" tIns="45720" rIns="91440" bIns="45720" numCol="1" anchor="t" anchorCtr="0" compatLnSpc="1">
+          <a:bodyPr vert="horz" wrap="square" lIns="91440" tIns="45720" rIns="91440" bIns="45720" numCol="1" anchor="ctr" anchorCtr="0" compatLnSpc="1">
             <a:prstTxWarp prst="textNoShape">
               <a:avLst/>
             </a:prstTxWarp>
+            <a:normAutofit lnSpcReduction="10000"/>
           </a:bodyPr>
           <a:lstStyle/>
           <a:p>
-            <a:pPr>
-              <a:lnSpc>
-                <a:spcPct val="90000"/>
-              </a:lnSpc>
-            </a:pPr>
-            <a:r>
-              <a:rPr lang="en-US" sz="2400" dirty="0" smtClean="0"/>
-              <a:t>Windsor / </a:t>
-            </a:r>
-            <a:r>
-              <a:rPr lang="en-US" sz="2400" dirty="0" err="1" smtClean="0"/>
-              <a:t>MicroKernel</a:t>
-            </a:r>
-            <a:r>
-              <a:rPr lang="en-US" sz="2400" dirty="0" smtClean="0"/>
-              <a:t> - www.castleproject.org</a:t>
-            </a:r>
-          </a:p>
-          <a:p>
-            <a:pPr lvl="1">
-              <a:lnSpc>
-                <a:spcPct val="90000"/>
-              </a:lnSpc>
-            </a:pPr>
-            <a:r>
-              <a:rPr lang="en-US" sz="2400" dirty="0" smtClean="0"/>
-              <a:t>Part of the Castle Project (</a:t>
-            </a:r>
-            <a:r>
-              <a:rPr lang="en-US" sz="2400" dirty="0" err="1" smtClean="0"/>
-              <a:t>MonoRail</a:t>
-            </a:r>
-            <a:r>
-              <a:rPr lang="en-US" sz="2400" dirty="0" smtClean="0"/>
-              <a:t>, </a:t>
-            </a:r>
-            <a:r>
-              <a:rPr lang="en-US" sz="2400" dirty="0" err="1" smtClean="0"/>
-              <a:t>ActiveRecord</a:t>
-            </a:r>
-            <a:r>
-              <a:rPr lang="en-US" sz="2400" dirty="0" smtClean="0"/>
-              <a:t>)</a:t>
-            </a:r>
-          </a:p>
-          <a:p>
-            <a:pPr lvl="1">
-              <a:lnSpc>
-                <a:spcPct val="90000"/>
-              </a:lnSpc>
-            </a:pPr>
-            <a:r>
-              <a:rPr lang="en-GB" sz="2400" dirty="0" smtClean="0"/>
-              <a:t>Created by Hamilton </a:t>
-            </a:r>
-            <a:r>
-              <a:rPr lang="en-GB" sz="2400" dirty="0" err="1" smtClean="0"/>
-              <a:t>Verissimo</a:t>
-            </a:r>
-            <a:r>
-              <a:rPr lang="en-GB" sz="2400" dirty="0" smtClean="0"/>
-              <a:t>  (now a Softie working MEF)</a:t>
-            </a:r>
-          </a:p>
-          <a:p>
-            <a:pPr lvl="1">
-              <a:lnSpc>
-                <a:spcPct val="90000"/>
-              </a:lnSpc>
-            </a:pPr>
-            <a:r>
-              <a:rPr lang="en-GB" sz="2400" dirty="0" err="1" smtClean="0"/>
-              <a:t>MicroKernel</a:t>
-            </a:r>
-            <a:r>
-              <a:rPr lang="en-GB" sz="2400" dirty="0" smtClean="0"/>
-              <a:t> is the base implementation of the container</a:t>
+            <a:pPr algn="ctr">
+              <a:buFont typeface="Wingdings" pitchFamily="-64" charset="2"/>
+              <a:buNone/>
+            </a:pPr>
+            <a:r>
+              <a:rPr lang="en-US" sz="3200" dirty="0" smtClean="0"/>
+              <a:t>Castle Windsor Overview</a:t>
             </a:r>
           </a:p>
         </p:txBody>
@@ -13995,7 +13427,7 @@
             </a:pPr>
             <a:r>
               <a:rPr lang="en-US" dirty="0" smtClean="0"/>
-              <a:t>Architectural Tooling</a:t>
+              <a:t>Instrumentation Tooling</a:t>
             </a:r>
           </a:p>
         </p:txBody>
@@ -14012,8 +13444,8 @@
         </p:nvSpPr>
         <p:spPr bwMode="auto">
           <a:xfrm>
-            <a:off x="457200" y="1600200"/>
-            <a:ext cx="7423150" cy="4800599"/>
+            <a:off x="457200" y="1600201"/>
+            <a:ext cx="7423150" cy="2209800"/>
           </a:xfrm>
           <a:noFill/>
           <a:ln>
@@ -14027,69 +13459,43 @@
             <a:prstTxWarp prst="textNoShape">
               <a:avLst/>
             </a:prstTxWarp>
+            <a:noAutofit/>
           </a:bodyPr>
           <a:lstStyle/>
           <a:p>
-            <a:pPr>
-              <a:lnSpc>
-                <a:spcPct val="90000"/>
-              </a:lnSpc>
-            </a:pPr>
             <a:r>
               <a:rPr lang="en-US" sz="2400" dirty="0" smtClean="0"/>
-              <a:t>Windsor / </a:t>
-            </a:r>
-            <a:r>
-              <a:rPr lang="en-US" sz="2400" dirty="0" err="1" smtClean="0"/>
-              <a:t>MicroKernel</a:t>
-            </a:r>
+              <a:t>Why Consider Logging in your Application?</a:t>
+            </a:r>
+          </a:p>
+          <a:p>
+            <a:pPr lvl="1"/>
             <a:r>
               <a:rPr lang="en-US" sz="2400" dirty="0" smtClean="0"/>
-              <a:t> - www.castleproject.org</a:t>
-            </a:r>
-          </a:p>
-          <a:p>
-            <a:pPr lvl="1">
-              <a:lnSpc>
-                <a:spcPct val="90000"/>
-              </a:lnSpc>
-            </a:pPr>
-            <a:r>
-              <a:rPr lang="en-GB" sz="2400" dirty="0" smtClean="0"/>
-              <a:t>Windsor is the facade of the core with a simpler interface</a:t>
-            </a:r>
-          </a:p>
-          <a:p>
-            <a:pPr lvl="1">
-              <a:lnSpc>
-                <a:spcPct val="90000"/>
-              </a:lnSpc>
-            </a:pPr>
+              <a:t>Remote Deployments</a:t>
+            </a:r>
+          </a:p>
+          <a:p>
+            <a:pPr lvl="1"/>
             <a:r>
               <a:rPr lang="en-US" sz="2400" dirty="0" smtClean="0"/>
-              <a:t>Windsor handles the configuration, proxies, automatic configuration and facilities.</a:t>
-            </a:r>
-          </a:p>
-          <a:p>
-            <a:pPr lvl="1">
-              <a:lnSpc>
-                <a:spcPct val="90000"/>
-              </a:lnSpc>
-            </a:pPr>
+              <a:t>Hard to repeat defects</a:t>
+            </a:r>
+          </a:p>
+          <a:p>
+            <a:pPr lvl="1"/>
             <a:r>
               <a:rPr lang="en-US" sz="2400" dirty="0" smtClean="0"/>
-              <a:t>Under the Apache License</a:t>
-            </a:r>
-            <a:endParaRPr lang="en-GB" sz="2400" dirty="0" smtClean="0"/>
-          </a:p>
-          <a:p>
-            <a:pPr>
-              <a:lnSpc>
-                <a:spcPct val="90000"/>
-              </a:lnSpc>
-              <a:buNone/>
-            </a:pPr>
-            <a:endParaRPr lang="en-US" sz="2400" dirty="0" smtClean="0"/>
+              <a:t>Maintain history of live issues</a:t>
+            </a:r>
+          </a:p>
+          <a:p>
+            <a:pPr lvl="1"/>
+            <a:r>
+              <a:rPr lang="en-US" sz="2400" dirty="0" smtClean="0"/>
+              <a:t>Windows/ Web Services have no visual output</a:t>
+            </a:r>
+            <a:endParaRPr lang="en-US" sz="2400" dirty="0"/>
           </a:p>
         </p:txBody>
       </p:sp>
@@ -14157,14 +13563,14 @@
             </a:pPr>
             <a:r>
               <a:rPr lang="en-US" dirty="0" smtClean="0"/>
-              <a:t>Demo</a:t>
-            </a:r>
-          </a:p>
-        </p:txBody>
-      </p:sp>
-      <p:sp>
-        <p:nvSpPr>
-          <p:cNvPr id="8196" name="Text Placeholder 2"/>
+              <a:t>Instrumentation Tooling</a:t>
+            </a:r>
+          </a:p>
+        </p:txBody>
+      </p:sp>
+      <p:sp>
+        <p:nvSpPr>
+          <p:cNvPr id="6148" name="Text Placeholder 2"/>
           <p:cNvSpPr>
             <a:spLocks noGrp="1"/>
           </p:cNvSpPr>
@@ -14174,8 +13580,8 @@
         </p:nvSpPr>
         <p:spPr bwMode="auto">
           <a:xfrm>
-            <a:off x="533400" y="3140075"/>
-            <a:ext cx="7924800" cy="577850"/>
+            <a:off x="457200" y="1600201"/>
+            <a:ext cx="7423150" cy="2209800"/>
           </a:xfrm>
           <a:noFill/>
           <a:ln>
@@ -14185,22 +13591,66 @@
           </a:ln>
         </p:spPr>
         <p:txBody>
-          <a:bodyPr vert="horz" wrap="square" lIns="91440" tIns="45720" rIns="91440" bIns="45720" numCol="1" anchor="ctr" anchorCtr="0" compatLnSpc="1">
+          <a:bodyPr vert="horz" wrap="square" lIns="91440" tIns="45720" rIns="91440" bIns="45720" numCol="1" anchor="t" anchorCtr="0" compatLnSpc="1">
             <a:prstTxWarp prst="textNoShape">
               <a:avLst/>
             </a:prstTxWarp>
-            <a:normAutofit lnSpcReduction="10000"/>
+            <a:noAutofit/>
           </a:bodyPr>
           <a:lstStyle/>
           <a:p>
-            <a:pPr algn="ctr">
-              <a:buFont typeface="Wingdings" pitchFamily="-64" charset="2"/>
-              <a:buNone/>
-            </a:pPr>
-            <a:r>
-              <a:rPr lang="en-US" sz="3200" dirty="0" smtClean="0"/>
-              <a:t>Castle Windsor Overview</a:t>
-            </a:r>
+            <a:r>
+              <a:rPr lang="en-US" sz="2400" dirty="0" smtClean="0"/>
+              <a:t>Got log?</a:t>
+            </a:r>
+          </a:p>
+          <a:p>
+            <a:pPr lvl="1"/>
+            <a:r>
+              <a:rPr lang="en-US" sz="2400" dirty="0" err="1" smtClean="0"/>
+              <a:t>System.Diagnostics.Trace</a:t>
+            </a:r>
+            <a:r>
+              <a:rPr lang="en-US" sz="2400" dirty="0" smtClean="0"/>
+              <a:t> + </a:t>
+            </a:r>
+            <a:r>
+              <a:rPr lang="en-US" sz="2400" dirty="0" err="1" smtClean="0"/>
+              <a:t>TextWriter</a:t>
+            </a:r>
+            <a:endParaRPr lang="en-US" sz="2400" dirty="0" smtClean="0"/>
+          </a:p>
+          <a:p>
+            <a:pPr lvl="1"/>
+            <a:r>
+              <a:rPr lang="en-US" sz="2400" dirty="0" err="1" smtClean="0"/>
+              <a:t>System.Console.Write</a:t>
+            </a:r>
+            <a:endParaRPr lang="en-US" sz="2400" dirty="0" smtClean="0"/>
+          </a:p>
+          <a:p>
+            <a:pPr lvl="1"/>
+            <a:r>
+              <a:rPr lang="en-US" sz="2400" dirty="0" err="1" smtClean="0"/>
+              <a:t>EventLog</a:t>
+            </a:r>
+            <a:endParaRPr lang="en-US" sz="2400" dirty="0" smtClean="0"/>
+          </a:p>
+          <a:p>
+            <a:pPr lvl="1"/>
+            <a:r>
+              <a:rPr lang="en-US" sz="2400" dirty="0" smtClean="0"/>
+              <a:t>Log?  We need no </a:t>
+            </a:r>
+            <a:r>
+              <a:rPr lang="en-US" sz="2400" dirty="0" err="1" smtClean="0"/>
+              <a:t>stinkin</a:t>
+            </a:r>
+            <a:r>
+              <a:rPr lang="en-US" sz="2400" dirty="0" smtClean="0"/>
+              <a:t>’ log!</a:t>
+            </a:r>
+            <a:endParaRPr lang="en-US" sz="2400" dirty="0"/>
           </a:p>
         </p:txBody>
       </p:sp>
@@ -14285,8 +13735,8 @@
         </p:nvSpPr>
         <p:spPr bwMode="auto">
           <a:xfrm>
-            <a:off x="457200" y="1600201"/>
-            <a:ext cx="7423150" cy="2209800"/>
+            <a:off x="457200" y="1600200"/>
+            <a:ext cx="7423150" cy="4495799"/>
           </a:xfrm>
           <a:noFill/>
           <a:ln>
@@ -14300,43 +13750,39 @@
             <a:prstTxWarp prst="textNoShape">
               <a:avLst/>
             </a:prstTxWarp>
-            <a:noAutofit/>
+            <a:normAutofit/>
           </a:bodyPr>
           <a:lstStyle/>
           <a:p>
             <a:r>
               <a:rPr lang="en-US" sz="2400" dirty="0" smtClean="0"/>
-              <a:t>Why Consider Logging in your Application?</a:t>
+              <a:t>Log4net -- logging.apache.org</a:t>
             </a:r>
           </a:p>
           <a:p>
             <a:pPr lvl="1"/>
             <a:r>
               <a:rPr lang="en-US" sz="2400" dirty="0" smtClean="0"/>
-              <a:t>Remote Deployments</a:t>
+              <a:t>Declarative formatting of trace output / Filtering</a:t>
             </a:r>
           </a:p>
           <a:p>
             <a:pPr lvl="1"/>
             <a:r>
               <a:rPr lang="en-US" sz="2400" dirty="0" smtClean="0"/>
-              <a:t>Hard to repeat defects</a:t>
+              <a:t>Reconfiguration on the fly (no process restart)</a:t>
             </a:r>
           </a:p>
           <a:p>
             <a:pPr lvl="1"/>
             <a:r>
               <a:rPr lang="en-US" sz="2400" dirty="0" smtClean="0"/>
-              <a:t>Maintain history of live issues</a:t>
+              <a:t>Under the Apache License</a:t>
             </a:r>
           </a:p>
           <a:p>
             <a:pPr lvl="1"/>
-            <a:r>
-              <a:rPr lang="en-US" sz="2400" dirty="0" smtClean="0"/>
-              <a:t>Windows/ Web Services have no visual output</a:t>
-            </a:r>
-            <a:endParaRPr lang="en-US" sz="2400" dirty="0"/>
+            <a:endParaRPr lang="en-US" sz="2400" dirty="0" smtClean="0"/>
           </a:p>
         </p:txBody>
       </p:sp>
@@ -14421,8 +13867,8 @@
         </p:nvSpPr>
         <p:spPr bwMode="auto">
           <a:xfrm>
-            <a:off x="457200" y="1600201"/>
-            <a:ext cx="7423150" cy="2209800"/>
+            <a:off x="457200" y="1600200"/>
+            <a:ext cx="7423150" cy="4495799"/>
           </a:xfrm>
           <a:noFill/>
           <a:ln>
@@ -14436,62 +13882,39 @@
             <a:prstTxWarp prst="textNoShape">
               <a:avLst/>
             </a:prstTxWarp>
-            <a:noAutofit/>
+            <a:normAutofit/>
           </a:bodyPr>
           <a:lstStyle/>
           <a:p>
             <a:r>
               <a:rPr lang="en-US" sz="2400" dirty="0" smtClean="0"/>
-              <a:t>Got log?</a:t>
+              <a:t>Log4net -- logging.apache.org</a:t>
             </a:r>
           </a:p>
           <a:p>
             <a:pPr lvl="1"/>
             <a:r>
-              <a:rPr lang="en-US" sz="2400" dirty="0" err="1" smtClean="0"/>
-              <a:t>System.Diagnostics.Trace</a:t>
-            </a:r>
-            <a:r>
               <a:rPr lang="en-US" sz="2400" dirty="0" smtClean="0"/>
-              <a:t> + </a:t>
-            </a:r>
-            <a:r>
-              <a:rPr lang="en-US" sz="2400" dirty="0" err="1" smtClean="0"/>
-              <a:t>TextWriter</a:t>
-            </a:r>
+              <a:t>Declarative formatting of trace output / Filtering</a:t>
+            </a:r>
+          </a:p>
+          <a:p>
+            <a:pPr lvl="1"/>
+            <a:r>
+              <a:rPr lang="en-US" sz="2400" dirty="0" smtClean="0"/>
+              <a:t>Reconfiguration on the fly (no process restart)</a:t>
+            </a:r>
+          </a:p>
+          <a:p>
+            <a:pPr lvl="1"/>
+            <a:r>
+              <a:rPr lang="en-US" sz="2400" dirty="0" smtClean="0"/>
+              <a:t>Under the Apache License</a:t>
+            </a:r>
+          </a:p>
+          <a:p>
+            <a:pPr lvl="1"/>
             <a:endParaRPr lang="en-US" sz="2400" dirty="0" smtClean="0"/>
-          </a:p>
-          <a:p>
-            <a:pPr lvl="1"/>
-            <a:r>
-              <a:rPr lang="en-US" sz="2400" dirty="0" err="1" smtClean="0"/>
-              <a:t>System.Console.Write</a:t>
-            </a:r>
-            <a:endParaRPr lang="en-US" sz="2400" dirty="0" smtClean="0"/>
-          </a:p>
-          <a:p>
-            <a:pPr lvl="1"/>
-            <a:r>
-              <a:rPr lang="en-US" sz="2400" dirty="0" err="1" smtClean="0"/>
-              <a:t>EventLog</a:t>
-            </a:r>
-            <a:endParaRPr lang="en-US" sz="2400" dirty="0" smtClean="0"/>
-          </a:p>
-          <a:p>
-            <a:pPr lvl="1"/>
-            <a:r>
-              <a:rPr lang="en-US" sz="2400" dirty="0" smtClean="0"/>
-              <a:t>Log?  We need no </a:t>
-            </a:r>
-            <a:r>
-              <a:rPr lang="en-US" sz="2400" dirty="0" err="1" smtClean="0"/>
-              <a:t>stinkin</a:t>
-            </a:r>
-            <a:r>
-              <a:rPr lang="en-US" sz="2400" dirty="0" smtClean="0"/>
-              <a:t>’ log!</a:t>
-            </a:r>
-            <a:endParaRPr lang="en-US" sz="2400" dirty="0"/>
           </a:p>
         </p:txBody>
       </p:sp>
@@ -14559,14 +13982,14 @@
             </a:pPr>
             <a:r>
               <a:rPr lang="en-US" dirty="0" smtClean="0"/>
-              <a:t>Instrumentation Tooling</a:t>
-            </a:r>
-          </a:p>
-        </p:txBody>
-      </p:sp>
-      <p:sp>
-        <p:nvSpPr>
-          <p:cNvPr id="6148" name="Text Placeholder 2"/>
+              <a:t>Demo</a:t>
+            </a:r>
+          </a:p>
+        </p:txBody>
+      </p:sp>
+      <p:sp>
+        <p:nvSpPr>
+          <p:cNvPr id="8196" name="Text Placeholder 2"/>
           <p:cNvSpPr>
             <a:spLocks noGrp="1"/>
           </p:cNvSpPr>
@@ -14576,8 +13999,8 @@
         </p:nvSpPr>
         <p:spPr bwMode="auto">
           <a:xfrm>
-            <a:off x="457200" y="1600200"/>
-            <a:ext cx="7423150" cy="4495799"/>
+            <a:off x="533400" y="3140075"/>
+            <a:ext cx="7924800" cy="577850"/>
           </a:xfrm>
           <a:noFill/>
           <a:ln>
@@ -14587,43 +14010,22 @@
           </a:ln>
         </p:spPr>
         <p:txBody>
-          <a:bodyPr vert="horz" wrap="square" lIns="91440" tIns="45720" rIns="91440" bIns="45720" numCol="1" anchor="t" anchorCtr="0" compatLnSpc="1">
+          <a:bodyPr vert="horz" wrap="square" lIns="91440" tIns="45720" rIns="91440" bIns="45720" numCol="1" anchor="ctr" anchorCtr="0" compatLnSpc="1">
             <a:prstTxWarp prst="textNoShape">
               <a:avLst/>
             </a:prstTxWarp>
-            <a:normAutofit/>
+            <a:normAutofit lnSpcReduction="10000"/>
           </a:bodyPr>
           <a:lstStyle/>
           <a:p>
-            <a:r>
-              <a:rPr lang="en-US" sz="2400" dirty="0" smtClean="0"/>
-              <a:t>Log4net -- logging.apache.org</a:t>
-            </a:r>
-          </a:p>
-          <a:p>
-            <a:pPr lvl="1"/>
-            <a:r>
-              <a:rPr lang="en-US" sz="2400" dirty="0" smtClean="0"/>
-              <a:t>Declarative formatting of trace output / Filtering</a:t>
-            </a:r>
-          </a:p>
-          <a:p>
-            <a:pPr lvl="1"/>
-            <a:r>
-              <a:rPr lang="en-US" sz="2400" dirty="0" smtClean="0"/>
-              <a:t>Reconfiguration on the fly (no process restart)</a:t>
-            </a:r>
-          </a:p>
-          <a:p>
-            <a:pPr lvl="1"/>
-            <a:r>
-              <a:rPr lang="en-US" sz="2400" dirty="0" smtClean="0"/>
-              <a:t>Under the Apache License</a:t>
-            </a:r>
-          </a:p>
-          <a:p>
-            <a:pPr lvl="1"/>
-            <a:endParaRPr lang="en-US" sz="2400" dirty="0" smtClean="0"/>
+            <a:pPr algn="ctr">
+              <a:buFont typeface="Wingdings" pitchFamily="-64" charset="2"/>
+              <a:buNone/>
+            </a:pPr>
+            <a:r>
+              <a:rPr lang="en-US" sz="3200" dirty="0" smtClean="0"/>
+              <a:t>log4net Overview</a:t>
+            </a:r>
           </a:p>
         </p:txBody>
       </p:sp>
@@ -14691,7 +14093,7 @@
             </a:pPr>
             <a:r>
               <a:rPr lang="en-US" dirty="0" smtClean="0"/>
-              <a:t>Instrumentation Tooling</a:t>
+              <a:t>Testing Tooling</a:t>
             </a:r>
           </a:p>
         </p:txBody>
@@ -14709,7 +14111,7 @@
         <p:spPr bwMode="auto">
           <a:xfrm>
             <a:off x="457200" y="1600200"/>
-            <a:ext cx="7423150" cy="4495799"/>
+            <a:ext cx="7423150" cy="1904999"/>
           </a:xfrm>
           <a:noFill/>
           <a:ln>
@@ -14723,39 +14125,92 @@
             <a:prstTxWarp prst="textNoShape">
               <a:avLst/>
             </a:prstTxWarp>
-            <a:normAutofit/>
+            <a:noAutofit/>
           </a:bodyPr>
           <a:lstStyle/>
           <a:p>
+            <a:pPr>
+              <a:lnSpc>
+                <a:spcPct val="90000"/>
+              </a:lnSpc>
+            </a:pPr>
             <a:r>
               <a:rPr lang="en-US" sz="2400" dirty="0" smtClean="0"/>
-              <a:t>Log4net -- logging.apache.org</a:t>
-            </a:r>
-          </a:p>
-          <a:p>
-            <a:pPr lvl="1"/>
+              <a:t>Unit Testing</a:t>
+            </a:r>
+          </a:p>
+          <a:p>
+            <a:pPr lvl="1">
+              <a:lnSpc>
+                <a:spcPct val="90000"/>
+              </a:lnSpc>
+            </a:pPr>
             <a:r>
               <a:rPr lang="en-US" sz="2400" dirty="0" smtClean="0"/>
-              <a:t>Declarative formatting of trace output / Filtering</a:t>
-            </a:r>
-          </a:p>
-          <a:p>
-            <a:pPr lvl="1"/>
+              <a:t>A method of testing that verifies the individual units of source code are working properly. </a:t>
+            </a:r>
+          </a:p>
+          <a:p>
+            <a:pPr lvl="1">
+              <a:lnSpc>
+                <a:spcPct val="90000"/>
+              </a:lnSpc>
+            </a:pPr>
             <a:r>
               <a:rPr lang="en-US" sz="2400" dirty="0" smtClean="0"/>
-              <a:t>Reconfiguration on the fly (no process restart)</a:t>
-            </a:r>
-          </a:p>
-          <a:p>
-            <a:pPr lvl="1"/>
+              <a:t>Smallest testable part of an application.</a:t>
+            </a:r>
+          </a:p>
+          <a:p>
+            <a:pPr lvl="1">
+              <a:lnSpc>
+                <a:spcPct val="90000"/>
+              </a:lnSpc>
+            </a:pPr>
             <a:r>
               <a:rPr lang="en-US" sz="2400" dirty="0" smtClean="0"/>
-              <a:t>Under the Apache License</a:t>
-            </a:r>
-          </a:p>
-          <a:p>
-            <a:pPr lvl="1"/>
+              <a:t>Is NOT Test Driven Development (TDD)</a:t>
+            </a:r>
+          </a:p>
+          <a:p>
+            <a:pPr lvl="2">
+              <a:lnSpc>
+                <a:spcPct val="90000"/>
+              </a:lnSpc>
+              <a:buFont typeface="Arial" pitchFamily="34" charset="0"/>
+              <a:buChar char="•"/>
+            </a:pPr>
             <a:endParaRPr lang="en-US" sz="2400" dirty="0" smtClean="0"/>
+          </a:p>
+        </p:txBody>
+      </p:sp>
+      <p:sp>
+        <p:nvSpPr>
+          <p:cNvPr id="6" name="TextBox 5"/>
+          <p:cNvSpPr txBox="1"/>
+          <p:nvPr/>
+        </p:nvSpPr>
+        <p:spPr>
+          <a:xfrm>
+            <a:off x="3352800" y="4572000"/>
+            <a:ext cx="4532010" cy="369332"/>
+          </a:xfrm>
+          <a:prstGeom prst="rect">
+            <a:avLst/>
+          </a:prstGeom>
+          <a:noFill/>
+        </p:spPr>
+        <p:txBody>
+          <a:bodyPr wrap="none" rtlCol="0">
+            <a:spAutoFit/>
+          </a:bodyPr>
+          <a:lstStyle/>
+          <a:p>
+            <a:r>
+              <a:rPr lang="en-US" sz="1800" b="1" dirty="0" smtClean="0"/>
+              <a:t>http://en.wikipedia.org/wiki/Unit_testing</a:t>
+            </a:r>
+            <a:endParaRPr lang="en-US" sz="1800" b="1" dirty="0"/>
           </a:p>
         </p:txBody>
       </p:sp>
@@ -14976,14 +14431,14 @@
             </a:pPr>
             <a:r>
               <a:rPr lang="en-US" dirty="0" smtClean="0"/>
-              <a:t>Demo</a:t>
-            </a:r>
-          </a:p>
-        </p:txBody>
-      </p:sp>
-      <p:sp>
-        <p:nvSpPr>
-          <p:cNvPr id="8196" name="Text Placeholder 2"/>
+              <a:t>Testing Tooling</a:t>
+            </a:r>
+          </a:p>
+        </p:txBody>
+      </p:sp>
+      <p:sp>
+        <p:nvSpPr>
+          <p:cNvPr id="6148" name="Text Placeholder 2"/>
           <p:cNvSpPr>
             <a:spLocks noGrp="1"/>
           </p:cNvSpPr>
@@ -14993,8 +14448,8 @@
         </p:nvSpPr>
         <p:spPr bwMode="auto">
           <a:xfrm>
-            <a:off x="533400" y="3140075"/>
-            <a:ext cx="7924800" cy="577850"/>
+            <a:off x="457200" y="1600201"/>
+            <a:ext cx="7423150" cy="2514600"/>
           </a:xfrm>
           <a:noFill/>
           <a:ln>
@@ -15004,22 +14459,68 @@
           </a:ln>
         </p:spPr>
         <p:txBody>
-          <a:bodyPr vert="horz" wrap="square" lIns="91440" tIns="45720" rIns="91440" bIns="45720" numCol="1" anchor="ctr" anchorCtr="0" compatLnSpc="1">
+          <a:bodyPr vert="horz" wrap="square" lIns="91440" tIns="45720" rIns="91440" bIns="45720" numCol="1" anchor="t" anchorCtr="0" compatLnSpc="1">
             <a:prstTxWarp prst="textNoShape">
               <a:avLst/>
             </a:prstTxWarp>
-            <a:normAutofit lnSpcReduction="10000"/>
+            <a:noAutofit/>
           </a:bodyPr>
           <a:lstStyle/>
           <a:p>
-            <a:pPr algn="ctr">
-              <a:buFont typeface="Wingdings" pitchFamily="-64" charset="2"/>
-              <a:buNone/>
-            </a:pPr>
-            <a:r>
-              <a:rPr lang="en-US" sz="3200" dirty="0" smtClean="0"/>
-              <a:t>log4net Overview</a:t>
-            </a:r>
+            <a:pPr>
+              <a:lnSpc>
+                <a:spcPct val="90000"/>
+              </a:lnSpc>
+            </a:pPr>
+            <a:r>
+              <a:rPr lang="en-US" sz="2400" dirty="0" smtClean="0"/>
+              <a:t>Unit testing helps you …</a:t>
+            </a:r>
+          </a:p>
+          <a:p>
+            <a:pPr lvl="1"/>
+            <a:r>
+              <a:rPr lang="nb-NO" sz="2400" dirty="0" smtClean="0"/>
+              <a:t>Try before you buy</a:t>
+            </a:r>
+          </a:p>
+          <a:p>
+            <a:pPr lvl="1"/>
+            <a:r>
+              <a:rPr lang="nb-NO" sz="2400" dirty="0" smtClean="0"/>
+              <a:t>Find bugs</a:t>
+            </a:r>
+          </a:p>
+          <a:p>
+            <a:pPr lvl="1"/>
+            <a:r>
+              <a:rPr lang="nb-NO" sz="2400" dirty="0" smtClean="0"/>
+              <a:t>Maintain the application</a:t>
+            </a:r>
+          </a:p>
+          <a:p>
+            <a:pPr lvl="1"/>
+            <a:r>
+              <a:rPr lang="nb-NO" sz="2400" dirty="0" smtClean="0"/>
+              <a:t>Understand and document the application</a:t>
+            </a:r>
+          </a:p>
+          <a:p>
+            <a:pPr lvl="1"/>
+            <a:r>
+              <a:rPr lang="en-US" sz="2400" dirty="0" smtClean="0"/>
+              <a:t>Develop new pieces for the application</a:t>
+            </a:r>
+          </a:p>
+          <a:p>
+            <a:pPr lvl="2">
+              <a:lnSpc>
+                <a:spcPct val="90000"/>
+              </a:lnSpc>
+              <a:buFont typeface="Arial" pitchFamily="34" charset="0"/>
+              <a:buChar char="•"/>
+            </a:pPr>
+            <a:endParaRPr lang="en-US" sz="2400" dirty="0" smtClean="0"/>
           </a:p>
         </p:txBody>
       </p:sp>
@@ -15105,7 +14606,7 @@
         <p:spPr bwMode="auto">
           <a:xfrm>
             <a:off x="457200" y="1600200"/>
-            <a:ext cx="7423150" cy="1904999"/>
+            <a:ext cx="7423150" cy="4724399"/>
           </a:xfrm>
           <a:noFill/>
           <a:ln>
@@ -15119,7 +14620,7 @@
             <a:prstTxWarp prst="textNoShape">
               <a:avLst/>
             </a:prstTxWarp>
-            <a:noAutofit/>
+            <a:normAutofit/>
           </a:bodyPr>
           <a:lstStyle/>
           <a:p>
@@ -15129,42 +14630,43 @@
               </a:lnSpc>
             </a:pPr>
             <a:r>
+              <a:rPr lang="en-US" sz="2400" dirty="0" err="1" smtClean="0"/>
+              <a:t>NUnit</a:t>
+            </a:r>
+            <a:r>
               <a:rPr lang="en-US" sz="2400" dirty="0" smtClean="0"/>
-              <a:t>Unit Testing</a:t>
-            </a:r>
-          </a:p>
-          <a:p>
-            <a:pPr lvl="1">
+              <a:t> – www.nunit.org</a:t>
+            </a:r>
+          </a:p>
+          <a:p>
+            <a:pPr lvl="1"/>
+            <a:r>
+              <a:rPr lang="nb-NO" sz="2400" dirty="0" smtClean="0"/>
+              <a:t>Unit testing framework for all .NET languages</a:t>
+            </a:r>
+          </a:p>
+          <a:p>
+            <a:pPr lvl="1"/>
+            <a:r>
+              <a:rPr lang="nb-NO" sz="2400" dirty="0" smtClean="0"/>
+              <a:t>Port of JUnit</a:t>
+            </a:r>
+          </a:p>
+          <a:p>
+            <a:pPr lvl="1"/>
+            <a:r>
+              <a:rPr lang="nb-NO" sz="2400" dirty="0" smtClean="0"/>
+              <a:t>Built entirely in C# to take full advantage of CLR features</a:t>
+            </a:r>
+            <a:endParaRPr lang="en-US" sz="2400" dirty="0" smtClean="0"/>
+          </a:p>
+          <a:p>
+            <a:pPr>
               <a:lnSpc>
                 <a:spcPct val="90000"/>
               </a:lnSpc>
             </a:pPr>
-            <a:r>
-              <a:rPr lang="en-US" sz="2400" dirty="0" smtClean="0"/>
-              <a:t>A method of testing that verifies the individual units of source code are working properly. </a:t>
-            </a:r>
-          </a:p>
-          <a:p>
-            <a:pPr lvl="1">
-              <a:lnSpc>
-                <a:spcPct val="90000"/>
-              </a:lnSpc>
-            </a:pPr>
-            <a:r>
-              <a:rPr lang="en-US" sz="2400" dirty="0" smtClean="0"/>
-              <a:t>Smallest testable part of an application.</a:t>
-            </a:r>
-          </a:p>
-          <a:p>
-            <a:pPr lvl="1">
-              <a:lnSpc>
-                <a:spcPct val="90000"/>
-              </a:lnSpc>
-            </a:pPr>
-            <a:r>
-              <a:rPr lang="en-US" sz="2400" dirty="0" smtClean="0"/>
-              <a:t>Is NOT Test Driven Development (TDD)</a:t>
-            </a:r>
+            <a:endParaRPr lang="en-US" sz="2400" dirty="0" smtClean="0"/>
           </a:p>
           <a:p>
             <a:pPr lvl="2">
@@ -15176,35 +14678,15 @@
             </a:pPr>
             <a:endParaRPr lang="en-US" sz="2400" dirty="0" smtClean="0"/>
           </a:p>
-        </p:txBody>
-      </p:sp>
-      <p:sp>
-        <p:nvSpPr>
-          <p:cNvPr id="6" name="TextBox 5"/>
-          <p:cNvSpPr txBox="1"/>
-          <p:nvPr/>
-        </p:nvSpPr>
-        <p:spPr>
-          <a:xfrm>
-            <a:off x="3352800" y="4572000"/>
-            <a:ext cx="4532010" cy="369332"/>
-          </a:xfrm>
-          <a:prstGeom prst="rect">
-            <a:avLst/>
-          </a:prstGeom>
-          <a:noFill/>
-        </p:spPr>
-        <p:txBody>
-          <a:bodyPr wrap="none" rtlCol="0">
-            <a:spAutoFit/>
-          </a:bodyPr>
-          <a:lstStyle/>
-          <a:p>
-            <a:r>
-              <a:rPr lang="en-US" sz="1800" b="1" dirty="0" smtClean="0"/>
-              <a:t>http://en.wikipedia.org/wiki/Unit_testing</a:t>
-            </a:r>
-            <a:endParaRPr lang="en-US" sz="1800" b="1" dirty="0"/>
+          <a:p>
+            <a:pPr lvl="2">
+              <a:lnSpc>
+                <a:spcPct val="90000"/>
+              </a:lnSpc>
+              <a:buFont typeface="Arial" pitchFamily="34" charset="0"/>
+              <a:buChar char="•"/>
+            </a:pPr>
+            <a:endParaRPr lang="en-US" sz="2400" dirty="0" smtClean="0"/>
           </a:p>
         </p:txBody>
       </p:sp>
@@ -15289,8 +14771,8 @@
         </p:nvSpPr>
         <p:spPr bwMode="auto">
           <a:xfrm>
-            <a:off x="457200" y="1600201"/>
-            <a:ext cx="7423150" cy="2514600"/>
+            <a:off x="457200" y="1600200"/>
+            <a:ext cx="7423150" cy="4724399"/>
           </a:xfrm>
           <a:noFill/>
           <a:ln>
@@ -15304,7 +14786,7 @@
             <a:prstTxWarp prst="textNoShape">
               <a:avLst/>
             </a:prstTxWarp>
-            <a:noAutofit/>
+            <a:normAutofit/>
           </a:bodyPr>
           <a:lstStyle/>
           <a:p>
@@ -15314,29 +14796,12 @@
               </a:lnSpc>
             </a:pPr>
             <a:r>
+              <a:rPr lang="en-US" sz="2400" dirty="0" err="1" smtClean="0"/>
+              <a:t>NUnit</a:t>
+            </a:r>
+            <a:r>
               <a:rPr lang="en-US" sz="2400" dirty="0" smtClean="0"/>
-              <a:t>Unit testing helps you …</a:t>
-            </a:r>
-          </a:p>
-          <a:p>
-            <a:pPr lvl="1"/>
-            <a:r>
-              <a:rPr lang="nb-NO" sz="2400" dirty="0" smtClean="0"/>
-              <a:t>Try before you buy</a:t>
-            </a:r>
-          </a:p>
-          <a:p>
-            <a:pPr lvl="1"/>
-            <a:r>
-              <a:rPr lang="nb-NO" sz="2400" dirty="0" smtClean="0"/>
-              <a:t>Find bugs</a:t>
-            </a:r>
-          </a:p>
-          <a:p>
-            <a:pPr lvl="1"/>
-            <a:r>
-              <a:rPr lang="nb-NO" sz="2400" dirty="0" smtClean="0"/>
-              <a:t>Maintain the application</a:t>
+              <a:t> – www.nunit.org</a:t>
             </a:r>
           </a:p>
           <a:p>
@@ -15352,6 +14817,39 @@
               <a:rPr lang="en-US" sz="2400" dirty="0" smtClean="0"/>
               <a:t>Develop new pieces for the application</a:t>
             </a:r>
+          </a:p>
+          <a:p>
+            <a:pPr lvl="1"/>
+            <a:r>
+              <a:rPr lang="en-US" sz="2400" dirty="0" smtClean="0"/>
+              <a:t>Provides a great way to write, run and review test results</a:t>
+            </a:r>
+          </a:p>
+          <a:p>
+            <a:pPr lvl="1">
+              <a:lnSpc>
+                <a:spcPct val="90000"/>
+              </a:lnSpc>
+            </a:pPr>
+            <a:endParaRPr lang="en-US" sz="2400" dirty="0" smtClean="0"/>
+          </a:p>
+          <a:p>
+            <a:pPr>
+              <a:lnSpc>
+                <a:spcPct val="90000"/>
+              </a:lnSpc>
+            </a:pPr>
+            <a:endParaRPr lang="en-US" sz="2400" dirty="0" smtClean="0"/>
+          </a:p>
+          <a:p>
+            <a:pPr lvl="2">
+              <a:lnSpc>
+                <a:spcPct val="90000"/>
+              </a:lnSpc>
+              <a:buFont typeface="Arial" pitchFamily="34" charset="0"/>
+              <a:buChar char="•"/>
+            </a:pPr>
+            <a:endParaRPr lang="en-US" sz="2400" dirty="0" smtClean="0"/>
           </a:p>
           <a:p>
             <a:pPr lvl="2">
@@ -15429,14 +14927,14 @@
             </a:pPr>
             <a:r>
               <a:rPr lang="en-US" dirty="0" smtClean="0"/>
-              <a:t>Testing Tooling</a:t>
-            </a:r>
-          </a:p>
-        </p:txBody>
-      </p:sp>
-      <p:sp>
-        <p:nvSpPr>
-          <p:cNvPr id="6148" name="Text Placeholder 2"/>
+              <a:t>Demo</a:t>
+            </a:r>
+          </a:p>
+        </p:txBody>
+      </p:sp>
+      <p:sp>
+        <p:nvSpPr>
+          <p:cNvPr id="8196" name="Text Placeholder 2"/>
           <p:cNvSpPr>
             <a:spLocks noGrp="1"/>
           </p:cNvSpPr>
@@ -15446,8 +14944,8 @@
         </p:nvSpPr>
         <p:spPr bwMode="auto">
           <a:xfrm>
-            <a:off x="457200" y="1600200"/>
-            <a:ext cx="7423150" cy="4724399"/>
+            <a:off x="533400" y="3140075"/>
+            <a:ext cx="7924800" cy="577850"/>
           </a:xfrm>
           <a:noFill/>
           <a:ln>
@@ -15457,77 +14955,34 @@
           </a:ln>
         </p:spPr>
         <p:txBody>
-          <a:bodyPr vert="horz" wrap="square" lIns="91440" tIns="45720" rIns="91440" bIns="45720" numCol="1" anchor="t" anchorCtr="0" compatLnSpc="1">
+          <a:bodyPr vert="horz" wrap="square" lIns="91440" tIns="45720" rIns="91440" bIns="45720" numCol="1" anchor="ctr" anchorCtr="0" compatLnSpc="1">
             <a:prstTxWarp prst="textNoShape">
               <a:avLst/>
             </a:prstTxWarp>
-            <a:normAutofit/>
+            <a:normAutofit lnSpcReduction="10000"/>
           </a:bodyPr>
           <a:lstStyle/>
           <a:p>
-            <a:pPr>
-              <a:lnSpc>
-                <a:spcPct val="90000"/>
-              </a:lnSpc>
-            </a:pPr>
-            <a:r>
-              <a:rPr lang="en-US" sz="2400" dirty="0" err="1" smtClean="0"/>
-              <a:t>NUnit</a:t>
-            </a:r>
-            <a:r>
-              <a:rPr lang="en-US" sz="2400" dirty="0" smtClean="0"/>
-              <a:t> – www.nunit.org</a:t>
-            </a:r>
-          </a:p>
-          <a:p>
-            <a:pPr lvl="1"/>
-            <a:r>
-              <a:rPr lang="nb-NO" sz="2400" dirty="0" smtClean="0"/>
-              <a:t>Unit testing framework for all .NET languages</a:t>
-            </a:r>
-          </a:p>
-          <a:p>
-            <a:pPr lvl="1"/>
-            <a:r>
-              <a:rPr lang="nb-NO" sz="2400" dirty="0" smtClean="0"/>
-              <a:t>Port of JUnit</a:t>
-            </a:r>
-          </a:p>
-          <a:p>
-            <a:pPr lvl="1"/>
-            <a:r>
-              <a:rPr lang="nb-NO" sz="2400" dirty="0" smtClean="0"/>
-              <a:t>Built entirely in C# to take full advantage of CLR features</a:t>
-            </a:r>
-            <a:endParaRPr lang="en-US" sz="2400" dirty="0" smtClean="0"/>
-          </a:p>
-          <a:p>
-            <a:pPr>
-              <a:lnSpc>
-                <a:spcPct val="90000"/>
-              </a:lnSpc>
-            </a:pPr>
-            <a:endParaRPr lang="en-US" sz="2400" dirty="0" smtClean="0"/>
-          </a:p>
-          <a:p>
-            <a:pPr lvl="2">
-              <a:lnSpc>
-                <a:spcPct val="90000"/>
-              </a:lnSpc>
-              <a:buFont typeface="Arial" pitchFamily="34" charset="0"/>
-              <a:buChar char="•"/>
-            </a:pPr>
-            <a:endParaRPr lang="en-US" sz="2400" dirty="0" smtClean="0"/>
-          </a:p>
-          <a:p>
-            <a:pPr lvl="2">
-              <a:lnSpc>
-                <a:spcPct val="90000"/>
-              </a:lnSpc>
-              <a:buFont typeface="Arial" pitchFamily="34" charset="0"/>
-              <a:buChar char="•"/>
-            </a:pPr>
-            <a:endParaRPr lang="en-US" sz="2400" dirty="0" smtClean="0"/>
+            <a:pPr algn="ctr">
+              <a:buFont typeface="Wingdings" pitchFamily="-64" charset="2"/>
+              <a:buNone/>
+            </a:pPr>
+            <a:r>
+              <a:rPr lang="en-US" sz="3200" dirty="0" err="1" smtClean="0"/>
+              <a:t>Nunit</a:t>
+            </a:r>
+            <a:r>
+              <a:rPr lang="en-US" sz="3200" dirty="0" smtClean="0"/>
+              <a:t> (with </a:t>
+            </a:r>
+            <a:r>
+              <a:rPr lang="en-US" sz="3200" dirty="0" err="1" smtClean="0"/>
+              <a:t>RhinoMocks</a:t>
+            </a:r>
+            <a:r>
+              <a:rPr lang="en-US" sz="3200" dirty="0" smtClean="0"/>
+              <a:t>) Overview</a:t>
+            </a:r>
           </a:p>
         </p:txBody>
       </p:sp>
@@ -15548,7 +15003,7 @@
 </file>
 
 <file path=ppt/slides/slide34.xml><?xml version="1.0" encoding="utf-8"?>
-<p:sld xmlns:a="http://schemas.openxmlformats.org/drawingml/2006/main" xmlns:r="http://schemas.openxmlformats.org/officeDocument/2006/relationships" xmlns:p="http://schemas.openxmlformats.org/presentationml/2006/main">
+<p:sld xmlns:a="http://schemas.openxmlformats.org/drawingml/2006/main" xmlns:r="http://schemas.openxmlformats.org/officeDocument/2006/relationships" xmlns:p="http://schemas.openxmlformats.org/presentationml/2006/main" show="0">
   <p:cSld>
     <p:spTree>
       <p:nvGrpSpPr>
@@ -15595,7 +15050,7 @@
             </a:pPr>
             <a:r>
               <a:rPr lang="en-US" dirty="0" smtClean="0"/>
-              <a:t>Testing Tooling</a:t>
+              <a:t>Build Tooling</a:t>
             </a:r>
           </a:p>
         </p:txBody>
@@ -15613,7 +15068,7 @@
         <p:spPr bwMode="auto">
           <a:xfrm>
             <a:off x="457200" y="1600200"/>
-            <a:ext cx="7423150" cy="4724399"/>
+            <a:ext cx="7423150" cy="1904999"/>
           </a:xfrm>
           <a:noFill/>
           <a:ln>
@@ -15637,33 +15092,8 @@
               </a:lnSpc>
             </a:pPr>
             <a:r>
-              <a:rPr lang="en-US" sz="2400" dirty="0" err="1" smtClean="0"/>
-              <a:t>NUnit</a:t>
-            </a:r>
-            <a:r>
               <a:rPr lang="en-US" sz="2400" dirty="0" smtClean="0"/>
-              <a:t> – www.nunit.org</a:t>
-            </a:r>
-          </a:p>
-          <a:p>
-            <a:pPr lvl="1"/>
-            <a:r>
-              <a:rPr lang="nb-NO" sz="2400" dirty="0" smtClean="0"/>
-              <a:t>Understand and document the application</a:t>
-            </a:r>
-          </a:p>
-          <a:p>
-            <a:pPr lvl="1"/>
-            <a:r>
-              <a:rPr lang="en-US" sz="2400" dirty="0" smtClean="0"/>
-              <a:t>Develop new pieces for the application</a:t>
-            </a:r>
-          </a:p>
-          <a:p>
-            <a:pPr lvl="1"/>
-            <a:r>
-              <a:rPr lang="en-US" sz="2400" dirty="0" smtClean="0"/>
-              <a:t>Provides a great way to write, run and review test results</a:t>
+              <a:t>Continuous Integration</a:t>
             </a:r>
           </a:p>
           <a:p>
@@ -15672,35 +15102,40 @@
                 <a:spcPct val="90000"/>
               </a:lnSpc>
             </a:pPr>
-            <a:endParaRPr lang="en-US" sz="2400" dirty="0" smtClean="0"/>
-          </a:p>
-          <a:p>
-            <a:pPr>
-              <a:lnSpc>
-                <a:spcPct val="90000"/>
-              </a:lnSpc>
-            </a:pPr>
-            <a:endParaRPr lang="en-US" sz="2400" dirty="0" smtClean="0"/>
-          </a:p>
-          <a:p>
-            <a:pPr lvl="2">
-              <a:lnSpc>
-                <a:spcPct val="90000"/>
-              </a:lnSpc>
-              <a:buFont typeface="Arial" pitchFamily="34" charset="0"/>
-              <a:buChar char="•"/>
-            </a:pPr>
-            <a:endParaRPr lang="en-US" sz="2400" dirty="0" smtClean="0"/>
-          </a:p>
-          <a:p>
-            <a:pPr lvl="2">
-              <a:lnSpc>
-                <a:spcPct val="90000"/>
-              </a:lnSpc>
-              <a:buFont typeface="Arial" pitchFamily="34" charset="0"/>
-              <a:buChar char="•"/>
-            </a:pPr>
-            <a:endParaRPr lang="en-US" sz="2400" dirty="0" smtClean="0"/>
+            <a:r>
+              <a:rPr lang="en-US" sz="2400" dirty="0" smtClean="0"/>
+              <a:t>A set of software engineering practices that speed up the delivery of software by decreasing integration times.</a:t>
+            </a:r>
+          </a:p>
+        </p:txBody>
+      </p:sp>
+      <p:sp>
+        <p:nvSpPr>
+          <p:cNvPr id="6" name="TextBox 5"/>
+          <p:cNvSpPr txBox="1"/>
+          <p:nvPr/>
+        </p:nvSpPr>
+        <p:spPr>
+          <a:xfrm>
+            <a:off x="2362200" y="3733800"/>
+            <a:ext cx="5801588" cy="369332"/>
+          </a:xfrm>
+          <a:prstGeom prst="rect">
+            <a:avLst/>
+          </a:prstGeom>
+          <a:noFill/>
+        </p:spPr>
+        <p:txBody>
+          <a:bodyPr wrap="none" rtlCol="0">
+            <a:spAutoFit/>
+          </a:bodyPr>
+          <a:lstStyle/>
+          <a:p>
+            <a:r>
+              <a:rPr lang="en-US" sz="1800" b="1" dirty="0" smtClean="0"/>
+              <a:t>http://en.wikipedia.org/wiki/Continuous_Integration</a:t>
+            </a:r>
+            <a:endParaRPr lang="en-US" sz="1800" b="1" dirty="0"/>
           </a:p>
         </p:txBody>
       </p:sp>
@@ -15721,7 +15156,7 @@
 </file>
 
 <file path=ppt/slides/slide35.xml><?xml version="1.0" encoding="utf-8"?>
-<p:sld xmlns:a="http://schemas.openxmlformats.org/drawingml/2006/main" xmlns:r="http://schemas.openxmlformats.org/officeDocument/2006/relationships" xmlns:p="http://schemas.openxmlformats.org/presentationml/2006/main">
+<p:sld xmlns:a="http://schemas.openxmlformats.org/drawingml/2006/main" xmlns:r="http://schemas.openxmlformats.org/officeDocument/2006/relationships" xmlns:p="http://schemas.openxmlformats.org/presentationml/2006/main" show="0">
   <p:cSld>
     <p:spTree>
       <p:nvGrpSpPr>
@@ -15768,14 +15203,14 @@
             </a:pPr>
             <a:r>
               <a:rPr lang="en-US" dirty="0" smtClean="0"/>
-              <a:t>Demo</a:t>
-            </a:r>
-          </a:p>
-        </p:txBody>
-      </p:sp>
-      <p:sp>
-        <p:nvSpPr>
-          <p:cNvPr id="8196" name="Text Placeholder 2"/>
+              <a:t>Build Tooling</a:t>
+            </a:r>
+          </a:p>
+        </p:txBody>
+      </p:sp>
+      <p:sp>
+        <p:nvSpPr>
+          <p:cNvPr id="6148" name="Text Placeholder 2"/>
           <p:cNvSpPr>
             <a:spLocks noGrp="1"/>
           </p:cNvSpPr>
@@ -15785,8 +15220,8 @@
         </p:nvSpPr>
         <p:spPr bwMode="auto">
           <a:xfrm>
-            <a:off x="533400" y="3140075"/>
-            <a:ext cx="7924800" cy="577850"/>
+            <a:off x="457200" y="1600200"/>
+            <a:ext cx="7423150" cy="1904999"/>
           </a:xfrm>
           <a:noFill/>
           <a:ln>
@@ -15796,34 +15231,97 @@
           </a:ln>
         </p:spPr>
         <p:txBody>
-          <a:bodyPr vert="horz" wrap="square" lIns="91440" tIns="45720" rIns="91440" bIns="45720" numCol="1" anchor="ctr" anchorCtr="0" compatLnSpc="1">
+          <a:bodyPr vert="horz" wrap="square" lIns="91440" tIns="45720" rIns="91440" bIns="45720" numCol="1" anchor="t" anchorCtr="0" compatLnSpc="1">
             <a:prstTxWarp prst="textNoShape">
               <a:avLst/>
             </a:prstTxWarp>
-            <a:normAutofit lnSpcReduction="10000"/>
+            <a:noAutofit/>
           </a:bodyPr>
           <a:lstStyle/>
           <a:p>
-            <a:pPr algn="ctr">
-              <a:buFont typeface="Wingdings" pitchFamily="-64" charset="2"/>
-              <a:buNone/>
-            </a:pPr>
-            <a:r>
-              <a:rPr lang="en-US" sz="3200" dirty="0" err="1" smtClean="0"/>
-              <a:t>Nunit</a:t>
-            </a:r>
-            <a:r>
-              <a:rPr lang="en-US" sz="3200" dirty="0" smtClean="0"/>
-              <a:t> (with </a:t>
-            </a:r>
-            <a:r>
-              <a:rPr lang="en-US" sz="3200" dirty="0" err="1" smtClean="0"/>
-              <a:t>RhinoMocks</a:t>
-            </a:r>
-            <a:r>
-              <a:rPr lang="en-US" sz="3200" dirty="0" smtClean="0"/>
-              <a:t>) Overview</a:t>
-            </a:r>
+            <a:pPr>
+              <a:lnSpc>
+                <a:spcPct val="90000"/>
+              </a:lnSpc>
+            </a:pPr>
+            <a:r>
+              <a:rPr lang="en-US" sz="2400" dirty="0" smtClean="0"/>
+              <a:t>Continuous Integration</a:t>
+            </a:r>
+          </a:p>
+          <a:p>
+            <a:pPr lvl="1">
+              <a:lnSpc>
+                <a:spcPct val="90000"/>
+              </a:lnSpc>
+            </a:pPr>
+            <a:r>
+              <a:rPr lang="en-US" sz="2400" dirty="0" smtClean="0"/>
+              <a:t>Run the build</a:t>
+            </a:r>
+          </a:p>
+          <a:p>
+            <a:pPr lvl="1">
+              <a:lnSpc>
+                <a:spcPct val="90000"/>
+              </a:lnSpc>
+            </a:pPr>
+            <a:r>
+              <a:rPr lang="en-US" sz="2400" dirty="0" smtClean="0"/>
+              <a:t>Test the build</a:t>
+            </a:r>
+          </a:p>
+          <a:p>
+            <a:pPr lvl="1">
+              <a:lnSpc>
+                <a:spcPct val="90000"/>
+              </a:lnSpc>
+            </a:pPr>
+            <a:r>
+              <a:rPr lang="en-US" sz="2400" dirty="0" smtClean="0"/>
+              <a:t>Package the build</a:t>
+            </a:r>
+          </a:p>
+          <a:p>
+            <a:pPr lvl="1">
+              <a:lnSpc>
+                <a:spcPct val="90000"/>
+              </a:lnSpc>
+            </a:pPr>
+            <a:r>
+              <a:rPr lang="en-US" sz="2400" dirty="0" smtClean="0"/>
+              <a:t>Automate deployment</a:t>
+            </a:r>
+          </a:p>
+        </p:txBody>
+      </p:sp>
+      <p:sp>
+        <p:nvSpPr>
+          <p:cNvPr id="6" name="TextBox 5"/>
+          <p:cNvSpPr txBox="1"/>
+          <p:nvPr/>
+        </p:nvSpPr>
+        <p:spPr>
+          <a:xfrm>
+            <a:off x="2438400" y="5105400"/>
+            <a:ext cx="5801588" cy="369332"/>
+          </a:xfrm>
+          <a:prstGeom prst="rect">
+            <a:avLst/>
+          </a:prstGeom>
+          <a:noFill/>
+        </p:spPr>
+        <p:txBody>
+          <a:bodyPr wrap="none" rtlCol="0">
+            <a:spAutoFit/>
+          </a:bodyPr>
+          <a:lstStyle/>
+          <a:p>
+            <a:r>
+              <a:rPr lang="en-US" sz="1800" b="1" dirty="0" smtClean="0"/>
+              <a:t>http://en.wikipedia.org/wiki/Continuous_Integration</a:t>
+            </a:r>
+            <a:endParaRPr lang="en-US" sz="1800" b="1" dirty="0"/>
           </a:p>
         </p:txBody>
       </p:sp>
@@ -15923,7 +15421,7 @@
             <a:prstTxWarp prst="textNoShape">
               <a:avLst/>
             </a:prstTxWarp>
-            <a:normAutofit/>
+            <a:noAutofit/>
           </a:bodyPr>
           <a:lstStyle/>
           <a:p>
@@ -15933,9 +15431,20 @@
               </a:lnSpc>
             </a:pPr>
             <a:r>
+              <a:rPr lang="en-US" sz="2400" dirty="0" err="1" smtClean="0"/>
+              <a:t>TeamCity</a:t>
+            </a:r>
+            <a:r>
               <a:rPr lang="en-US" sz="2400" dirty="0" smtClean="0"/>
-              <a:t>Continuous Integration</a:t>
-            </a:r>
+              <a:t> -- </a:t>
+            </a:r>
+            <a:r>
+              <a:rPr lang="en-US" sz="2400" dirty="0" smtClean="0">
+                <a:hlinkClick r:id="rId3"/>
+              </a:rPr>
+              <a:t>www.jetbrains.com/teamcity</a:t>
+            </a:r>
+            <a:endParaRPr lang="en-US" sz="2400" dirty="0" smtClean="0"/>
           </a:p>
           <a:p>
             <a:pPr lvl="1">
@@ -15945,38 +15454,30 @@
             </a:pPr>
             <a:r>
               <a:rPr lang="en-US" sz="2400" dirty="0" smtClean="0"/>
-              <a:t>A set of software engineering practices that speed up the delivery of software by decreasing integration times.</a:t>
-            </a:r>
-          </a:p>
-        </p:txBody>
-      </p:sp>
-      <p:sp>
-        <p:nvSpPr>
-          <p:cNvPr id="6" name="TextBox 5"/>
-          <p:cNvSpPr txBox="1"/>
-          <p:nvPr/>
-        </p:nvSpPr>
-        <p:spPr>
-          <a:xfrm>
-            <a:off x="2362200" y="3733800"/>
-            <a:ext cx="5801588" cy="369332"/>
-          </a:xfrm>
-          <a:prstGeom prst="rect">
-            <a:avLst/>
-          </a:prstGeom>
-          <a:noFill/>
-        </p:spPr>
-        <p:txBody>
-          <a:bodyPr wrap="none" rtlCol="0">
-            <a:spAutoFit/>
-          </a:bodyPr>
-          <a:lstStyle/>
-          <a:p>
-            <a:r>
-              <a:rPr lang="en-US" sz="1800" b="1" dirty="0" smtClean="0"/>
-              <a:t>http://en.wikipedia.org/wiki/Continuous_Integration</a:t>
-            </a:r>
-            <a:endParaRPr lang="en-US" sz="1800" b="1" dirty="0"/>
+              <a:t>Commercial Product</a:t>
+            </a:r>
+          </a:p>
+          <a:p>
+            <a:pPr lvl="1">
+              <a:lnSpc>
+                <a:spcPct val="90000"/>
+              </a:lnSpc>
+            </a:pPr>
+            <a:r>
+              <a:rPr lang="en-US" sz="2400" dirty="0" smtClean="0"/>
+              <a:t>Free Professional Edition</a:t>
+            </a:r>
+          </a:p>
+          <a:p>
+            <a:pPr lvl="1">
+              <a:lnSpc>
+                <a:spcPct val="90000"/>
+              </a:lnSpc>
+            </a:pPr>
+            <a:r>
+              <a:rPr lang="en-US" sz="2400" dirty="0" smtClean="0"/>
+              <a:t>Build Management</a:t>
+            </a:r>
           </a:p>
         </p:txBody>
       </p:sp>
@@ -16086,9 +15587,20 @@
               </a:lnSpc>
             </a:pPr>
             <a:r>
+              <a:rPr lang="en-US" sz="2400" dirty="0" err="1" smtClean="0"/>
+              <a:t>TeamCity</a:t>
+            </a:r>
+            <a:r>
               <a:rPr lang="en-US" sz="2400" dirty="0" smtClean="0"/>
-              <a:t>Continuous Integration</a:t>
-            </a:r>
+              <a:t> -- </a:t>
+            </a:r>
+            <a:r>
+              <a:rPr lang="en-US" sz="2400" dirty="0" smtClean="0">
+                <a:hlinkClick r:id="rId3"/>
+              </a:rPr>
+              <a:t>www.jetbrains.com/teamcity</a:t>
+            </a:r>
+            <a:endParaRPr lang="en-US" sz="2400" dirty="0" smtClean="0"/>
           </a:p>
           <a:p>
             <a:pPr lvl="1">
@@ -16098,7 +15610,7 @@
             </a:pPr>
             <a:r>
               <a:rPr lang="en-US" sz="2400" dirty="0" smtClean="0"/>
-              <a:t>Run the build</a:t>
+              <a:t>Monitoring and Statistics Reports</a:t>
             </a:r>
           </a:p>
           <a:p>
@@ -16109,7 +15621,7 @@
             </a:pPr>
             <a:r>
               <a:rPr lang="en-US" sz="2400" dirty="0" smtClean="0"/>
-              <a:t>Test the build</a:t>
+              <a:t>IDE Integration</a:t>
             </a:r>
           </a:p>
           <a:p>
@@ -16120,49 +15632,8 @@
             </a:pPr>
             <a:r>
               <a:rPr lang="en-US" sz="2400" dirty="0" smtClean="0"/>
-              <a:t>Package the build</a:t>
-            </a:r>
-          </a:p>
-          <a:p>
-            <a:pPr lvl="1">
-              <a:lnSpc>
-                <a:spcPct val="90000"/>
-              </a:lnSpc>
-            </a:pPr>
-            <a:r>
-              <a:rPr lang="en-US" sz="2400" dirty="0" smtClean="0"/>
-              <a:t>Automate deployment</a:t>
-            </a:r>
-          </a:p>
-        </p:txBody>
-      </p:sp>
-      <p:sp>
-        <p:nvSpPr>
-          <p:cNvPr id="6" name="TextBox 5"/>
-          <p:cNvSpPr txBox="1"/>
-          <p:nvPr/>
-        </p:nvSpPr>
-        <p:spPr>
-          <a:xfrm>
-            <a:off x="2438400" y="5105400"/>
-            <a:ext cx="5801588" cy="369332"/>
-          </a:xfrm>
-          <a:prstGeom prst="rect">
-            <a:avLst/>
-          </a:prstGeom>
-          <a:noFill/>
-        </p:spPr>
-        <p:txBody>
-          <a:bodyPr wrap="none" rtlCol="0">
-            <a:spAutoFit/>
-          </a:bodyPr>
-          <a:lstStyle/>
-          <a:p>
-            <a:r>
-              <a:rPr lang="en-US" sz="1800" b="1" dirty="0" smtClean="0"/>
-              <a:t>http://en.wikipedia.org/wiki/Continuous_Integration</a:t>
-            </a:r>
-            <a:endParaRPr lang="en-US" sz="1800" b="1" dirty="0"/>
+              <a:t>Team Collaboration</a:t>
+            </a:r>
           </a:p>
         </p:txBody>
       </p:sp>
@@ -16230,14 +15701,14 @@
             </a:pPr>
             <a:r>
               <a:rPr lang="en-US" dirty="0" smtClean="0"/>
-              <a:t>Build Tooling</a:t>
-            </a:r>
-          </a:p>
-        </p:txBody>
-      </p:sp>
-      <p:sp>
-        <p:nvSpPr>
-          <p:cNvPr id="6148" name="Text Placeholder 2"/>
+              <a:t>Demo</a:t>
+            </a:r>
+          </a:p>
+        </p:txBody>
+      </p:sp>
+      <p:sp>
+        <p:nvSpPr>
+          <p:cNvPr id="8196" name="Text Placeholder 2"/>
           <p:cNvSpPr>
             <a:spLocks noGrp="1"/>
           </p:cNvSpPr>
@@ -16247,8 +15718,8 @@
         </p:nvSpPr>
         <p:spPr bwMode="auto">
           <a:xfrm>
-            <a:off x="457200" y="1600200"/>
-            <a:ext cx="7423150" cy="1904999"/>
+            <a:off x="533400" y="3140075"/>
+            <a:ext cx="7924800" cy="577850"/>
           </a:xfrm>
           <a:noFill/>
           <a:ln>
@@ -16258,66 +15729,25 @@
           </a:ln>
         </p:spPr>
         <p:txBody>
-          <a:bodyPr vert="horz" wrap="square" lIns="91440" tIns="45720" rIns="91440" bIns="45720" numCol="1" anchor="t" anchorCtr="0" compatLnSpc="1">
+          <a:bodyPr vert="horz" wrap="square" lIns="91440" tIns="45720" rIns="91440" bIns="45720" numCol="1" anchor="ctr" anchorCtr="0" compatLnSpc="1">
             <a:prstTxWarp prst="textNoShape">
               <a:avLst/>
             </a:prstTxWarp>
-            <a:noAutofit/>
+            <a:normAutofit lnSpcReduction="10000"/>
           </a:bodyPr>
           <a:lstStyle/>
           <a:p>
-            <a:pPr>
-              <a:lnSpc>
-                <a:spcPct val="90000"/>
-              </a:lnSpc>
-            </a:pPr>
-            <a:r>
-              <a:rPr lang="en-US" sz="2400" dirty="0" err="1" smtClean="0"/>
+            <a:pPr algn="ctr">
+              <a:buFont typeface="Wingdings" pitchFamily="-64" charset="2"/>
+              <a:buNone/>
+            </a:pPr>
+            <a:r>
+              <a:rPr lang="en-US" sz="3200" dirty="0" err="1" smtClean="0"/>
               <a:t>TeamCity</a:t>
             </a:r>
             <a:r>
-              <a:rPr lang="en-US" sz="2400" dirty="0" smtClean="0"/>
-              <a:t> -- </a:t>
-            </a:r>
-            <a:r>
-              <a:rPr lang="en-US" sz="2400" dirty="0" smtClean="0">
-                <a:hlinkClick r:id="rId3"/>
-              </a:rPr>
-              <a:t>www.jetbrains.com/teamcity</a:t>
-            </a:r>
-            <a:endParaRPr lang="en-US" sz="2400" dirty="0" smtClean="0"/>
-          </a:p>
-          <a:p>
-            <a:pPr lvl="1">
-              <a:lnSpc>
-                <a:spcPct val="90000"/>
-              </a:lnSpc>
-            </a:pPr>
-            <a:r>
-              <a:rPr lang="en-US" sz="2400" dirty="0" smtClean="0"/>
-              <a:t>Commercial Product</a:t>
-            </a:r>
-          </a:p>
-          <a:p>
-            <a:pPr lvl="1">
-              <a:lnSpc>
-                <a:spcPct val="90000"/>
-              </a:lnSpc>
-            </a:pPr>
-            <a:r>
-              <a:rPr lang="en-US" sz="2400" dirty="0" smtClean="0"/>
-              <a:t>Free Professional Edition</a:t>
-            </a:r>
-          </a:p>
-          <a:p>
-            <a:pPr lvl="1">
-              <a:lnSpc>
-                <a:spcPct val="90000"/>
-              </a:lnSpc>
-            </a:pPr>
-            <a:r>
-              <a:rPr lang="en-US" sz="2400" dirty="0" smtClean="0"/>
-              <a:t>Build Management</a:t>
+              <a:rPr lang="en-US" sz="3200" dirty="0" smtClean="0"/>
+              <a:t> Overview</a:t>
             </a:r>
           </a:p>
         </p:txBody>
@@ -16339,7 +15769,7 @@
 </file>
 
 <file path=ppt/slides/slide39.xml><?xml version="1.0" encoding="utf-8"?>
-<p:sld xmlns:a="http://schemas.openxmlformats.org/drawingml/2006/main" xmlns:r="http://schemas.openxmlformats.org/officeDocument/2006/relationships" xmlns:p="http://schemas.openxmlformats.org/presentationml/2006/main" show="0">
+<p:sld xmlns:a="http://schemas.openxmlformats.org/drawingml/2006/main" xmlns:r="http://schemas.openxmlformats.org/officeDocument/2006/relationships" xmlns:p="http://schemas.openxmlformats.org/presentationml/2006/main">
   <p:cSld>
     <p:spTree>
       <p:nvGrpSpPr>
@@ -16386,7 +15816,7 @@
             </a:pPr>
             <a:r>
               <a:rPr lang="en-US" dirty="0" smtClean="0"/>
-              <a:t>Build Tooling</a:t>
+              <a:t>Recap</a:t>
             </a:r>
           </a:p>
         </p:txBody>
@@ -16428,20 +15858,9 @@
               </a:lnSpc>
             </a:pPr>
             <a:r>
-              <a:rPr lang="en-US" sz="2400" dirty="0" err="1" smtClean="0"/>
-              <a:t>TeamCity</a:t>
-            </a:r>
-            <a:r>
               <a:rPr lang="en-US" sz="2400" dirty="0" smtClean="0"/>
-              <a:t> -- </a:t>
-            </a:r>
-            <a:r>
-              <a:rPr lang="en-US" sz="2400" dirty="0" smtClean="0">
-                <a:hlinkClick r:id="rId3"/>
-              </a:rPr>
-              <a:t>www.jetbrains.com/teamcity</a:t>
-            </a:r>
-            <a:endParaRPr lang="en-US" sz="2400" dirty="0" smtClean="0"/>
+              <a:t>Database</a:t>
+            </a:r>
           </a:p>
           <a:p>
             <a:pPr lvl="1">
@@ -16450,8 +15869,20 @@
               </a:lnSpc>
             </a:pPr>
             <a:r>
+              <a:rPr lang="en-US" sz="2400" dirty="0" err="1" smtClean="0"/>
+              <a:t>Nhibernate</a:t>
+            </a:r>
+            <a:endParaRPr lang="en-US" sz="2400" dirty="0" smtClean="0"/>
+          </a:p>
+          <a:p>
+            <a:pPr>
+              <a:lnSpc>
+                <a:spcPct val="90000"/>
+              </a:lnSpc>
+            </a:pPr>
+            <a:r>
               <a:rPr lang="en-US" sz="2400" dirty="0" smtClean="0"/>
-              <a:t>Monitoring and Statistics Reports</a:t>
+              <a:t>Architectural</a:t>
             </a:r>
           </a:p>
           <a:p>
@@ -16461,8 +15892,23 @@
               </a:lnSpc>
             </a:pPr>
             <a:r>
+              <a:rPr lang="en-US" sz="2400" dirty="0" err="1" smtClean="0"/>
+              <a:t>MicroKernel</a:t>
+            </a:r>
+            <a:r>
               <a:rPr lang="en-US" sz="2400" dirty="0" smtClean="0"/>
-              <a:t>IDE Integration</a:t>
+              <a:t> / Windsor</a:t>
+            </a:r>
+          </a:p>
+          <a:p>
+            <a:pPr>
+              <a:lnSpc>
+                <a:spcPct val="90000"/>
+              </a:lnSpc>
+            </a:pPr>
+            <a:r>
+              <a:rPr lang="en-US" sz="2400" dirty="0" smtClean="0"/>
+              <a:t>Instrumentation</a:t>
             </a:r>
           </a:p>
           <a:p>
@@ -16473,8 +15919,40 @@
             </a:pPr>
             <a:r>
               <a:rPr lang="en-US" sz="2400" dirty="0" smtClean="0"/>
-              <a:t>Team Collaboration</a:t>
-            </a:r>
+              <a:t>Log4net</a:t>
+            </a:r>
+          </a:p>
+          <a:p>
+            <a:pPr>
+              <a:lnSpc>
+                <a:spcPct val="90000"/>
+              </a:lnSpc>
+            </a:pPr>
+            <a:r>
+              <a:rPr lang="en-US" sz="2400" dirty="0" smtClean="0"/>
+              <a:t>Testing</a:t>
+            </a:r>
+          </a:p>
+          <a:p>
+            <a:pPr lvl="1">
+              <a:lnSpc>
+                <a:spcPct val="90000"/>
+              </a:lnSpc>
+            </a:pPr>
+            <a:r>
+              <a:rPr lang="en-US" sz="2400" dirty="0" err="1" smtClean="0"/>
+              <a:t>Nunit</a:t>
+            </a:r>
+            <a:endParaRPr lang="en-US" sz="2400" dirty="0" smtClean="0"/>
+          </a:p>
+          <a:p>
+            <a:pPr>
+              <a:lnSpc>
+                <a:spcPct val="90000"/>
+              </a:lnSpc>
+              <a:buNone/>
+            </a:pPr>
+            <a:endParaRPr lang="en-US" sz="2400" dirty="0" smtClean="0"/>
           </a:p>
         </p:txBody>
       </p:sp>
@@ -16626,7 +16104,7 @@
 </file>
 
 <file path=ppt/slides/slide40.xml><?xml version="1.0" encoding="utf-8"?>
-<p:sld xmlns:a="http://schemas.openxmlformats.org/drawingml/2006/main" xmlns:r="http://schemas.openxmlformats.org/officeDocument/2006/relationships" xmlns:p="http://schemas.openxmlformats.org/presentationml/2006/main" show="0">
+<p:sld xmlns:a="http://schemas.openxmlformats.org/drawingml/2006/main" xmlns:r="http://schemas.openxmlformats.org/officeDocument/2006/relationships" xmlns:p="http://schemas.openxmlformats.org/presentationml/2006/main">
   <p:cSld>
     <p:spTree>
       <p:nvGrpSpPr>
@@ -16673,14 +16151,14 @@
             </a:pPr>
             <a:r>
               <a:rPr lang="en-US" dirty="0" smtClean="0"/>
-              <a:t>Demo</a:t>
-            </a:r>
-          </a:p>
-        </p:txBody>
-      </p:sp>
-      <p:sp>
-        <p:nvSpPr>
-          <p:cNvPr id="8196" name="Text Placeholder 2"/>
+              <a:t>Recap</a:t>
+            </a:r>
+          </a:p>
+        </p:txBody>
+      </p:sp>
+      <p:sp>
+        <p:nvSpPr>
+          <p:cNvPr id="3076" name="Text Placeholder 2"/>
           <p:cNvSpPr>
             <a:spLocks noGrp="1"/>
           </p:cNvSpPr>
@@ -16690,8 +16168,8 @@
         </p:nvSpPr>
         <p:spPr bwMode="auto">
           <a:xfrm>
-            <a:off x="533400" y="3140075"/>
-            <a:ext cx="7924800" cy="577850"/>
+            <a:off x="457200" y="1600200"/>
+            <a:ext cx="7781925" cy="4525963"/>
           </a:xfrm>
           <a:noFill/>
           <a:ln>
@@ -16701,26 +16179,53 @@
           </a:ln>
         </p:spPr>
         <p:txBody>
-          <a:bodyPr vert="horz" wrap="square" lIns="91440" tIns="45720" rIns="91440" bIns="45720" numCol="1" anchor="ctr" anchorCtr="0" compatLnSpc="1">
+          <a:bodyPr vert="horz" wrap="square" lIns="91440" tIns="45720" rIns="91440" bIns="45720" numCol="1" anchor="t" anchorCtr="0" compatLnSpc="1">
             <a:prstTxWarp prst="textNoShape">
               <a:avLst/>
             </a:prstTxWarp>
-            <a:normAutofit lnSpcReduction="10000"/>
+            <a:normAutofit/>
           </a:bodyPr>
           <a:lstStyle/>
           <a:p>
-            <a:pPr algn="ctr">
-              <a:buFont typeface="Wingdings" pitchFamily="-64" charset="2"/>
-              <a:buNone/>
-            </a:pPr>
-            <a:r>
-              <a:rPr lang="en-US" sz="3200" dirty="0" err="1" smtClean="0"/>
-              <a:t>TeamCity</a:t>
-            </a:r>
-            <a:r>
-              <a:rPr lang="en-US" sz="3200" dirty="0" smtClean="0"/>
-              <a:t> Overview</a:t>
-            </a:r>
+            <a:pPr>
+              <a:lnSpc>
+                <a:spcPct val="90000"/>
+              </a:lnSpc>
+            </a:pPr>
+            <a:r>
+              <a:rPr lang="en-US" sz="2400" dirty="0" smtClean="0"/>
+              <a:t>Learn to leverage tooling for your product</a:t>
+            </a:r>
+          </a:p>
+          <a:p>
+            <a:pPr>
+              <a:lnSpc>
+                <a:spcPct val="90000"/>
+              </a:lnSpc>
+            </a:pPr>
+            <a:r>
+              <a:rPr lang="en-US" sz="2400" dirty="0" smtClean="0"/>
+              <a:t>No need to re-invent the wheel</a:t>
+            </a:r>
+          </a:p>
+          <a:p>
+            <a:pPr>
+              <a:lnSpc>
+                <a:spcPct val="90000"/>
+              </a:lnSpc>
+            </a:pPr>
+            <a:r>
+              <a:rPr lang="en-US" sz="2400" dirty="0" smtClean="0"/>
+              <a:t>Build for testability and you get flexibility for free</a:t>
+            </a:r>
+          </a:p>
+          <a:p>
+            <a:pPr>
+              <a:lnSpc>
+                <a:spcPct val="90000"/>
+              </a:lnSpc>
+            </a:pPr>
+            <a:endParaRPr lang="en-US" sz="2400" dirty="0" smtClean="0"/>
           </a:p>
         </p:txBody>
       </p:sp>
@@ -16788,14 +16293,14 @@
             </a:pPr>
             <a:r>
               <a:rPr lang="en-US" dirty="0" smtClean="0"/>
-              <a:t>Recap</a:t>
-            </a:r>
-          </a:p>
-        </p:txBody>
-      </p:sp>
-      <p:sp>
-        <p:nvSpPr>
-          <p:cNvPr id="6148" name="Text Placeholder 2"/>
+              <a:t>Questions?</a:t>
+            </a:r>
+          </a:p>
+        </p:txBody>
+      </p:sp>
+      <p:sp>
+        <p:nvSpPr>
+          <p:cNvPr id="28676" name="Text Placeholder 2"/>
           <p:cNvSpPr>
             <a:spLocks noGrp="1"/>
           </p:cNvSpPr>
@@ -16805,8 +16310,8 @@
         </p:nvSpPr>
         <p:spPr bwMode="auto">
           <a:xfrm>
-            <a:off x="457200" y="1600200"/>
-            <a:ext cx="7423150" cy="1904999"/>
+            <a:off x="1628775" y="3140075"/>
+            <a:ext cx="6230938" cy="577850"/>
           </a:xfrm>
           <a:noFill/>
           <a:ln>
@@ -16816,147 +16321,22 @@
           </a:ln>
         </p:spPr>
         <p:txBody>
-          <a:bodyPr vert="horz" wrap="square" lIns="91440" tIns="45720" rIns="91440" bIns="45720" numCol="1" anchor="t" anchorCtr="0" compatLnSpc="1">
+          <a:bodyPr vert="horz" wrap="square" lIns="91440" tIns="45720" rIns="91440" bIns="45720" numCol="1" anchor="ctr" anchorCtr="0" compatLnSpc="1">
             <a:prstTxWarp prst="textNoShape">
               <a:avLst/>
             </a:prstTxWarp>
-            <a:noAutofit/>
+            <a:normAutofit lnSpcReduction="10000"/>
           </a:bodyPr>
           <a:lstStyle/>
           <a:p>
-            <a:pPr>
-              <a:lnSpc>
-                <a:spcPct val="90000"/>
-              </a:lnSpc>
-            </a:pPr>
-            <a:r>
-              <a:rPr lang="en-US" sz="2400" dirty="0" smtClean="0"/>
-              <a:t>Database</a:t>
-            </a:r>
-          </a:p>
-          <a:p>
-            <a:pPr lvl="1">
-              <a:lnSpc>
-                <a:spcPct val="90000"/>
-              </a:lnSpc>
-            </a:pPr>
-            <a:r>
-              <a:rPr lang="en-US" sz="2400" dirty="0" err="1" smtClean="0"/>
-              <a:t>Nhibernate</a:t>
-            </a:r>
-            <a:endParaRPr lang="en-US" sz="2400" dirty="0" smtClean="0"/>
-          </a:p>
-          <a:p>
-            <a:pPr>
-              <a:lnSpc>
-                <a:spcPct val="90000"/>
-              </a:lnSpc>
-            </a:pPr>
-            <a:r>
-              <a:rPr lang="en-US" sz="2400" dirty="0" smtClean="0"/>
-              <a:t>Architectural</a:t>
-            </a:r>
-          </a:p>
-          <a:p>
-            <a:pPr lvl="1">
-              <a:lnSpc>
-                <a:spcPct val="90000"/>
-              </a:lnSpc>
-            </a:pPr>
-            <a:r>
-              <a:rPr lang="en-US" sz="2400" dirty="0" err="1" smtClean="0"/>
-              <a:t>MicroKernel</a:t>
-            </a:r>
-            <a:r>
-              <a:rPr lang="en-US" sz="2400" dirty="0" smtClean="0"/>
-              <a:t> / Windsor</a:t>
-            </a:r>
-          </a:p>
-          <a:p>
-            <a:pPr>
-              <a:lnSpc>
-                <a:spcPct val="90000"/>
-              </a:lnSpc>
-            </a:pPr>
-            <a:r>
-              <a:rPr lang="en-US" sz="2400" dirty="0" smtClean="0"/>
-              <a:t>Instrumentation</a:t>
-            </a:r>
-          </a:p>
-          <a:p>
-            <a:pPr lvl="1">
-              <a:lnSpc>
-                <a:spcPct val="90000"/>
-              </a:lnSpc>
-            </a:pPr>
-            <a:r>
-              <a:rPr lang="en-US" sz="2400" dirty="0" smtClean="0"/>
-              <a:t>Log4net</a:t>
-            </a:r>
-          </a:p>
-          <a:p>
-            <a:pPr>
-              <a:lnSpc>
-                <a:spcPct val="90000"/>
-              </a:lnSpc>
-            </a:pPr>
-            <a:r>
-              <a:rPr lang="en-US" sz="2400" dirty="0" smtClean="0"/>
-              <a:t>Testing</a:t>
-            </a:r>
-          </a:p>
-          <a:p>
-            <a:pPr lvl="1">
-              <a:lnSpc>
-                <a:spcPct val="90000"/>
-              </a:lnSpc>
-            </a:pPr>
-            <a:r>
-              <a:rPr lang="en-US" sz="2400" dirty="0" err="1" smtClean="0"/>
-              <a:t>Nunit</a:t>
-            </a:r>
-            <a:endParaRPr lang="en-US" sz="2400" dirty="0" smtClean="0"/>
-          </a:p>
-          <a:p>
-            <a:pPr>
-              <a:lnSpc>
-                <a:spcPct val="90000"/>
-              </a:lnSpc>
-            </a:pPr>
-            <a:r>
-              <a:rPr lang="en-US" sz="2400" dirty="0" smtClean="0"/>
-              <a:t>Build</a:t>
-            </a:r>
-          </a:p>
-          <a:p>
-            <a:pPr lvl="1">
-              <a:lnSpc>
-                <a:spcPct val="90000"/>
-              </a:lnSpc>
-            </a:pPr>
-            <a:r>
-              <a:rPr lang="en-US" sz="2400" dirty="0" err="1" smtClean="0"/>
-              <a:t>TeamCity</a:t>
-            </a:r>
-            <a:endParaRPr lang="en-US" sz="2400" dirty="0" smtClean="0"/>
-          </a:p>
-          <a:p>
-            <a:pPr lvl="1">
-              <a:lnSpc>
-                <a:spcPct val="90000"/>
-              </a:lnSpc>
+            <a:pPr algn="ctr">
+              <a:buFont typeface="Wingdings" pitchFamily="-64" charset="2"/>
               <a:buNone/>
             </a:pPr>
-            <a:endParaRPr lang="en-US" sz="2400" dirty="0" smtClean="0"/>
-          </a:p>
-          <a:p>
-            <a:pPr>
-              <a:lnSpc>
-                <a:spcPct val="90000"/>
-              </a:lnSpc>
-              <a:buNone/>
-            </a:pPr>
-            <a:endParaRPr lang="en-US" sz="2400" dirty="0" smtClean="0"/>
+            <a:r>
+              <a:rPr lang="en-US" sz="3200" dirty="0" smtClean="0"/>
+              <a:t>Clear as mud?</a:t>
+            </a:r>
           </a:p>
         </p:txBody>
       </p:sp>
@@ -17024,14 +16404,14 @@
             </a:pPr>
             <a:r>
               <a:rPr lang="en-US" dirty="0" smtClean="0"/>
-              <a:t>Recap</a:t>
-            </a:r>
-          </a:p>
-        </p:txBody>
-      </p:sp>
-      <p:sp>
-        <p:nvSpPr>
-          <p:cNvPr id="3076" name="Text Placeholder 2"/>
+              <a:t>THANK YOU!</a:t>
+            </a:r>
+          </a:p>
+        </p:txBody>
+      </p:sp>
+      <p:sp>
+        <p:nvSpPr>
+          <p:cNvPr id="29700" name="Text Placeholder 5"/>
           <p:cNvSpPr>
             <a:spLocks noGrp="1"/>
           </p:cNvSpPr>
@@ -17042,7 +16422,7 @@
         <p:spPr bwMode="auto">
           <a:xfrm>
             <a:off x="457200" y="1600200"/>
-            <a:ext cx="7781925" cy="4525963"/>
+            <a:ext cx="7896225" cy="4525963"/>
           </a:xfrm>
           <a:noFill/>
           <a:ln>
@@ -17060,259 +16440,6 @@
           </a:bodyPr>
           <a:lstStyle/>
           <a:p>
-            <a:pPr>
-              <a:lnSpc>
-                <a:spcPct val="90000"/>
-              </a:lnSpc>
-            </a:pPr>
-            <a:r>
-              <a:rPr lang="en-US" sz="2400" dirty="0" smtClean="0"/>
-              <a:t>Learn to leverage tooling for your product</a:t>
-            </a:r>
-          </a:p>
-          <a:p>
-            <a:pPr>
-              <a:lnSpc>
-                <a:spcPct val="90000"/>
-              </a:lnSpc>
-            </a:pPr>
-            <a:r>
-              <a:rPr lang="en-US" sz="2400" dirty="0" smtClean="0"/>
-              <a:t>No need to re-invent the wheel</a:t>
-            </a:r>
-          </a:p>
-          <a:p>
-            <a:pPr>
-              <a:lnSpc>
-                <a:spcPct val="90000"/>
-              </a:lnSpc>
-            </a:pPr>
-            <a:r>
-              <a:rPr lang="en-US" sz="2400" dirty="0" smtClean="0"/>
-              <a:t>Build for testability and you get flexibility for free</a:t>
-            </a:r>
-          </a:p>
-          <a:p>
-            <a:pPr>
-              <a:lnSpc>
-                <a:spcPct val="90000"/>
-              </a:lnSpc>
-            </a:pPr>
-            <a:endParaRPr lang="en-US" sz="2400" dirty="0" smtClean="0"/>
-          </a:p>
-        </p:txBody>
-      </p:sp>
-    </p:spTree>
-  </p:cSld>
-  <p:clrMapOvr>
-    <a:masterClrMapping/>
-  </p:clrMapOvr>
-  <p:transition/>
-  <p:timing>
-    <p:tnLst>
-      <p:par>
-        <p:cTn id="1" dur="indefinite" restart="never" nodeType="tmRoot"/>
-      </p:par>
-    </p:tnLst>
-  </p:timing>
-</p:sld>
-</file>
-
-<file path=ppt/slides/slide43.xml><?xml version="1.0" encoding="utf-8"?>
-<p:sld xmlns:a="http://schemas.openxmlformats.org/drawingml/2006/main" xmlns:r="http://schemas.openxmlformats.org/officeDocument/2006/relationships" xmlns:p="http://schemas.openxmlformats.org/presentationml/2006/main">
-  <p:cSld>
-    <p:spTree>
-      <p:nvGrpSpPr>
-        <p:cNvPr id="1" name=""/>
-        <p:cNvGrpSpPr/>
-        <p:nvPr/>
-      </p:nvGrpSpPr>
-      <p:grpSpPr>
-        <a:xfrm>
-          <a:off x="0" y="0"/>
-          <a:ext cx="0" cy="0"/>
-          <a:chOff x="0" y="0"/>
-          <a:chExt cx="0" cy="0"/>
-        </a:xfrm>
-      </p:grpSpPr>
-      <p:sp>
-        <p:nvSpPr>
-          <p:cNvPr id="203778" name="Rectangle 2"/>
-          <p:cNvSpPr>
-            <a:spLocks noGrp="1" noChangeArrowheads="1"/>
-          </p:cNvSpPr>
-          <p:nvPr>
-            <p:ph type="title"/>
-          </p:nvPr>
-        </p:nvSpPr>
-        <p:spPr bwMode="auto">
-          <a:ln>
-            <a:noFill/>
-            <a:miter lim="800000"/>
-            <a:headEnd/>
-            <a:tailEnd/>
-          </a:ln>
-        </p:spPr>
-        <p:txBody>
-          <a:bodyPr vert="horz" wrap="square" lIns="91440" tIns="45720" rIns="91440" bIns="45720" numCol="1" anchor="t" anchorCtr="0" compatLnSpc="1">
-            <a:prstTxWarp prst="textNoShape">
-              <a:avLst/>
-            </a:prstTxWarp>
-          </a:bodyPr>
-          <a:lstStyle/>
-          <a:p>
-            <a:pPr algn="r">
-              <a:defRPr/>
-            </a:pPr>
-            <a:r>
-              <a:rPr lang="en-US" dirty="0" smtClean="0"/>
-              <a:t>Questions?</a:t>
-            </a:r>
-          </a:p>
-        </p:txBody>
-      </p:sp>
-      <p:sp>
-        <p:nvSpPr>
-          <p:cNvPr id="28676" name="Text Placeholder 2"/>
-          <p:cNvSpPr>
-            <a:spLocks noGrp="1"/>
-          </p:cNvSpPr>
-          <p:nvPr>
-            <p:ph type="body" sz="half" idx="1"/>
-          </p:nvPr>
-        </p:nvSpPr>
-        <p:spPr bwMode="auto">
-          <a:xfrm>
-            <a:off x="1628775" y="3140075"/>
-            <a:ext cx="6230938" cy="577850"/>
-          </a:xfrm>
-          <a:noFill/>
-          <a:ln>
-            <a:miter lim="800000"/>
-            <a:headEnd/>
-            <a:tailEnd/>
-          </a:ln>
-        </p:spPr>
-        <p:txBody>
-          <a:bodyPr vert="horz" wrap="square" lIns="91440" tIns="45720" rIns="91440" bIns="45720" numCol="1" anchor="ctr" anchorCtr="0" compatLnSpc="1">
-            <a:prstTxWarp prst="textNoShape">
-              <a:avLst/>
-            </a:prstTxWarp>
-            <a:normAutofit lnSpcReduction="10000"/>
-          </a:bodyPr>
-          <a:lstStyle/>
-          <a:p>
-            <a:pPr algn="ctr">
-              <a:buFont typeface="Wingdings" pitchFamily="-64" charset="2"/>
-              <a:buNone/>
-            </a:pPr>
-            <a:r>
-              <a:rPr lang="en-US" sz="3200" dirty="0" smtClean="0"/>
-              <a:t>Clear as mud?</a:t>
-            </a:r>
-          </a:p>
-        </p:txBody>
-      </p:sp>
-    </p:spTree>
-  </p:cSld>
-  <p:clrMapOvr>
-    <a:masterClrMapping/>
-  </p:clrMapOvr>
-  <p:transition/>
-  <p:timing>
-    <p:tnLst>
-      <p:par>
-        <p:cTn id="1" dur="indefinite" restart="never" nodeType="tmRoot"/>
-      </p:par>
-    </p:tnLst>
-  </p:timing>
-</p:sld>
-</file>
-
-<file path=ppt/slides/slide44.xml><?xml version="1.0" encoding="utf-8"?>
-<p:sld xmlns:a="http://schemas.openxmlformats.org/drawingml/2006/main" xmlns:r="http://schemas.openxmlformats.org/officeDocument/2006/relationships" xmlns:p="http://schemas.openxmlformats.org/presentationml/2006/main">
-  <p:cSld>
-    <p:spTree>
-      <p:nvGrpSpPr>
-        <p:cNvPr id="1" name=""/>
-        <p:cNvGrpSpPr/>
-        <p:nvPr/>
-      </p:nvGrpSpPr>
-      <p:grpSpPr>
-        <a:xfrm>
-          <a:off x="0" y="0"/>
-          <a:ext cx="0" cy="0"/>
-          <a:chOff x="0" y="0"/>
-          <a:chExt cx="0" cy="0"/>
-        </a:xfrm>
-      </p:grpSpPr>
-      <p:sp>
-        <p:nvSpPr>
-          <p:cNvPr id="203778" name="Rectangle 2"/>
-          <p:cNvSpPr>
-            <a:spLocks noGrp="1" noChangeArrowheads="1"/>
-          </p:cNvSpPr>
-          <p:nvPr>
-            <p:ph type="title"/>
-          </p:nvPr>
-        </p:nvSpPr>
-        <p:spPr bwMode="auto">
-          <a:ln>
-            <a:noFill/>
-            <a:miter lim="800000"/>
-            <a:headEnd/>
-            <a:tailEnd/>
-          </a:ln>
-        </p:spPr>
-        <p:txBody>
-          <a:bodyPr vert="horz" wrap="square" lIns="91440" tIns="45720" rIns="91440" bIns="45720" numCol="1" anchor="t" anchorCtr="0" compatLnSpc="1">
-            <a:prstTxWarp prst="textNoShape">
-              <a:avLst/>
-            </a:prstTxWarp>
-          </a:bodyPr>
-          <a:lstStyle/>
-          <a:p>
-            <a:pPr algn="r">
-              <a:defRPr/>
-            </a:pPr>
-            <a:r>
-              <a:rPr lang="en-US" dirty="0" smtClean="0"/>
-              <a:t>THANK YOU!</a:t>
-            </a:r>
-          </a:p>
-        </p:txBody>
-      </p:sp>
-      <p:sp>
-        <p:nvSpPr>
-          <p:cNvPr id="29700" name="Text Placeholder 5"/>
-          <p:cNvSpPr>
-            <a:spLocks noGrp="1"/>
-          </p:cNvSpPr>
-          <p:nvPr>
-            <p:ph type="body" sz="half" idx="1"/>
-          </p:nvPr>
-        </p:nvSpPr>
-        <p:spPr bwMode="auto">
-          <a:xfrm>
-            <a:off x="457200" y="1600200"/>
-            <a:ext cx="7896225" cy="4525963"/>
-          </a:xfrm>
-          <a:noFill/>
-          <a:ln>
-            <a:miter lim="800000"/>
-            <a:headEnd/>
-            <a:tailEnd/>
-          </a:ln>
-        </p:spPr>
-        <p:txBody>
-          <a:bodyPr vert="horz" wrap="square" lIns="91440" tIns="45720" rIns="91440" bIns="45720" numCol="1" anchor="t" anchorCtr="0" compatLnSpc="1">
-            <a:prstTxWarp prst="textNoShape">
-              <a:avLst/>
-            </a:prstTxWarp>
-            <a:normAutofit/>
-          </a:bodyPr>
-          <a:lstStyle/>
-          <a:p>
             <a:r>
               <a:rPr lang="en-US" sz="2400" dirty="0" smtClean="0"/>
               <a:t>Email:    javier@lozanotek.com</a:t>
@@ -17333,8 +16460,13 @@
           <a:p>
             <a:r>
               <a:rPr lang="en-US" sz="2400" dirty="0" smtClean="0"/>
-              <a:t>Code:    http://github.com/jglozano/opensourcetools</a:t>
-            </a:r>
+              <a:t>Code:    http://</a:t>
+            </a:r>
+            <a:r>
+              <a:rPr lang="en-US" sz="2400" dirty="0" smtClean="0"/>
+              <a:t>github.com/lozanotek/opensource</a:t>
+            </a:r>
+            <a:endParaRPr lang="en-US" sz="2400" dirty="0" smtClean="0"/>
           </a:p>
         </p:txBody>
       </p:sp>
@@ -17456,19 +16588,13 @@
             </a:pPr>
             <a:r>
               <a:rPr lang="en-US" sz="2400" dirty="0" smtClean="0"/>
-              <a:t>ASP Insider</a:t>
-            </a:r>
-          </a:p>
-          <a:p>
-            <a:pPr>
-              <a:lnSpc>
-                <a:spcPct val="90000"/>
-              </a:lnSpc>
-            </a:pPr>
+              <a:t>ASP </a:t>
+            </a:r>
             <a:r>
               <a:rPr lang="en-US" sz="2400" dirty="0" smtClean="0"/>
-              <a:t>MCSD.NET</a:t>
-            </a:r>
+              <a:t>Insider</a:t>
+            </a:r>
+            <a:endParaRPr lang="en-US" sz="2400" dirty="0" smtClean="0"/>
           </a:p>
           <a:p>
             <a:pPr>
@@ -17699,8 +16825,13 @@
           <a:p>
             <a:r>
               <a:rPr lang="en-US" sz="2400" dirty="0" smtClean="0"/>
-              <a:t>Code:    http://github.com/jglozano/opensourcetools</a:t>
-            </a:r>
+              <a:t>Code:    http://</a:t>
+            </a:r>
+            <a:r>
+              <a:rPr lang="en-US" sz="2400" dirty="0" smtClean="0"/>
+              <a:t>github.com/lozanotek/opensource</a:t>
+            </a:r>
+            <a:endParaRPr lang="en-US" sz="2400" dirty="0" smtClean="0"/>
           </a:p>
         </p:txBody>
       </p:sp>
